--- a/clases/Cap05_Evaluacion/presentations/PAT05_Genuine_Impostor.pptx
+++ b/clases/Cap05_Evaluacion/presentations/PAT05_Genuine_Impostor.pptx
@@ -5,7 +5,7 @@
     <p:sldMasterId id="2147483648" r:id="rId1"/>
   </p:sldMasterIdLst>
   <p:notesMasterIdLst>
-    <p:notesMasterId r:id="rId8"/>
+    <p:notesMasterId r:id="rId9"/>
   </p:notesMasterIdLst>
   <p:sldIdLst>
     <p:sldId id="459" r:id="rId2"/>
@@ -14,6 +14,7 @@
     <p:sldId id="475" r:id="rId5"/>
     <p:sldId id="476" r:id="rId6"/>
     <p:sldId id="477" r:id="rId7"/>
+    <p:sldId id="478" r:id="rId8"/>
   </p:sldIdLst>
   <p:sldSz cx="9144000" cy="6858000" type="screen4x3"/>
   <p:notesSz cx="6858000" cy="9144000"/>
@@ -9087,6 +9088,156 @@
           </a:p>
         </p:txBody>
       </p:sp>
+      <p:cxnSp>
+        <p:nvCxnSpPr>
+          <p:cNvPr id="23" name="Straight Arrow Connector 22">
+            <a:extLst>
+              <a:ext uri="{FF2B5EF4-FFF2-40B4-BE49-F238E27FC236}">
+                <a16:creationId xmlns:a16="http://schemas.microsoft.com/office/drawing/2014/main" id="{EE25BABD-D0DF-1349-988F-23A7A6452590}"/>
+              </a:ext>
+            </a:extLst>
+          </p:cNvPr>
+          <p:cNvCxnSpPr/>
+          <p:nvPr/>
+        </p:nvCxnSpPr>
+        <p:spPr>
+          <a:xfrm>
+            <a:off x="7735330" y="4868562"/>
+            <a:ext cx="902043" cy="0"/>
+          </a:xfrm>
+          <a:prstGeom prst="straightConnector1">
+            <a:avLst/>
+          </a:prstGeom>
+          <a:ln>
+            <a:tailEnd type="triangle"/>
+          </a:ln>
+        </p:spPr>
+        <p:style>
+          <a:lnRef idx="2">
+            <a:schemeClr val="accent1"/>
+          </a:lnRef>
+          <a:fillRef idx="0">
+            <a:schemeClr val="accent1"/>
+          </a:fillRef>
+          <a:effectRef idx="1">
+            <a:schemeClr val="accent1"/>
+          </a:effectRef>
+          <a:fontRef idx="minor">
+            <a:schemeClr val="tx1"/>
+          </a:fontRef>
+        </p:style>
+      </p:cxnSp>
+      <p:sp>
+        <p:nvSpPr>
+          <p:cNvPr id="24" name="TextBox 23">
+            <a:extLst>
+              <a:ext uri="{FF2B5EF4-FFF2-40B4-BE49-F238E27FC236}">
+                <a16:creationId xmlns:a16="http://schemas.microsoft.com/office/drawing/2014/main" id="{D80B645F-E6A3-9840-9B17-1979D7A76614}"/>
+              </a:ext>
+            </a:extLst>
+          </p:cNvPr>
+          <p:cNvSpPr txBox="1"/>
+          <p:nvPr/>
+        </p:nvSpPr>
+        <p:spPr>
+          <a:xfrm>
+            <a:off x="8106032" y="4972729"/>
+            <a:ext cx="290464" cy="369332"/>
+          </a:xfrm>
+          <a:prstGeom prst="rect">
+            <a:avLst/>
+          </a:prstGeom>
+          <a:noFill/>
+        </p:spPr>
+        <p:txBody>
+          <a:bodyPr wrap="none" rtlCol="0">
+            <a:spAutoFit/>
+          </a:bodyPr>
+          <a:lstStyle/>
+          <a:p>
+            <a:r>
+              <a:rPr lang="en-US" dirty="0"/>
+              <a:t>S</a:t>
+            </a:r>
+          </a:p>
+        </p:txBody>
+      </p:sp>
+      <p:cxnSp>
+        <p:nvCxnSpPr>
+          <p:cNvPr id="25" name="Straight Arrow Connector 24">
+            <a:extLst>
+              <a:ext uri="{FF2B5EF4-FFF2-40B4-BE49-F238E27FC236}">
+                <a16:creationId xmlns:a16="http://schemas.microsoft.com/office/drawing/2014/main" id="{FBF96432-413A-9647-8411-CBCAF920547E}"/>
+              </a:ext>
+            </a:extLst>
+          </p:cNvPr>
+          <p:cNvCxnSpPr>
+            <a:cxnSpLocks/>
+          </p:cNvCxnSpPr>
+          <p:nvPr/>
+        </p:nvCxnSpPr>
+        <p:spPr>
+          <a:xfrm flipV="1">
+            <a:off x="1038415" y="2082801"/>
+            <a:ext cx="0" cy="1402147"/>
+          </a:xfrm>
+          <a:prstGeom prst="straightConnector1">
+            <a:avLst/>
+          </a:prstGeom>
+          <a:ln>
+            <a:tailEnd type="triangle"/>
+          </a:ln>
+        </p:spPr>
+        <p:style>
+          <a:lnRef idx="2">
+            <a:schemeClr val="accent1"/>
+          </a:lnRef>
+          <a:fillRef idx="0">
+            <a:schemeClr val="accent1"/>
+          </a:fillRef>
+          <a:effectRef idx="1">
+            <a:schemeClr val="accent1"/>
+          </a:effectRef>
+          <a:fontRef idx="minor">
+            <a:schemeClr val="tx1"/>
+          </a:fontRef>
+        </p:style>
+      </p:cxnSp>
+      <p:sp>
+        <p:nvSpPr>
+          <p:cNvPr id="27" name="TextBox 26">
+            <a:extLst>
+              <a:ext uri="{FF2B5EF4-FFF2-40B4-BE49-F238E27FC236}">
+                <a16:creationId xmlns:a16="http://schemas.microsoft.com/office/drawing/2014/main" id="{3612043D-3D59-5446-9501-E51794B0A6DD}"/>
+              </a:ext>
+            </a:extLst>
+          </p:cNvPr>
+          <p:cNvSpPr txBox="1"/>
+          <p:nvPr/>
+        </p:nvSpPr>
+        <p:spPr>
+          <a:xfrm rot="16200000">
+            <a:off x="-748118" y="2664587"/>
+            <a:ext cx="2930289" cy="369332"/>
+          </a:xfrm>
+          <a:prstGeom prst="rect">
+            <a:avLst/>
+          </a:prstGeom>
+          <a:noFill/>
+        </p:spPr>
+        <p:txBody>
+          <a:bodyPr wrap="none" rtlCol="0">
+            <a:spAutoFit/>
+          </a:bodyPr>
+          <a:lstStyle/>
+          <a:p>
+            <a:r>
+              <a:rPr lang="en-US" dirty="0"/>
+              <a:t>Probability density frequency</a:t>
+            </a:r>
+          </a:p>
+        </p:txBody>
+      </p:sp>
     </p:spTree>
     <p:extLst>
       <p:ext uri="{BB962C8B-B14F-4D97-AF65-F5344CB8AC3E}">
@@ -9501,6 +9652,282 @@
     <p:extLst>
       <p:ext uri="{BB962C8B-B14F-4D97-AF65-F5344CB8AC3E}">
         <p14:creationId xmlns:p14="http://schemas.microsoft.com/office/powerpoint/2010/main" val="851556059"/>
+      </p:ext>
+    </p:extLst>
+  </p:cSld>
+  <p:clrMapOvr>
+    <a:masterClrMapping/>
+  </p:clrMapOvr>
+</p:sld>
+</file>
+
+<file path=ppt/slides/slide7.xml><?xml version="1.0" encoding="utf-8"?>
+<p:sld xmlns:a="http://schemas.openxmlformats.org/drawingml/2006/main" xmlns:r="http://schemas.openxmlformats.org/officeDocument/2006/relationships" xmlns:p="http://schemas.openxmlformats.org/presentationml/2006/main">
+  <p:cSld>
+    <p:spTree>
+      <p:nvGrpSpPr>
+        <p:cNvPr id="1" name=""/>
+        <p:cNvGrpSpPr/>
+        <p:nvPr/>
+      </p:nvGrpSpPr>
+      <p:grpSpPr>
+        <a:xfrm>
+          <a:off x="0" y="0"/>
+          <a:ext cx="0" cy="0"/>
+          <a:chOff x="0" y="0"/>
+          <a:chExt cx="0" cy="0"/>
+        </a:xfrm>
+      </p:grpSpPr>
+      <p:sp>
+        <p:nvSpPr>
+          <p:cNvPr id="2" name="Title 1">
+            <a:extLst>
+              <a:ext uri="{FF2B5EF4-FFF2-40B4-BE49-F238E27FC236}">
+                <a16:creationId xmlns:a16="http://schemas.microsoft.com/office/drawing/2014/main" id="{2E6B9BFC-3ED1-B444-8BB8-557A4E0F7F4C}"/>
+              </a:ext>
+            </a:extLst>
+          </p:cNvPr>
+          <p:cNvSpPr>
+            <a:spLocks noGrp="1"/>
+          </p:cNvSpPr>
+          <p:nvPr>
+            <p:ph type="title"/>
+          </p:nvPr>
+        </p:nvSpPr>
+        <p:spPr/>
+        <p:txBody>
+          <a:bodyPr/>
+          <a:lstStyle/>
+          <a:p>
+            <a:r>
+              <a:rPr lang="en-US" dirty="0"/>
+              <a:t>Other metrics</a:t>
+            </a:r>
+          </a:p>
+        </p:txBody>
+      </p:sp>
+      <p:pic>
+        <p:nvPicPr>
+          <p:cNvPr id="4" name="Picture 3">
+            <a:extLst>
+              <a:ext uri="{FF2B5EF4-FFF2-40B4-BE49-F238E27FC236}">
+                <a16:creationId xmlns:a16="http://schemas.microsoft.com/office/drawing/2014/main" id="{F51EDBBB-B093-6C46-96A2-04BD5F9900C5}"/>
+              </a:ext>
+            </a:extLst>
+          </p:cNvPr>
+          <p:cNvPicPr>
+            <a:picLocks noChangeAspect="1"/>
+          </p:cNvPicPr>
+          <p:nvPr/>
+        </p:nvPicPr>
+        <p:blipFill>
+          <a:blip r:embed="rId2"/>
+          <a:stretch>
+            <a:fillRect/>
+          </a:stretch>
+        </p:blipFill>
+        <p:spPr>
+          <a:xfrm>
+            <a:off x="812800" y="2334397"/>
+            <a:ext cx="7518400" cy="533400"/>
+          </a:xfrm>
+          <a:prstGeom prst="rect">
+            <a:avLst/>
+          </a:prstGeom>
+        </p:spPr>
+      </p:pic>
+      <p:sp>
+        <p:nvSpPr>
+          <p:cNvPr id="5" name="TextBox 4">
+            <a:extLst>
+              <a:ext uri="{FF2B5EF4-FFF2-40B4-BE49-F238E27FC236}">
+                <a16:creationId xmlns:a16="http://schemas.microsoft.com/office/drawing/2014/main" id="{7345E164-34DA-F14C-99E5-5BE3BD5EDFE9}"/>
+              </a:ext>
+            </a:extLst>
+          </p:cNvPr>
+          <p:cNvSpPr txBox="1"/>
+          <p:nvPr/>
+        </p:nvSpPr>
+        <p:spPr>
+          <a:xfrm>
+            <a:off x="2236573" y="3657600"/>
+            <a:ext cx="2336986" cy="369332"/>
+          </a:xfrm>
+          <a:prstGeom prst="rect">
+            <a:avLst/>
+          </a:prstGeom>
+          <a:noFill/>
+        </p:spPr>
+        <p:txBody>
+          <a:bodyPr wrap="none" rtlCol="0">
+            <a:spAutoFit/>
+          </a:bodyPr>
+          <a:lstStyle/>
+          <a:p>
+            <a:r>
+              <a:rPr lang="en-US" dirty="0"/>
+              <a:t>For Euclidean distance:</a:t>
+            </a:r>
+          </a:p>
+        </p:txBody>
+      </p:sp>
+      <p:pic>
+        <p:nvPicPr>
+          <p:cNvPr id="6" name="Picture 5">
+            <a:extLst>
+              <a:ext uri="{FF2B5EF4-FFF2-40B4-BE49-F238E27FC236}">
+                <a16:creationId xmlns:a16="http://schemas.microsoft.com/office/drawing/2014/main" id="{621A1E70-28ED-5142-8589-519E0C83AACE}"/>
+              </a:ext>
+            </a:extLst>
+          </p:cNvPr>
+          <p:cNvPicPr>
+            <a:picLocks noChangeAspect="1"/>
+          </p:cNvPicPr>
+          <p:nvPr/>
+        </p:nvPicPr>
+        <p:blipFill>
+          <a:blip r:embed="rId3"/>
+          <a:stretch>
+            <a:fillRect/>
+          </a:stretch>
+        </p:blipFill>
+        <p:spPr>
+          <a:xfrm>
+            <a:off x="4680122" y="3672704"/>
+            <a:ext cx="1143000" cy="317500"/>
+          </a:xfrm>
+          <a:prstGeom prst="rect">
+            <a:avLst/>
+          </a:prstGeom>
+        </p:spPr>
+      </p:pic>
+      <p:sp>
+        <p:nvSpPr>
+          <p:cNvPr id="7" name="TextBox 6">
+            <a:extLst>
+              <a:ext uri="{FF2B5EF4-FFF2-40B4-BE49-F238E27FC236}">
+                <a16:creationId xmlns:a16="http://schemas.microsoft.com/office/drawing/2014/main" id="{99110118-135E-6A4E-A3C4-76E847EF4802}"/>
+              </a:ext>
+            </a:extLst>
+          </p:cNvPr>
+          <p:cNvSpPr txBox="1"/>
+          <p:nvPr/>
+        </p:nvSpPr>
+        <p:spPr>
+          <a:xfrm>
+            <a:off x="1883997" y="4508673"/>
+            <a:ext cx="4847674" cy="646331"/>
+          </a:xfrm>
+          <a:prstGeom prst="rect">
+            <a:avLst/>
+          </a:prstGeom>
+          <a:noFill/>
+        </p:spPr>
+        <p:txBody>
+          <a:bodyPr wrap="none" rtlCol="0">
+            <a:spAutoFit/>
+          </a:bodyPr>
+          <a:lstStyle/>
+          <a:p>
+            <a:r>
+              <a:rPr lang="en-US" dirty="0"/>
+              <a:t>If image-A and image-B are from the same person</a:t>
+            </a:r>
+          </a:p>
+          <a:p>
+            <a:r>
+              <a:rPr lang="en-US" dirty="0"/>
+              <a:t>	the distance is low </a:t>
+            </a:r>
+          </a:p>
+        </p:txBody>
+      </p:sp>
+      <p:sp>
+        <p:nvSpPr>
+          <p:cNvPr id="8" name="TextBox 7">
+            <a:extLst>
+              <a:ext uri="{FF2B5EF4-FFF2-40B4-BE49-F238E27FC236}">
+                <a16:creationId xmlns:a16="http://schemas.microsoft.com/office/drawing/2014/main" id="{D402F5DC-7568-1842-AB0B-8E5AEAC1130C}"/>
+              </a:ext>
+            </a:extLst>
+          </p:cNvPr>
+          <p:cNvSpPr txBox="1"/>
+          <p:nvPr/>
+        </p:nvSpPr>
+        <p:spPr>
+          <a:xfrm>
+            <a:off x="1864094" y="5073251"/>
+            <a:ext cx="4882619" cy="646331"/>
+          </a:xfrm>
+          <a:prstGeom prst="rect">
+            <a:avLst/>
+          </a:prstGeom>
+          <a:noFill/>
+        </p:spPr>
+        <p:txBody>
+          <a:bodyPr wrap="none" rtlCol="0">
+            <a:spAutoFit/>
+          </a:bodyPr>
+          <a:lstStyle/>
+          <a:p>
+            <a:r>
+              <a:rPr lang="en-US" dirty="0"/>
+              <a:t>If image-A and image-B are from different persons</a:t>
+            </a:r>
+          </a:p>
+          <a:p>
+            <a:r>
+              <a:rPr lang="en-US" dirty="0"/>
+              <a:t>	the distance is high</a:t>
+            </a:r>
+          </a:p>
+        </p:txBody>
+      </p:sp>
+      <p:sp>
+        <p:nvSpPr>
+          <p:cNvPr id="10" name="TextBox 9">
+            <a:extLst>
+              <a:ext uri="{FF2B5EF4-FFF2-40B4-BE49-F238E27FC236}">
+                <a16:creationId xmlns:a16="http://schemas.microsoft.com/office/drawing/2014/main" id="{1C44259C-B81B-F247-8FC1-D5F7CF1BE50C}"/>
+              </a:ext>
+            </a:extLst>
+          </p:cNvPr>
+          <p:cNvSpPr txBox="1"/>
+          <p:nvPr/>
+        </p:nvSpPr>
+        <p:spPr>
+          <a:xfrm>
+            <a:off x="2354580" y="5909220"/>
+            <a:ext cx="3901646" cy="646331"/>
+          </a:xfrm>
+          <a:prstGeom prst="rect">
+            <a:avLst/>
+          </a:prstGeom>
+          <a:noFill/>
+        </p:spPr>
+        <p:txBody>
+          <a:bodyPr wrap="none" rtlCol="0">
+            <a:spAutoFit/>
+          </a:bodyPr>
+          <a:lstStyle/>
+          <a:p>
+            <a:r>
+              <a:rPr lang="en-US" dirty="0"/>
+              <a:t>Genuine distribution is at the left side</a:t>
+            </a:r>
+          </a:p>
+          <a:p>
+            <a:r>
+              <a:rPr lang="en-US" dirty="0"/>
+              <a:t>Impostor distribution is at the right side</a:t>
+            </a:r>
+          </a:p>
+        </p:txBody>
+      </p:sp>
+    </p:spTree>
+    <p:extLst>
+      <p:ext uri="{BB962C8B-B14F-4D97-AF65-F5344CB8AC3E}">
+        <p14:creationId xmlns:p14="http://schemas.microsoft.com/office/powerpoint/2010/main" val="1333877618"/>
       </p:ext>
     </p:extLst>
   </p:cSld>

--- a/clases/Cap05_Evaluacion/presentations/PAT05_Genuine_Impostor.pptx
+++ b/clases/Cap05_Evaluacion/presentations/PAT05_Genuine_Impostor.pptx
@@ -5,7 +5,7 @@
     <p:sldMasterId id="2147483648" r:id="rId1"/>
   </p:sldMasterIdLst>
   <p:notesMasterIdLst>
-    <p:notesMasterId r:id="rId9"/>
+    <p:notesMasterId r:id="rId10"/>
   </p:notesMasterIdLst>
   <p:sldIdLst>
     <p:sldId id="459" r:id="rId2"/>
@@ -15,6 +15,7 @@
     <p:sldId id="476" r:id="rId6"/>
     <p:sldId id="477" r:id="rId7"/>
     <p:sldId id="478" r:id="rId8"/>
+    <p:sldId id="479" r:id="rId9"/>
   </p:sldIdLst>
   <p:sldSz cx="9144000" cy="6858000" type="screen4x3"/>
   <p:notesSz cx="6858000" cy="9144000"/>
@@ -9750,8 +9751,8 @@
         </p:nvSpPr>
         <p:spPr>
           <a:xfrm>
-            <a:off x="2236573" y="3657600"/>
-            <a:ext cx="2336986" cy="369332"/>
+            <a:off x="1865868" y="3657600"/>
+            <a:ext cx="6964342" cy="923330"/>
           </a:xfrm>
           <a:prstGeom prst="rect">
             <a:avLst/>
@@ -9767,6 +9768,15 @@
             <a:r>
               <a:rPr lang="en-US" dirty="0"/>
               <a:t>For Euclidean distance:</a:t>
+            </a:r>
+          </a:p>
+          <a:p>
+            <a:endParaRPr lang="en-US" dirty="0"/>
+          </a:p>
+          <a:p>
+            <a:r>
+              <a:rPr lang="en-US" dirty="0"/>
+              <a:t>For other metrics, matrix         is learned from negative and positive pairs</a:t>
             </a:r>
           </a:p>
         </p:txBody>
@@ -9793,7 +9803,7 @@
         </p:blipFill>
         <p:spPr>
           <a:xfrm>
-            <a:off x="4680122" y="3672704"/>
+            <a:off x="4309417" y="3672704"/>
             <a:ext cx="1143000" cy="317500"/>
           </a:xfrm>
           <a:prstGeom prst="rect">
@@ -9815,8 +9825,8 @@
         </p:nvSpPr>
         <p:spPr>
           <a:xfrm>
-            <a:off x="1883997" y="4508673"/>
-            <a:ext cx="4847674" cy="646331"/>
+            <a:off x="1883997" y="4743456"/>
+            <a:ext cx="6634637" cy="369332"/>
           </a:xfrm>
           <a:prstGeom prst="rect">
             <a:avLst/>
@@ -9831,13 +9841,7 @@
           <a:p>
             <a:r>
               <a:rPr lang="en-US" dirty="0"/>
-              <a:t>If image-A and image-B are from the same person</a:t>
-            </a:r>
-          </a:p>
-          <a:p>
-            <a:r>
-              <a:rPr lang="en-US" dirty="0"/>
-              <a:t>	the distance is low </a:t>
+              <a:t>If image-A and image-B are from the same person the distance is low </a:t>
             </a:r>
           </a:p>
         </p:txBody>
@@ -9856,8 +9860,8 @@
         </p:nvSpPr>
         <p:spPr>
           <a:xfrm>
-            <a:off x="1864094" y="5073251"/>
-            <a:ext cx="4882619" cy="646331"/>
+            <a:off x="1864094" y="5308034"/>
+            <a:ext cx="6682855" cy="369332"/>
           </a:xfrm>
           <a:prstGeom prst="rect">
             <a:avLst/>
@@ -9872,13 +9876,7 @@
           <a:p>
             <a:r>
               <a:rPr lang="en-US" dirty="0"/>
-              <a:t>If image-A and image-B are from different persons</a:t>
-            </a:r>
-          </a:p>
-          <a:p>
-            <a:r>
-              <a:rPr lang="en-US" dirty="0"/>
-              <a:t>	the distance is high</a:t>
+              <a:t>If image-A and image-B are from different persons the distance is high</a:t>
             </a:r>
           </a:p>
         </p:txBody>
@@ -9897,7 +9895,7 @@
         </p:nvSpPr>
         <p:spPr>
           <a:xfrm>
-            <a:off x="2354580" y="5909220"/>
+            <a:off x="1860306" y="5909220"/>
             <a:ext cx="3901646" cy="646331"/>
           </a:xfrm>
           <a:prstGeom prst="rect">
@@ -9924,10 +9922,689 @@
           </a:p>
         </p:txBody>
       </p:sp>
+      <p:pic>
+        <p:nvPicPr>
+          <p:cNvPr id="12" name="Picture 11">
+            <a:extLst>
+              <a:ext uri="{FF2B5EF4-FFF2-40B4-BE49-F238E27FC236}">
+                <a16:creationId xmlns:a16="http://schemas.microsoft.com/office/drawing/2014/main" id="{EB37560C-E03A-E04D-8489-87C4DC9BBF64}"/>
+              </a:ext>
+            </a:extLst>
+          </p:cNvPr>
+          <p:cNvPicPr>
+            <a:picLocks noChangeAspect="1"/>
+          </p:cNvPicPr>
+          <p:nvPr/>
+        </p:nvPicPr>
+        <p:blipFill>
+          <a:blip r:embed="rId4"/>
+          <a:stretch>
+            <a:fillRect/>
+          </a:stretch>
+        </p:blipFill>
+        <p:spPr>
+          <a:xfrm>
+            <a:off x="4394542" y="4306337"/>
+            <a:ext cx="165100" cy="158750"/>
+          </a:xfrm>
+          <a:prstGeom prst="rect">
+            <a:avLst/>
+          </a:prstGeom>
+        </p:spPr>
+      </p:pic>
     </p:spTree>
     <p:extLst>
       <p:ext uri="{BB962C8B-B14F-4D97-AF65-F5344CB8AC3E}">
         <p14:creationId xmlns:p14="http://schemas.microsoft.com/office/powerpoint/2010/main" val="1333877618"/>
+      </p:ext>
+    </p:extLst>
+  </p:cSld>
+  <p:clrMapOvr>
+    <a:masterClrMapping/>
+  </p:clrMapOvr>
+</p:sld>
+</file>
+
+<file path=ppt/slides/slide8.xml><?xml version="1.0" encoding="utf-8"?>
+<p:sld xmlns:a="http://schemas.openxmlformats.org/drawingml/2006/main" xmlns:r="http://schemas.openxmlformats.org/officeDocument/2006/relationships" xmlns:p="http://schemas.openxmlformats.org/presentationml/2006/main">
+  <p:cSld>
+    <p:spTree>
+      <p:nvGrpSpPr>
+        <p:cNvPr id="1" name=""/>
+        <p:cNvGrpSpPr/>
+        <p:nvPr/>
+      </p:nvGrpSpPr>
+      <p:grpSpPr>
+        <a:xfrm>
+          <a:off x="0" y="0"/>
+          <a:ext cx="0" cy="0"/>
+          <a:chOff x="0" y="0"/>
+          <a:chExt cx="0" cy="0"/>
+        </a:xfrm>
+      </p:grpSpPr>
+      <p:sp>
+        <p:nvSpPr>
+          <p:cNvPr id="2" name="Title 1">
+            <a:extLst>
+              <a:ext uri="{FF2B5EF4-FFF2-40B4-BE49-F238E27FC236}">
+                <a16:creationId xmlns:a16="http://schemas.microsoft.com/office/drawing/2014/main" id="{2E6B9BFC-3ED1-B444-8BB8-557A4E0F7F4C}"/>
+              </a:ext>
+            </a:extLst>
+          </p:cNvPr>
+          <p:cNvSpPr>
+            <a:spLocks noGrp="1"/>
+          </p:cNvSpPr>
+          <p:nvPr>
+            <p:ph type="title"/>
+          </p:nvPr>
+        </p:nvSpPr>
+        <p:spPr/>
+        <p:txBody>
+          <a:bodyPr/>
+          <a:lstStyle/>
+          <a:p>
+            <a:r>
+              <a:rPr lang="en-US" dirty="0"/>
+              <a:t>Other metrics</a:t>
+            </a:r>
+          </a:p>
+        </p:txBody>
+      </p:sp>
+      <p:sp>
+        <p:nvSpPr>
+          <p:cNvPr id="3" name="TextBox 2">
+            <a:extLst>
+              <a:ext uri="{FF2B5EF4-FFF2-40B4-BE49-F238E27FC236}">
+                <a16:creationId xmlns:a16="http://schemas.microsoft.com/office/drawing/2014/main" id="{7B7DFE74-B078-E54E-BEE5-A8F88E591463}"/>
+              </a:ext>
+            </a:extLst>
+          </p:cNvPr>
+          <p:cNvSpPr txBox="1"/>
+          <p:nvPr/>
+        </p:nvSpPr>
+        <p:spPr>
+          <a:xfrm>
+            <a:off x="902044" y="1445735"/>
+            <a:ext cx="7698260" cy="1754326"/>
+          </a:xfrm>
+          <a:prstGeom prst="rect">
+            <a:avLst/>
+          </a:prstGeom>
+          <a:noFill/>
+        </p:spPr>
+        <p:txBody>
+          <a:bodyPr wrap="square" rtlCol="0">
+            <a:spAutoFit/>
+          </a:bodyPr>
+          <a:lstStyle/>
+          <a:p>
+            <a:r>
+              <a:rPr lang="en-US" dirty="0"/>
+              <a:t>Sometimes the metric is obtained from the output of a classifier (for example SVM or neural network). In this case, there are two classes, ‘1’ for genuine (same person) and ‘0’ for impostor (different persons). Typically, the classifier has a score at the output that is compared with a threshold. If the score is greater than the threshold the classification is ‘1’, otherwise is ‘0’. The score can be used in this case as a similarity metric.</a:t>
+            </a:r>
+          </a:p>
+        </p:txBody>
+      </p:sp>
+      <p:pic>
+        <p:nvPicPr>
+          <p:cNvPr id="11" name="Picture 10">
+            <a:extLst>
+              <a:ext uri="{FF2B5EF4-FFF2-40B4-BE49-F238E27FC236}">
+                <a16:creationId xmlns:a16="http://schemas.microsoft.com/office/drawing/2014/main" id="{6AAC749C-3905-764C-807E-71A69ACD338C}"/>
+              </a:ext>
+            </a:extLst>
+          </p:cNvPr>
+          <p:cNvPicPr>
+            <a:picLocks noChangeAspect="1"/>
+          </p:cNvPicPr>
+          <p:nvPr/>
+        </p:nvPicPr>
+        <p:blipFill>
+          <a:blip r:embed="rId2"/>
+          <a:stretch>
+            <a:fillRect/>
+          </a:stretch>
+        </p:blipFill>
+        <p:spPr>
+          <a:xfrm>
+            <a:off x="2585307" y="3237807"/>
+            <a:ext cx="3135870" cy="2758963"/>
+          </a:xfrm>
+          <a:prstGeom prst="rect">
+            <a:avLst/>
+          </a:prstGeom>
+        </p:spPr>
+      </p:pic>
+      <p:pic>
+        <p:nvPicPr>
+          <p:cNvPr id="13" name="Picture 12">
+            <a:extLst>
+              <a:ext uri="{FF2B5EF4-FFF2-40B4-BE49-F238E27FC236}">
+                <a16:creationId xmlns:a16="http://schemas.microsoft.com/office/drawing/2014/main" id="{D142A1AD-FB0C-094C-B550-FE934B74A0CB}"/>
+              </a:ext>
+            </a:extLst>
+          </p:cNvPr>
+          <p:cNvPicPr>
+            <a:picLocks noChangeAspect="1"/>
+          </p:cNvPicPr>
+          <p:nvPr/>
+        </p:nvPicPr>
+        <p:blipFill>
+          <a:blip r:embed="rId3">
+            <a:extLst>
+              <a:ext uri="{28A0092B-C50C-407E-A947-70E740481C1C}">
+                <a14:useLocalDpi xmlns:a14="http://schemas.microsoft.com/office/drawing/2010/main" val="0"/>
+              </a:ext>
+            </a:extLst>
+          </a:blip>
+          <a:stretch>
+            <a:fillRect/>
+          </a:stretch>
+        </p:blipFill>
+        <p:spPr>
+          <a:xfrm>
+            <a:off x="902042" y="3492352"/>
+            <a:ext cx="682325" cy="992473"/>
+          </a:xfrm>
+          <a:prstGeom prst="rect">
+            <a:avLst/>
+          </a:prstGeom>
+          <a:ln w="38100">
+            <a:noFill/>
+          </a:ln>
+        </p:spPr>
+      </p:pic>
+      <p:pic>
+        <p:nvPicPr>
+          <p:cNvPr id="14" name="Picture 13">
+            <a:extLst>
+              <a:ext uri="{FF2B5EF4-FFF2-40B4-BE49-F238E27FC236}">
+                <a16:creationId xmlns:a16="http://schemas.microsoft.com/office/drawing/2014/main" id="{C4F5766F-16A8-4043-9F92-58A317207B36}"/>
+              </a:ext>
+            </a:extLst>
+          </p:cNvPr>
+          <p:cNvPicPr>
+            <a:picLocks noChangeAspect="1"/>
+          </p:cNvPicPr>
+          <p:nvPr/>
+        </p:nvPicPr>
+        <p:blipFill>
+          <a:blip r:embed="rId4">
+            <a:extLst>
+              <a:ext uri="{28A0092B-C50C-407E-A947-70E740481C1C}">
+                <a14:useLocalDpi xmlns:a14="http://schemas.microsoft.com/office/drawing/2010/main" val="0"/>
+              </a:ext>
+            </a:extLst>
+          </a:blip>
+          <a:stretch>
+            <a:fillRect/>
+          </a:stretch>
+        </p:blipFill>
+        <p:spPr>
+          <a:xfrm>
+            <a:off x="902042" y="4688159"/>
+            <a:ext cx="682325" cy="992473"/>
+          </a:xfrm>
+          <a:prstGeom prst="rect">
+            <a:avLst/>
+          </a:prstGeom>
+          <a:ln w="63500">
+            <a:noFill/>
+          </a:ln>
+        </p:spPr>
+      </p:pic>
+      <p:sp>
+        <p:nvSpPr>
+          <p:cNvPr id="15" name="Right Arrow 14">
+            <a:extLst>
+              <a:ext uri="{FF2B5EF4-FFF2-40B4-BE49-F238E27FC236}">
+                <a16:creationId xmlns:a16="http://schemas.microsoft.com/office/drawing/2014/main" id="{380096CF-BC79-6141-BDC8-9365D1D1B64B}"/>
+              </a:ext>
+            </a:extLst>
+          </p:cNvPr>
+          <p:cNvSpPr/>
+          <p:nvPr/>
+        </p:nvSpPr>
+        <p:spPr>
+          <a:xfrm>
+            <a:off x="1699008" y="3838184"/>
+            <a:ext cx="517979" cy="300808"/>
+          </a:xfrm>
+          <a:prstGeom prst="rightArrow">
+            <a:avLst/>
+          </a:prstGeom>
+          <a:solidFill>
+            <a:schemeClr val="bg2">
+              <a:lumMod val="75000"/>
+            </a:schemeClr>
+          </a:solidFill>
+          <a:ln>
+            <a:solidFill>
+              <a:srgbClr val="000000"/>
+            </a:solidFill>
+          </a:ln>
+        </p:spPr>
+        <p:style>
+          <a:lnRef idx="1">
+            <a:schemeClr val="accent1"/>
+          </a:lnRef>
+          <a:fillRef idx="3">
+            <a:schemeClr val="accent1"/>
+          </a:fillRef>
+          <a:effectRef idx="2">
+            <a:schemeClr val="accent1"/>
+          </a:effectRef>
+          <a:fontRef idx="minor">
+            <a:schemeClr val="lt1"/>
+          </a:fontRef>
+        </p:style>
+        <p:txBody>
+          <a:bodyPr rtlCol="0" anchor="ctr"/>
+          <a:lstStyle/>
+          <a:p>
+            <a:pPr algn="ctr"/>
+            <a:endParaRPr lang="en-US"/>
+          </a:p>
+        </p:txBody>
+      </p:sp>
+      <p:sp>
+        <p:nvSpPr>
+          <p:cNvPr id="16" name="Right Arrow 15">
+            <a:extLst>
+              <a:ext uri="{FF2B5EF4-FFF2-40B4-BE49-F238E27FC236}">
+                <a16:creationId xmlns:a16="http://schemas.microsoft.com/office/drawing/2014/main" id="{5EAFAA0A-7E64-6C4A-BB55-8D3FCFDFA1AF}"/>
+              </a:ext>
+            </a:extLst>
+          </p:cNvPr>
+          <p:cNvSpPr/>
+          <p:nvPr/>
+        </p:nvSpPr>
+        <p:spPr>
+          <a:xfrm>
+            <a:off x="1699009" y="4992132"/>
+            <a:ext cx="517979" cy="300808"/>
+          </a:xfrm>
+          <a:prstGeom prst="rightArrow">
+            <a:avLst/>
+          </a:prstGeom>
+          <a:solidFill>
+            <a:schemeClr val="bg2">
+              <a:lumMod val="75000"/>
+            </a:schemeClr>
+          </a:solidFill>
+          <a:ln>
+            <a:solidFill>
+              <a:srgbClr val="000000"/>
+            </a:solidFill>
+          </a:ln>
+        </p:spPr>
+        <p:style>
+          <a:lnRef idx="1">
+            <a:schemeClr val="accent1"/>
+          </a:lnRef>
+          <a:fillRef idx="3">
+            <a:schemeClr val="accent1"/>
+          </a:fillRef>
+          <a:effectRef idx="2">
+            <a:schemeClr val="accent1"/>
+          </a:effectRef>
+          <a:fontRef idx="minor">
+            <a:schemeClr val="lt1"/>
+          </a:fontRef>
+        </p:style>
+        <p:txBody>
+          <a:bodyPr rtlCol="0" anchor="ctr"/>
+          <a:lstStyle/>
+          <a:p>
+            <a:pPr algn="ctr"/>
+            <a:endParaRPr lang="en-US"/>
+          </a:p>
+        </p:txBody>
+      </p:sp>
+      <p:sp>
+        <p:nvSpPr>
+          <p:cNvPr id="17" name="TextBox 16">
+            <a:extLst>
+              <a:ext uri="{FF2B5EF4-FFF2-40B4-BE49-F238E27FC236}">
+                <a16:creationId xmlns:a16="http://schemas.microsoft.com/office/drawing/2014/main" id="{949D3B43-41AC-9847-9468-7F6B7BAC930E}"/>
+              </a:ext>
+            </a:extLst>
+          </p:cNvPr>
+          <p:cNvSpPr txBox="1"/>
+          <p:nvPr/>
+        </p:nvSpPr>
+        <p:spPr>
+          <a:xfrm>
+            <a:off x="5733536" y="4176578"/>
+            <a:ext cx="1579278" cy="369332"/>
+          </a:xfrm>
+          <a:prstGeom prst="rect">
+            <a:avLst/>
+          </a:prstGeom>
+          <a:noFill/>
+        </p:spPr>
+        <p:txBody>
+          <a:bodyPr wrap="none" rtlCol="0">
+            <a:spAutoFit/>
+          </a:bodyPr>
+          <a:lstStyle/>
+          <a:p>
+            <a:r>
+              <a:rPr lang="en-US" dirty="0"/>
+              <a:t>same:        0.95</a:t>
+            </a:r>
+          </a:p>
+        </p:txBody>
+      </p:sp>
+      <p:sp>
+        <p:nvSpPr>
+          <p:cNvPr id="18" name="TextBox 17">
+            <a:extLst>
+              <a:ext uri="{FF2B5EF4-FFF2-40B4-BE49-F238E27FC236}">
+                <a16:creationId xmlns:a16="http://schemas.microsoft.com/office/drawing/2014/main" id="{E05549B6-56C5-D846-8D46-DDEEBC88925D}"/>
+              </a:ext>
+            </a:extLst>
+          </p:cNvPr>
+          <p:cNvSpPr txBox="1"/>
+          <p:nvPr/>
+        </p:nvSpPr>
+        <p:spPr>
+          <a:xfrm>
+            <a:off x="5750009" y="4650259"/>
+            <a:ext cx="1521250" cy="369332"/>
+          </a:xfrm>
+          <a:prstGeom prst="rect">
+            <a:avLst/>
+          </a:prstGeom>
+          <a:noFill/>
+        </p:spPr>
+        <p:txBody>
+          <a:bodyPr wrap="none" rtlCol="0">
+            <a:spAutoFit/>
+          </a:bodyPr>
+          <a:lstStyle/>
+          <a:p>
+            <a:r>
+              <a:rPr lang="en-US" dirty="0"/>
+              <a:t>different: 0.05</a:t>
+            </a:r>
+          </a:p>
+        </p:txBody>
+      </p:sp>
+      <p:sp>
+        <p:nvSpPr>
+          <p:cNvPr id="19" name="TextBox 18">
+            <a:extLst>
+              <a:ext uri="{FF2B5EF4-FFF2-40B4-BE49-F238E27FC236}">
+                <a16:creationId xmlns:a16="http://schemas.microsoft.com/office/drawing/2014/main" id="{8C74AEF3-D487-784F-A4AA-C306866E85D8}"/>
+              </a:ext>
+            </a:extLst>
+          </p:cNvPr>
+          <p:cNvSpPr txBox="1"/>
+          <p:nvPr/>
+        </p:nvSpPr>
+        <p:spPr>
+          <a:xfrm>
+            <a:off x="0" y="6100174"/>
+            <a:ext cx="3756454" cy="646331"/>
+          </a:xfrm>
+          <a:prstGeom prst="rect">
+            <a:avLst/>
+          </a:prstGeom>
+          <a:noFill/>
+        </p:spPr>
+        <p:txBody>
+          <a:bodyPr wrap="square" rtlCol="0">
+            <a:spAutoFit/>
+          </a:bodyPr>
+          <a:lstStyle/>
+          <a:p>
+            <a:r>
+              <a:rPr lang="en-US" dirty="0"/>
+              <a:t>If image-A and image-B are from the same person the score s is high.</a:t>
+            </a:r>
+          </a:p>
+        </p:txBody>
+      </p:sp>
+      <p:sp>
+        <p:nvSpPr>
+          <p:cNvPr id="20" name="TextBox 19">
+            <a:extLst>
+              <a:ext uri="{FF2B5EF4-FFF2-40B4-BE49-F238E27FC236}">
+                <a16:creationId xmlns:a16="http://schemas.microsoft.com/office/drawing/2014/main" id="{B30E6504-8FB9-744D-BD77-76078763FF1E}"/>
+              </a:ext>
+            </a:extLst>
+          </p:cNvPr>
+          <p:cNvSpPr txBox="1"/>
+          <p:nvPr/>
+        </p:nvSpPr>
+        <p:spPr>
+          <a:xfrm>
+            <a:off x="4153242" y="6100174"/>
+            <a:ext cx="4850533" cy="646331"/>
+          </a:xfrm>
+          <a:prstGeom prst="rect">
+            <a:avLst/>
+          </a:prstGeom>
+          <a:noFill/>
+        </p:spPr>
+        <p:txBody>
+          <a:bodyPr wrap="square" rtlCol="0">
+            <a:spAutoFit/>
+          </a:bodyPr>
+          <a:lstStyle/>
+          <a:p>
+            <a:r>
+              <a:rPr lang="en-US" dirty="0"/>
+              <a:t>If image-A and image-B are from different </a:t>
+            </a:r>
+            <a:r>
+              <a:rPr lang="en-US"/>
+              <a:t>persons the score </a:t>
+            </a:r>
+            <a:r>
+              <a:rPr lang="en-US" dirty="0"/>
+              <a:t>s is low</a:t>
+            </a:r>
+          </a:p>
+        </p:txBody>
+      </p:sp>
+      <p:sp>
+        <p:nvSpPr>
+          <p:cNvPr id="21" name="TextBox 20">
+            <a:extLst>
+              <a:ext uri="{FF2B5EF4-FFF2-40B4-BE49-F238E27FC236}">
+                <a16:creationId xmlns:a16="http://schemas.microsoft.com/office/drawing/2014/main" id="{B10C6CB5-4CC4-2E4A-90B0-287A35B53AD3}"/>
+              </a:ext>
+            </a:extLst>
+          </p:cNvPr>
+          <p:cNvSpPr txBox="1"/>
+          <p:nvPr/>
+        </p:nvSpPr>
+        <p:spPr>
+          <a:xfrm>
+            <a:off x="7008981" y="3201931"/>
+            <a:ext cx="684675" cy="369332"/>
+          </a:xfrm>
+          <a:prstGeom prst="rect">
+            <a:avLst/>
+          </a:prstGeom>
+          <a:noFill/>
+        </p:spPr>
+        <p:txBody>
+          <a:bodyPr wrap="none" rtlCol="0">
+            <a:spAutoFit/>
+          </a:bodyPr>
+          <a:lstStyle/>
+          <a:p>
+            <a:r>
+              <a:rPr lang="en-US" dirty="0"/>
+              <a:t>score</a:t>
+            </a:r>
+          </a:p>
+        </p:txBody>
+      </p:sp>
+      <p:sp>
+        <p:nvSpPr>
+          <p:cNvPr id="26" name="Oval 25">
+            <a:extLst>
+              <a:ext uri="{FF2B5EF4-FFF2-40B4-BE49-F238E27FC236}">
+                <a16:creationId xmlns:a16="http://schemas.microsoft.com/office/drawing/2014/main" id="{97C10BFD-020F-C24C-BD09-34A7DBCB278D}"/>
+              </a:ext>
+            </a:extLst>
+          </p:cNvPr>
+          <p:cNvSpPr/>
+          <p:nvPr/>
+        </p:nvSpPr>
+        <p:spPr>
+          <a:xfrm>
+            <a:off x="6722117" y="4114278"/>
+            <a:ext cx="590697" cy="461088"/>
+          </a:xfrm>
+          <a:prstGeom prst="ellipse">
+            <a:avLst/>
+          </a:prstGeom>
+          <a:noFill/>
+        </p:spPr>
+        <p:style>
+          <a:lnRef idx="1">
+            <a:schemeClr val="accent1"/>
+          </a:lnRef>
+          <a:fillRef idx="3">
+            <a:schemeClr val="accent1"/>
+          </a:fillRef>
+          <a:effectRef idx="2">
+            <a:schemeClr val="accent1"/>
+          </a:effectRef>
+          <a:fontRef idx="minor">
+            <a:schemeClr val="lt1"/>
+          </a:fontRef>
+        </p:style>
+        <p:txBody>
+          <a:bodyPr rtlCol="0" anchor="ctr"/>
+          <a:lstStyle/>
+          <a:p>
+            <a:pPr algn="ctr"/>
+            <a:endParaRPr lang="en-US" dirty="0"/>
+          </a:p>
+        </p:txBody>
+      </p:sp>
+      <p:cxnSp>
+        <p:nvCxnSpPr>
+          <p:cNvPr id="22" name="Straight Arrow Connector 21">
+            <a:extLst>
+              <a:ext uri="{FF2B5EF4-FFF2-40B4-BE49-F238E27FC236}">
+                <a16:creationId xmlns:a16="http://schemas.microsoft.com/office/drawing/2014/main" id="{A9E348E0-5690-EC43-A025-1B476F6A4601}"/>
+              </a:ext>
+            </a:extLst>
+          </p:cNvPr>
+          <p:cNvCxnSpPr>
+            <a:cxnSpLocks/>
+            <a:endCxn id="26" idx="0"/>
+          </p:cNvCxnSpPr>
+          <p:nvPr/>
+        </p:nvCxnSpPr>
+        <p:spPr>
+          <a:xfrm flipH="1">
+            <a:off x="7017466" y="3631159"/>
+            <a:ext cx="253796" cy="483119"/>
+          </a:xfrm>
+          <a:prstGeom prst="straightConnector1">
+            <a:avLst/>
+          </a:prstGeom>
+          <a:ln>
+            <a:tailEnd type="triangle"/>
+          </a:ln>
+        </p:spPr>
+        <p:style>
+          <a:lnRef idx="2">
+            <a:schemeClr val="accent1"/>
+          </a:lnRef>
+          <a:fillRef idx="0">
+            <a:schemeClr val="accent1"/>
+          </a:fillRef>
+          <a:effectRef idx="1">
+            <a:schemeClr val="accent1"/>
+          </a:effectRef>
+          <a:fontRef idx="minor">
+            <a:schemeClr val="tx1"/>
+          </a:fontRef>
+        </p:style>
+      </p:cxnSp>
+      <p:sp>
+        <p:nvSpPr>
+          <p:cNvPr id="30" name="TextBox 29">
+            <a:extLst>
+              <a:ext uri="{FF2B5EF4-FFF2-40B4-BE49-F238E27FC236}">
+                <a16:creationId xmlns:a16="http://schemas.microsoft.com/office/drawing/2014/main" id="{5FA710CA-6E64-194B-8AF9-B71B102DD89F}"/>
+              </a:ext>
+            </a:extLst>
+          </p:cNvPr>
+          <p:cNvSpPr txBox="1"/>
+          <p:nvPr/>
+        </p:nvSpPr>
+        <p:spPr>
+          <a:xfrm>
+            <a:off x="457200" y="3946549"/>
+            <a:ext cx="317716" cy="369332"/>
+          </a:xfrm>
+          <a:prstGeom prst="rect">
+            <a:avLst/>
+          </a:prstGeom>
+          <a:noFill/>
+        </p:spPr>
+        <p:txBody>
+          <a:bodyPr wrap="none" rtlCol="0">
+            <a:spAutoFit/>
+          </a:bodyPr>
+          <a:lstStyle/>
+          <a:p>
+            <a:r>
+              <a:rPr lang="en-US" dirty="0"/>
+              <a:t>A</a:t>
+            </a:r>
+          </a:p>
+        </p:txBody>
+      </p:sp>
+      <p:sp>
+        <p:nvSpPr>
+          <p:cNvPr id="31" name="TextBox 30">
+            <a:extLst>
+              <a:ext uri="{FF2B5EF4-FFF2-40B4-BE49-F238E27FC236}">
+                <a16:creationId xmlns:a16="http://schemas.microsoft.com/office/drawing/2014/main" id="{847D1CB8-AEB2-A947-90B5-C7A3E3A2D8EC}"/>
+              </a:ext>
+            </a:extLst>
+          </p:cNvPr>
+          <p:cNvSpPr txBox="1"/>
+          <p:nvPr/>
+        </p:nvSpPr>
+        <p:spPr>
+          <a:xfrm>
+            <a:off x="424249" y="4939213"/>
+            <a:ext cx="317716" cy="369332"/>
+          </a:xfrm>
+          <a:prstGeom prst="rect">
+            <a:avLst/>
+          </a:prstGeom>
+          <a:noFill/>
+        </p:spPr>
+        <p:txBody>
+          <a:bodyPr wrap="none" rtlCol="0">
+            <a:spAutoFit/>
+          </a:bodyPr>
+          <a:lstStyle/>
+          <a:p>
+            <a:r>
+              <a:rPr lang="en-US" dirty="0"/>
+              <a:t>B</a:t>
+            </a:r>
+          </a:p>
+        </p:txBody>
+      </p:sp>
+    </p:spTree>
+    <p:extLst>
+      <p:ext uri="{BB962C8B-B14F-4D97-AF65-F5344CB8AC3E}">
+        <p14:creationId xmlns:p14="http://schemas.microsoft.com/office/powerpoint/2010/main" val="3043604847"/>
       </p:ext>
     </p:extLst>
   </p:cSld>

--- a/clases/Cap05_Evaluacion/presentations/PAT05_Genuine_Impostor.pptx
+++ b/clases/Cap05_Evaluacion/presentations/PAT05_Genuine_Impostor.pptx
@@ -5,17 +5,22 @@
     <p:sldMasterId id="2147483648" r:id="rId1"/>
   </p:sldMasterIdLst>
   <p:notesMasterIdLst>
-    <p:notesMasterId r:id="rId10"/>
+    <p:notesMasterId r:id="rId15"/>
   </p:notesMasterIdLst>
   <p:sldIdLst>
     <p:sldId id="459" r:id="rId2"/>
     <p:sldId id="447" r:id="rId3"/>
     <p:sldId id="474" r:id="rId4"/>
     <p:sldId id="475" r:id="rId5"/>
-    <p:sldId id="476" r:id="rId6"/>
-    <p:sldId id="477" r:id="rId7"/>
-    <p:sldId id="478" r:id="rId8"/>
-    <p:sldId id="479" r:id="rId9"/>
+    <p:sldId id="484" r:id="rId6"/>
+    <p:sldId id="481" r:id="rId7"/>
+    <p:sldId id="482" r:id="rId8"/>
+    <p:sldId id="485" r:id="rId9"/>
+    <p:sldId id="483" r:id="rId10"/>
+    <p:sldId id="476" r:id="rId11"/>
+    <p:sldId id="477" r:id="rId12"/>
+    <p:sldId id="478" r:id="rId13"/>
+    <p:sldId id="479" r:id="rId14"/>
   </p:sldIdLst>
   <p:sldSz cx="9144000" cy="6858000" type="screen4x3"/>
   <p:notesSz cx="6858000" cy="9144000"/>
@@ -215,7 +220,7 @@
           <a:p>
             <a:fld id="{089CB84B-3086-824D-91F5-F571CFDD3E7D}" type="datetimeFigureOut">
               <a:rPr lang="en-US" smtClean="0"/>
-              <a:t>6/14/19</a:t>
+              <a:t>6/15/21</a:t>
             </a:fld>
             <a:endParaRPr lang="en-US"/>
           </a:p>
@@ -641,7 +646,175 @@
           <a:p>
             <a:fld id="{427E9996-E95A-6C4A-95EE-D7EBED57F47A}" type="slidenum">
               <a:rPr lang="en-US" smtClean="0"/>
-              <a:t>5</a:t>
+              <a:t>6</a:t>
+            </a:fld>
+            <a:endParaRPr lang="en-US"/>
+          </a:p>
+        </p:txBody>
+      </p:sp>
+    </p:spTree>
+    <p:extLst>
+      <p:ext uri="{BB962C8B-B14F-4D97-AF65-F5344CB8AC3E}">
+        <p14:creationId xmlns:p14="http://schemas.microsoft.com/office/powerpoint/2010/main" val="2495422330"/>
+      </p:ext>
+    </p:extLst>
+  </p:cSld>
+  <p:clrMapOvr>
+    <a:masterClrMapping/>
+  </p:clrMapOvr>
+</p:notes>
+</file>
+
+<file path=ppt/notesSlides/notesSlide3.xml><?xml version="1.0" encoding="utf-8"?>
+<p:notes xmlns:a="http://schemas.openxmlformats.org/drawingml/2006/main" xmlns:r="http://schemas.openxmlformats.org/officeDocument/2006/relationships" xmlns:p="http://schemas.openxmlformats.org/presentationml/2006/main">
+  <p:cSld>
+    <p:spTree>
+      <p:nvGrpSpPr>
+        <p:cNvPr id="1" name=""/>
+        <p:cNvGrpSpPr/>
+        <p:nvPr/>
+      </p:nvGrpSpPr>
+      <p:grpSpPr>
+        <a:xfrm>
+          <a:off x="0" y="0"/>
+          <a:ext cx="0" cy="0"/>
+          <a:chOff x="0" y="0"/>
+          <a:chExt cx="0" cy="0"/>
+        </a:xfrm>
+      </p:grpSpPr>
+      <p:sp>
+        <p:nvSpPr>
+          <p:cNvPr id="2" name="Slide Image Placeholder 1"/>
+          <p:cNvSpPr>
+            <a:spLocks noGrp="1" noRot="1" noChangeAspect="1"/>
+          </p:cNvSpPr>
+          <p:nvPr>
+            <p:ph type="sldImg"/>
+          </p:nvPr>
+        </p:nvSpPr>
+        <p:spPr/>
+      </p:sp>
+      <p:sp>
+        <p:nvSpPr>
+          <p:cNvPr id="3" name="Notes Placeholder 2"/>
+          <p:cNvSpPr>
+            <a:spLocks noGrp="1"/>
+          </p:cNvSpPr>
+          <p:nvPr>
+            <p:ph type="body" idx="1"/>
+          </p:nvPr>
+        </p:nvSpPr>
+        <p:spPr/>
+        <p:txBody>
+          <a:bodyPr/>
+          <a:lstStyle/>
+          <a:p>
+            <a:endParaRPr lang="en-US" dirty="0"/>
+          </a:p>
+        </p:txBody>
+      </p:sp>
+      <p:sp>
+        <p:nvSpPr>
+          <p:cNvPr id="4" name="Slide Number Placeholder 3"/>
+          <p:cNvSpPr>
+            <a:spLocks noGrp="1"/>
+          </p:cNvSpPr>
+          <p:nvPr>
+            <p:ph type="sldNum" sz="quarter" idx="5"/>
+          </p:nvPr>
+        </p:nvSpPr>
+        <p:spPr/>
+        <p:txBody>
+          <a:bodyPr/>
+          <a:lstStyle/>
+          <a:p>
+            <a:fld id="{427E9996-E95A-6C4A-95EE-D7EBED57F47A}" type="slidenum">
+              <a:rPr lang="en-US" smtClean="0"/>
+              <a:t>7</a:t>
+            </a:fld>
+            <a:endParaRPr lang="en-US"/>
+          </a:p>
+        </p:txBody>
+      </p:sp>
+    </p:spTree>
+    <p:extLst>
+      <p:ext uri="{BB962C8B-B14F-4D97-AF65-F5344CB8AC3E}">
+        <p14:creationId xmlns:p14="http://schemas.microsoft.com/office/powerpoint/2010/main" val="2970482546"/>
+      </p:ext>
+    </p:extLst>
+  </p:cSld>
+  <p:clrMapOvr>
+    <a:masterClrMapping/>
+  </p:clrMapOvr>
+</p:notes>
+</file>
+
+<file path=ppt/notesSlides/notesSlide4.xml><?xml version="1.0" encoding="utf-8"?>
+<p:notes xmlns:a="http://schemas.openxmlformats.org/drawingml/2006/main" xmlns:r="http://schemas.openxmlformats.org/officeDocument/2006/relationships" xmlns:p="http://schemas.openxmlformats.org/presentationml/2006/main">
+  <p:cSld>
+    <p:spTree>
+      <p:nvGrpSpPr>
+        <p:cNvPr id="1" name=""/>
+        <p:cNvGrpSpPr/>
+        <p:nvPr/>
+      </p:nvGrpSpPr>
+      <p:grpSpPr>
+        <a:xfrm>
+          <a:off x="0" y="0"/>
+          <a:ext cx="0" cy="0"/>
+          <a:chOff x="0" y="0"/>
+          <a:chExt cx="0" cy="0"/>
+        </a:xfrm>
+      </p:grpSpPr>
+      <p:sp>
+        <p:nvSpPr>
+          <p:cNvPr id="2" name="Slide Image Placeholder 1"/>
+          <p:cNvSpPr>
+            <a:spLocks noGrp="1" noRot="1" noChangeAspect="1"/>
+          </p:cNvSpPr>
+          <p:nvPr>
+            <p:ph type="sldImg"/>
+          </p:nvPr>
+        </p:nvSpPr>
+        <p:spPr/>
+      </p:sp>
+      <p:sp>
+        <p:nvSpPr>
+          <p:cNvPr id="3" name="Notes Placeholder 2"/>
+          <p:cNvSpPr>
+            <a:spLocks noGrp="1"/>
+          </p:cNvSpPr>
+          <p:nvPr>
+            <p:ph type="body" idx="1"/>
+          </p:nvPr>
+        </p:nvSpPr>
+        <p:spPr/>
+        <p:txBody>
+          <a:bodyPr/>
+          <a:lstStyle/>
+          <a:p>
+            <a:endParaRPr lang="en-US" dirty="0"/>
+          </a:p>
+        </p:txBody>
+      </p:sp>
+      <p:sp>
+        <p:nvSpPr>
+          <p:cNvPr id="4" name="Slide Number Placeholder 3"/>
+          <p:cNvSpPr>
+            <a:spLocks noGrp="1"/>
+          </p:cNvSpPr>
+          <p:nvPr>
+            <p:ph type="sldNum" sz="quarter" idx="5"/>
+          </p:nvPr>
+        </p:nvSpPr>
+        <p:spPr/>
+        <p:txBody>
+          <a:bodyPr/>
+          <a:lstStyle/>
+          <a:p>
+            <a:fld id="{427E9996-E95A-6C4A-95EE-D7EBED57F47A}" type="slidenum">
+              <a:rPr lang="en-US" smtClean="0"/>
+              <a:t>10</a:t>
             </a:fld>
             <a:endParaRPr lang="en-US"/>
           </a:p>
@@ -839,7 +1012,7 @@
           <a:p>
             <a:fld id="{D3AE09B4-90D0-1245-B83D-B1B2932963E4}" type="datetimeFigureOut">
               <a:rPr lang="en-US" smtClean="0"/>
-              <a:t>6/14/19</a:t>
+              <a:t>6/15/21</a:t>
             </a:fld>
             <a:endParaRPr lang="en-US"/>
           </a:p>
@@ -1009,7 +1182,7 @@
           <a:p>
             <a:fld id="{D3AE09B4-90D0-1245-B83D-B1B2932963E4}" type="datetimeFigureOut">
               <a:rPr lang="en-US" smtClean="0"/>
-              <a:t>6/14/19</a:t>
+              <a:t>6/15/21</a:t>
             </a:fld>
             <a:endParaRPr lang="en-US"/>
           </a:p>
@@ -1189,7 +1362,7 @@
           <a:p>
             <a:fld id="{D3AE09B4-90D0-1245-B83D-B1B2932963E4}" type="datetimeFigureOut">
               <a:rPr lang="en-US" smtClean="0"/>
-              <a:t>6/14/19</a:t>
+              <a:t>6/15/21</a:t>
             </a:fld>
             <a:endParaRPr lang="en-US"/>
           </a:p>
@@ -1359,7 +1532,7 @@
           <a:p>
             <a:fld id="{D3AE09B4-90D0-1245-B83D-B1B2932963E4}" type="datetimeFigureOut">
               <a:rPr lang="en-US" smtClean="0"/>
-              <a:t>6/14/19</a:t>
+              <a:t>6/15/21</a:t>
             </a:fld>
             <a:endParaRPr lang="en-US"/>
           </a:p>
@@ -1605,7 +1778,7 @@
           <a:p>
             <a:fld id="{D3AE09B4-90D0-1245-B83D-B1B2932963E4}" type="datetimeFigureOut">
               <a:rPr lang="en-US" smtClean="0"/>
-              <a:t>6/14/19</a:t>
+              <a:t>6/15/21</a:t>
             </a:fld>
             <a:endParaRPr lang="en-US"/>
           </a:p>
@@ -1893,7 +2066,7 @@
           <a:p>
             <a:fld id="{D3AE09B4-90D0-1245-B83D-B1B2932963E4}" type="datetimeFigureOut">
               <a:rPr lang="en-US" smtClean="0"/>
-              <a:t>6/14/19</a:t>
+              <a:t>6/15/21</a:t>
             </a:fld>
             <a:endParaRPr lang="en-US"/>
           </a:p>
@@ -2315,7 +2488,7 @@
           <a:p>
             <a:fld id="{D3AE09B4-90D0-1245-B83D-B1B2932963E4}" type="datetimeFigureOut">
               <a:rPr lang="en-US" smtClean="0"/>
-              <a:t>6/14/19</a:t>
+              <a:t>6/15/21</a:t>
             </a:fld>
             <a:endParaRPr lang="en-US"/>
           </a:p>
@@ -2433,7 +2606,7 @@
           <a:p>
             <a:fld id="{D3AE09B4-90D0-1245-B83D-B1B2932963E4}" type="datetimeFigureOut">
               <a:rPr lang="en-US" smtClean="0"/>
-              <a:t>6/14/19</a:t>
+              <a:t>6/15/21</a:t>
             </a:fld>
             <a:endParaRPr lang="en-US"/>
           </a:p>
@@ -2528,7 +2701,7 @@
           <a:p>
             <a:fld id="{D3AE09B4-90D0-1245-B83D-B1B2932963E4}" type="datetimeFigureOut">
               <a:rPr lang="en-US" smtClean="0"/>
-              <a:t>6/14/19</a:t>
+              <a:t>6/15/21</a:t>
             </a:fld>
             <a:endParaRPr lang="en-US"/>
           </a:p>
@@ -2805,7 +2978,7 @@
           <a:p>
             <a:fld id="{D3AE09B4-90D0-1245-B83D-B1B2932963E4}" type="datetimeFigureOut">
               <a:rPr lang="en-US" smtClean="0"/>
-              <a:t>6/14/19</a:t>
+              <a:t>6/15/21</a:t>
             </a:fld>
             <a:endParaRPr lang="en-US"/>
           </a:p>
@@ -3058,7 +3231,7 @@
           <a:p>
             <a:fld id="{D3AE09B4-90D0-1245-B83D-B1B2932963E4}" type="datetimeFigureOut">
               <a:rPr lang="en-US" smtClean="0"/>
-              <a:t>6/14/19</a:t>
+              <a:t>6/15/21</a:t>
             </a:fld>
             <a:endParaRPr lang="en-US"/>
           </a:p>
@@ -3269,7 +3442,7 @@
           <a:p>
             <a:fld id="{D3AE09B4-90D0-1245-B83D-B1B2932963E4}" type="datetimeFigureOut">
               <a:rPr lang="en-US" smtClean="0"/>
-              <a:t>6/14/19</a:t>
+              <a:t>6/15/21</a:t>
             </a:fld>
             <a:endParaRPr lang="en-US"/>
           </a:p>
@@ -4893,6 +5066,1990 @@
 </p:sld>
 </file>
 
+<file path=ppt/slides/slide10.xml><?xml version="1.0" encoding="utf-8"?>
+<p:sld xmlns:a="http://schemas.openxmlformats.org/drawingml/2006/main" xmlns:r="http://schemas.openxmlformats.org/officeDocument/2006/relationships" xmlns:p="http://schemas.openxmlformats.org/presentationml/2006/main">
+  <p:cSld>
+    <p:bg>
+      <p:bgPr>
+        <a:solidFill>
+          <a:srgbClr val="F0F0EF"/>
+        </a:solidFill>
+        <a:effectLst/>
+      </p:bgPr>
+    </p:bg>
+    <p:spTree>
+      <p:nvGrpSpPr>
+        <p:cNvPr id="1" name=""/>
+        <p:cNvGrpSpPr/>
+        <p:nvPr/>
+      </p:nvGrpSpPr>
+      <p:grpSpPr>
+        <a:xfrm>
+          <a:off x="0" y="0"/>
+          <a:ext cx="0" cy="0"/>
+          <a:chOff x="0" y="0"/>
+          <a:chExt cx="0" cy="0"/>
+        </a:xfrm>
+      </p:grpSpPr>
+      <p:pic>
+        <p:nvPicPr>
+          <p:cNvPr id="5" name="Picture 4">
+            <a:extLst>
+              <a:ext uri="{FF2B5EF4-FFF2-40B4-BE49-F238E27FC236}">
+                <a16:creationId xmlns:a16="http://schemas.microsoft.com/office/drawing/2014/main" id="{CD4615F0-730A-5943-9922-C52853C60F0E}"/>
+              </a:ext>
+            </a:extLst>
+          </p:cNvPr>
+          <p:cNvPicPr>
+            <a:picLocks noChangeAspect="1"/>
+          </p:cNvPicPr>
+          <p:nvPr/>
+        </p:nvPicPr>
+        <p:blipFill>
+          <a:blip r:embed="rId3"/>
+          <a:stretch>
+            <a:fillRect/>
+          </a:stretch>
+        </p:blipFill>
+        <p:spPr>
+          <a:xfrm>
+            <a:off x="1587500" y="480711"/>
+            <a:ext cx="5969000" cy="4660900"/>
+          </a:xfrm>
+          <a:prstGeom prst="rect">
+            <a:avLst/>
+          </a:prstGeom>
+        </p:spPr>
+      </p:pic>
+      <p:sp>
+        <p:nvSpPr>
+          <p:cNvPr id="6" name="TextBox 5">
+            <a:extLst>
+              <a:ext uri="{FF2B5EF4-FFF2-40B4-BE49-F238E27FC236}">
+                <a16:creationId xmlns:a16="http://schemas.microsoft.com/office/drawing/2014/main" id="{C1E4D0A1-800E-DC40-8D25-F5465464CF55}"/>
+              </a:ext>
+            </a:extLst>
+          </p:cNvPr>
+          <p:cNvSpPr txBox="1"/>
+          <p:nvPr/>
+        </p:nvSpPr>
+        <p:spPr>
+          <a:xfrm>
+            <a:off x="5745887" y="2255107"/>
+            <a:ext cx="1829988" cy="369332"/>
+          </a:xfrm>
+          <a:prstGeom prst="rect">
+            <a:avLst/>
+          </a:prstGeom>
+          <a:noFill/>
+        </p:spPr>
+        <p:txBody>
+          <a:bodyPr wrap="none" rtlCol="0">
+            <a:spAutoFit/>
+          </a:bodyPr>
+          <a:lstStyle/>
+          <a:p>
+            <a:r>
+              <a:rPr lang="en-US" dirty="0"/>
+              <a:t>Distribution of d+</a:t>
+            </a:r>
+          </a:p>
+        </p:txBody>
+      </p:sp>
+      <p:sp>
+        <p:nvSpPr>
+          <p:cNvPr id="7" name="TextBox 6">
+            <a:extLst>
+              <a:ext uri="{FF2B5EF4-FFF2-40B4-BE49-F238E27FC236}">
+                <a16:creationId xmlns:a16="http://schemas.microsoft.com/office/drawing/2014/main" id="{415FABAD-376F-4A48-8531-0F5F2E92ED49}"/>
+              </a:ext>
+            </a:extLst>
+          </p:cNvPr>
+          <p:cNvSpPr txBox="1"/>
+          <p:nvPr/>
+        </p:nvSpPr>
+        <p:spPr>
+          <a:xfrm>
+            <a:off x="2166551" y="1456037"/>
+            <a:ext cx="1785104" cy="369332"/>
+          </a:xfrm>
+          <a:prstGeom prst="rect">
+            <a:avLst/>
+          </a:prstGeom>
+          <a:noFill/>
+        </p:spPr>
+        <p:txBody>
+          <a:bodyPr wrap="none" rtlCol="0">
+            <a:spAutoFit/>
+          </a:bodyPr>
+          <a:lstStyle/>
+          <a:p>
+            <a:r>
+              <a:rPr lang="en-US" dirty="0"/>
+              <a:t>Distribution of d-</a:t>
+            </a:r>
+          </a:p>
+        </p:txBody>
+      </p:sp>
+      <p:pic>
+        <p:nvPicPr>
+          <p:cNvPr id="9" name="Picture 8">
+            <a:extLst>
+              <a:ext uri="{FF2B5EF4-FFF2-40B4-BE49-F238E27FC236}">
+                <a16:creationId xmlns:a16="http://schemas.microsoft.com/office/drawing/2014/main" id="{2DFA2514-41A0-8B40-92B7-BBFB8904B207}"/>
+              </a:ext>
+            </a:extLst>
+          </p:cNvPr>
+          <p:cNvPicPr>
+            <a:picLocks noChangeAspect="1"/>
+          </p:cNvPicPr>
+          <p:nvPr/>
+        </p:nvPicPr>
+        <p:blipFill>
+          <a:blip r:embed="rId4"/>
+          <a:stretch>
+            <a:fillRect/>
+          </a:stretch>
+        </p:blipFill>
+        <p:spPr>
+          <a:xfrm>
+            <a:off x="5918886" y="2753497"/>
+            <a:ext cx="1422400" cy="469900"/>
+          </a:xfrm>
+          <a:prstGeom prst="rect">
+            <a:avLst/>
+          </a:prstGeom>
+        </p:spPr>
+      </p:pic>
+      <p:pic>
+        <p:nvPicPr>
+          <p:cNvPr id="10" name="Picture 9">
+            <a:extLst>
+              <a:ext uri="{FF2B5EF4-FFF2-40B4-BE49-F238E27FC236}">
+                <a16:creationId xmlns:a16="http://schemas.microsoft.com/office/drawing/2014/main" id="{D507FFDB-6E8A-FB4D-875A-96214476EABC}"/>
+              </a:ext>
+            </a:extLst>
+          </p:cNvPr>
+          <p:cNvPicPr>
+            <a:picLocks noChangeAspect="1"/>
+          </p:cNvPicPr>
+          <p:nvPr/>
+        </p:nvPicPr>
+        <p:blipFill>
+          <a:blip r:embed="rId5"/>
+          <a:stretch>
+            <a:fillRect/>
+          </a:stretch>
+        </p:blipFill>
+        <p:spPr>
+          <a:xfrm>
+            <a:off x="2317937" y="1978627"/>
+            <a:ext cx="1422400" cy="469900"/>
+          </a:xfrm>
+          <a:prstGeom prst="rect">
+            <a:avLst/>
+          </a:prstGeom>
+        </p:spPr>
+      </p:pic>
+      <p:cxnSp>
+        <p:nvCxnSpPr>
+          <p:cNvPr id="12" name="Straight Connector 11">
+            <a:extLst>
+              <a:ext uri="{FF2B5EF4-FFF2-40B4-BE49-F238E27FC236}">
+                <a16:creationId xmlns:a16="http://schemas.microsoft.com/office/drawing/2014/main" id="{93CECA08-876E-A24C-B0D8-48C424393123}"/>
+              </a:ext>
+            </a:extLst>
+          </p:cNvPr>
+          <p:cNvCxnSpPr/>
+          <p:nvPr/>
+        </p:nvCxnSpPr>
+        <p:spPr>
+          <a:xfrm>
+            <a:off x="4337223" y="951469"/>
+            <a:ext cx="0" cy="4190142"/>
+          </a:xfrm>
+          <a:prstGeom prst="line">
+            <a:avLst/>
+          </a:prstGeom>
+          <a:ln>
+            <a:solidFill>
+              <a:schemeClr val="tx1">
+                <a:lumMod val="50000"/>
+                <a:lumOff val="50000"/>
+              </a:schemeClr>
+            </a:solidFill>
+            <a:prstDash val="dash"/>
+          </a:ln>
+        </p:spPr>
+        <p:style>
+          <a:lnRef idx="2">
+            <a:schemeClr val="accent1"/>
+          </a:lnRef>
+          <a:fillRef idx="0">
+            <a:schemeClr val="accent1"/>
+          </a:fillRef>
+          <a:effectRef idx="1">
+            <a:schemeClr val="accent1"/>
+          </a:effectRef>
+          <a:fontRef idx="minor">
+            <a:schemeClr val="tx1"/>
+          </a:fontRef>
+        </p:style>
+      </p:cxnSp>
+      <p:cxnSp>
+        <p:nvCxnSpPr>
+          <p:cNvPr id="13" name="Straight Connector 12">
+            <a:extLst>
+              <a:ext uri="{FF2B5EF4-FFF2-40B4-BE49-F238E27FC236}">
+                <a16:creationId xmlns:a16="http://schemas.microsoft.com/office/drawing/2014/main" id="{F23BCCF5-BF9B-F041-9EBB-89098CA1E732}"/>
+              </a:ext>
+            </a:extLst>
+          </p:cNvPr>
+          <p:cNvCxnSpPr>
+            <a:cxnSpLocks/>
+          </p:cNvCxnSpPr>
+          <p:nvPr/>
+        </p:nvCxnSpPr>
+        <p:spPr>
+          <a:xfrm>
+            <a:off x="5292818" y="1978627"/>
+            <a:ext cx="0" cy="3204171"/>
+          </a:xfrm>
+          <a:prstGeom prst="line">
+            <a:avLst/>
+          </a:prstGeom>
+          <a:ln>
+            <a:solidFill>
+              <a:schemeClr val="tx1">
+                <a:lumMod val="50000"/>
+                <a:lumOff val="50000"/>
+              </a:schemeClr>
+            </a:solidFill>
+            <a:prstDash val="dash"/>
+          </a:ln>
+        </p:spPr>
+        <p:style>
+          <a:lnRef idx="2">
+            <a:schemeClr val="accent1"/>
+          </a:lnRef>
+          <a:fillRef idx="0">
+            <a:schemeClr val="accent1"/>
+          </a:fillRef>
+          <a:effectRef idx="1">
+            <a:schemeClr val="accent1"/>
+          </a:effectRef>
+          <a:fontRef idx="minor">
+            <a:schemeClr val="tx1"/>
+          </a:fontRef>
+        </p:style>
+      </p:cxnSp>
+      <p:cxnSp>
+        <p:nvCxnSpPr>
+          <p:cNvPr id="16" name="Straight Arrow Connector 15">
+            <a:extLst>
+              <a:ext uri="{FF2B5EF4-FFF2-40B4-BE49-F238E27FC236}">
+                <a16:creationId xmlns:a16="http://schemas.microsoft.com/office/drawing/2014/main" id="{71EA17CF-A9EC-4B4E-9042-2763584A94FD}"/>
+              </a:ext>
+            </a:extLst>
+          </p:cNvPr>
+          <p:cNvCxnSpPr/>
+          <p:nvPr/>
+        </p:nvCxnSpPr>
+        <p:spPr>
+          <a:xfrm>
+            <a:off x="4001083" y="3138615"/>
+            <a:ext cx="620345" cy="0"/>
+          </a:xfrm>
+          <a:prstGeom prst="straightConnector1">
+            <a:avLst/>
+          </a:prstGeom>
+          <a:ln>
+            <a:headEnd type="triangle"/>
+            <a:tailEnd type="triangle"/>
+          </a:ln>
+        </p:spPr>
+        <p:style>
+          <a:lnRef idx="2">
+            <a:schemeClr val="accent1"/>
+          </a:lnRef>
+          <a:fillRef idx="0">
+            <a:schemeClr val="accent1"/>
+          </a:fillRef>
+          <a:effectRef idx="1">
+            <a:schemeClr val="accent1"/>
+          </a:effectRef>
+          <a:fontRef idx="minor">
+            <a:schemeClr val="tx1"/>
+          </a:fontRef>
+        </p:style>
+      </p:cxnSp>
+      <p:cxnSp>
+        <p:nvCxnSpPr>
+          <p:cNvPr id="17" name="Straight Arrow Connector 16">
+            <a:extLst>
+              <a:ext uri="{FF2B5EF4-FFF2-40B4-BE49-F238E27FC236}">
+                <a16:creationId xmlns:a16="http://schemas.microsoft.com/office/drawing/2014/main" id="{8117E5D7-C1CF-B241-A00F-49EBF16C34B0}"/>
+              </a:ext>
+            </a:extLst>
+          </p:cNvPr>
+          <p:cNvCxnSpPr>
+            <a:cxnSpLocks/>
+          </p:cNvCxnSpPr>
+          <p:nvPr/>
+        </p:nvCxnSpPr>
+        <p:spPr>
+          <a:xfrm>
+            <a:off x="4808391" y="3822355"/>
+            <a:ext cx="1110495" cy="0"/>
+          </a:xfrm>
+          <a:prstGeom prst="straightConnector1">
+            <a:avLst/>
+          </a:prstGeom>
+          <a:ln>
+            <a:headEnd type="triangle"/>
+            <a:tailEnd type="triangle"/>
+          </a:ln>
+        </p:spPr>
+        <p:style>
+          <a:lnRef idx="2">
+            <a:schemeClr val="accent1"/>
+          </a:lnRef>
+          <a:fillRef idx="0">
+            <a:schemeClr val="accent1"/>
+          </a:fillRef>
+          <a:effectRef idx="1">
+            <a:schemeClr val="accent1"/>
+          </a:effectRef>
+          <a:fontRef idx="minor">
+            <a:schemeClr val="tx1"/>
+          </a:fontRef>
+        </p:style>
+      </p:cxnSp>
+      <p:pic>
+        <p:nvPicPr>
+          <p:cNvPr id="19" name="Picture 18">
+            <a:extLst>
+              <a:ext uri="{FF2B5EF4-FFF2-40B4-BE49-F238E27FC236}">
+                <a16:creationId xmlns:a16="http://schemas.microsoft.com/office/drawing/2014/main" id="{00CF9D98-19B6-D641-BA98-2470BEEFB6DC}"/>
+              </a:ext>
+            </a:extLst>
+          </p:cNvPr>
+          <p:cNvPicPr>
+            <a:picLocks noChangeAspect="1"/>
+          </p:cNvPicPr>
+          <p:nvPr/>
+        </p:nvPicPr>
+        <p:blipFill>
+          <a:blip r:embed="rId6"/>
+          <a:stretch>
+            <a:fillRect/>
+          </a:stretch>
+        </p:blipFill>
+        <p:spPr>
+          <a:xfrm>
+            <a:off x="1668609" y="5477939"/>
+            <a:ext cx="2543258" cy="1010214"/>
+          </a:xfrm>
+          <a:prstGeom prst="rect">
+            <a:avLst/>
+          </a:prstGeom>
+        </p:spPr>
+      </p:pic>
+      <p:sp>
+        <p:nvSpPr>
+          <p:cNvPr id="20" name="TextBox 19">
+            <a:extLst>
+              <a:ext uri="{FF2B5EF4-FFF2-40B4-BE49-F238E27FC236}">
+                <a16:creationId xmlns:a16="http://schemas.microsoft.com/office/drawing/2014/main" id="{1C6B2205-157B-A449-9445-DB174438B4C4}"/>
+              </a:ext>
+            </a:extLst>
+          </p:cNvPr>
+          <p:cNvSpPr txBox="1"/>
+          <p:nvPr/>
+        </p:nvSpPr>
+        <p:spPr>
+          <a:xfrm>
+            <a:off x="6203763" y="5846199"/>
+            <a:ext cx="2844881" cy="369332"/>
+          </a:xfrm>
+          <a:prstGeom prst="rect">
+            <a:avLst/>
+          </a:prstGeom>
+          <a:noFill/>
+        </p:spPr>
+        <p:txBody>
+          <a:bodyPr wrap="none" rtlCol="0">
+            <a:spAutoFit/>
+          </a:bodyPr>
+          <a:lstStyle/>
+          <a:p>
+            <a:r>
+              <a:rPr lang="en-US" dirty="0"/>
+              <a:t>Area of each distribution = 1</a:t>
+            </a:r>
+          </a:p>
+        </p:txBody>
+      </p:sp>
+      <p:sp>
+        <p:nvSpPr>
+          <p:cNvPr id="21" name="TextBox 20">
+            <a:extLst>
+              <a:ext uri="{FF2B5EF4-FFF2-40B4-BE49-F238E27FC236}">
+                <a16:creationId xmlns:a16="http://schemas.microsoft.com/office/drawing/2014/main" id="{CB90B09F-055B-1240-975D-755499026C79}"/>
+              </a:ext>
+            </a:extLst>
+          </p:cNvPr>
+          <p:cNvSpPr txBox="1"/>
+          <p:nvPr/>
+        </p:nvSpPr>
+        <p:spPr>
+          <a:xfrm>
+            <a:off x="296562" y="5325762"/>
+            <a:ext cx="1454372" cy="369332"/>
+          </a:xfrm>
+          <a:prstGeom prst="rect">
+            <a:avLst/>
+          </a:prstGeom>
+          <a:noFill/>
+        </p:spPr>
+        <p:txBody>
+          <a:bodyPr wrap="none" rtlCol="0">
+            <a:spAutoFit/>
+          </a:bodyPr>
+          <a:lstStyle/>
+          <a:p>
+            <a:r>
+              <a:rPr lang="en-US" dirty="0"/>
+              <a:t>Performance:</a:t>
+            </a:r>
+          </a:p>
+        </p:txBody>
+      </p:sp>
+      <p:cxnSp>
+        <p:nvCxnSpPr>
+          <p:cNvPr id="23" name="Straight Arrow Connector 22">
+            <a:extLst>
+              <a:ext uri="{FF2B5EF4-FFF2-40B4-BE49-F238E27FC236}">
+                <a16:creationId xmlns:a16="http://schemas.microsoft.com/office/drawing/2014/main" id="{EE25BABD-D0DF-1349-988F-23A7A6452590}"/>
+              </a:ext>
+            </a:extLst>
+          </p:cNvPr>
+          <p:cNvCxnSpPr/>
+          <p:nvPr/>
+        </p:nvCxnSpPr>
+        <p:spPr>
+          <a:xfrm>
+            <a:off x="7735330" y="4868562"/>
+            <a:ext cx="902043" cy="0"/>
+          </a:xfrm>
+          <a:prstGeom prst="straightConnector1">
+            <a:avLst/>
+          </a:prstGeom>
+          <a:ln>
+            <a:tailEnd type="triangle"/>
+          </a:ln>
+        </p:spPr>
+        <p:style>
+          <a:lnRef idx="2">
+            <a:schemeClr val="accent1"/>
+          </a:lnRef>
+          <a:fillRef idx="0">
+            <a:schemeClr val="accent1"/>
+          </a:fillRef>
+          <a:effectRef idx="1">
+            <a:schemeClr val="accent1"/>
+          </a:effectRef>
+          <a:fontRef idx="minor">
+            <a:schemeClr val="tx1"/>
+          </a:fontRef>
+        </p:style>
+      </p:cxnSp>
+      <p:sp>
+        <p:nvSpPr>
+          <p:cNvPr id="24" name="TextBox 23">
+            <a:extLst>
+              <a:ext uri="{FF2B5EF4-FFF2-40B4-BE49-F238E27FC236}">
+                <a16:creationId xmlns:a16="http://schemas.microsoft.com/office/drawing/2014/main" id="{D80B645F-E6A3-9840-9B17-1979D7A76614}"/>
+              </a:ext>
+            </a:extLst>
+          </p:cNvPr>
+          <p:cNvSpPr txBox="1"/>
+          <p:nvPr/>
+        </p:nvSpPr>
+        <p:spPr>
+          <a:xfrm>
+            <a:off x="8106032" y="4972729"/>
+            <a:ext cx="290464" cy="369332"/>
+          </a:xfrm>
+          <a:prstGeom prst="rect">
+            <a:avLst/>
+          </a:prstGeom>
+          <a:noFill/>
+        </p:spPr>
+        <p:txBody>
+          <a:bodyPr wrap="none" rtlCol="0">
+            <a:spAutoFit/>
+          </a:bodyPr>
+          <a:lstStyle/>
+          <a:p>
+            <a:r>
+              <a:rPr lang="en-US" dirty="0"/>
+              <a:t>S</a:t>
+            </a:r>
+          </a:p>
+        </p:txBody>
+      </p:sp>
+      <p:cxnSp>
+        <p:nvCxnSpPr>
+          <p:cNvPr id="25" name="Straight Arrow Connector 24">
+            <a:extLst>
+              <a:ext uri="{FF2B5EF4-FFF2-40B4-BE49-F238E27FC236}">
+                <a16:creationId xmlns:a16="http://schemas.microsoft.com/office/drawing/2014/main" id="{FBF96432-413A-9647-8411-CBCAF920547E}"/>
+              </a:ext>
+            </a:extLst>
+          </p:cNvPr>
+          <p:cNvCxnSpPr>
+            <a:cxnSpLocks/>
+          </p:cNvCxnSpPr>
+          <p:nvPr/>
+        </p:nvCxnSpPr>
+        <p:spPr>
+          <a:xfrm flipV="1">
+            <a:off x="1038415" y="2082801"/>
+            <a:ext cx="0" cy="1402147"/>
+          </a:xfrm>
+          <a:prstGeom prst="straightConnector1">
+            <a:avLst/>
+          </a:prstGeom>
+          <a:ln>
+            <a:tailEnd type="triangle"/>
+          </a:ln>
+        </p:spPr>
+        <p:style>
+          <a:lnRef idx="2">
+            <a:schemeClr val="accent1"/>
+          </a:lnRef>
+          <a:fillRef idx="0">
+            <a:schemeClr val="accent1"/>
+          </a:fillRef>
+          <a:effectRef idx="1">
+            <a:schemeClr val="accent1"/>
+          </a:effectRef>
+          <a:fontRef idx="minor">
+            <a:schemeClr val="tx1"/>
+          </a:fontRef>
+        </p:style>
+      </p:cxnSp>
+      <p:sp>
+        <p:nvSpPr>
+          <p:cNvPr id="27" name="TextBox 26">
+            <a:extLst>
+              <a:ext uri="{FF2B5EF4-FFF2-40B4-BE49-F238E27FC236}">
+                <a16:creationId xmlns:a16="http://schemas.microsoft.com/office/drawing/2014/main" id="{3612043D-3D59-5446-9501-E51794B0A6DD}"/>
+              </a:ext>
+            </a:extLst>
+          </p:cNvPr>
+          <p:cNvSpPr txBox="1"/>
+          <p:nvPr/>
+        </p:nvSpPr>
+        <p:spPr>
+          <a:xfrm rot="16200000">
+            <a:off x="-748118" y="2664587"/>
+            <a:ext cx="2930289" cy="369332"/>
+          </a:xfrm>
+          <a:prstGeom prst="rect">
+            <a:avLst/>
+          </a:prstGeom>
+          <a:noFill/>
+        </p:spPr>
+        <p:txBody>
+          <a:bodyPr wrap="none" rtlCol="0">
+            <a:spAutoFit/>
+          </a:bodyPr>
+          <a:lstStyle/>
+          <a:p>
+            <a:r>
+              <a:rPr lang="en-US" dirty="0"/>
+              <a:t>Probability density frequency</a:t>
+            </a:r>
+          </a:p>
+        </p:txBody>
+      </p:sp>
+    </p:spTree>
+    <p:extLst>
+      <p:ext uri="{BB962C8B-B14F-4D97-AF65-F5344CB8AC3E}">
+        <p14:creationId xmlns:p14="http://schemas.microsoft.com/office/powerpoint/2010/main" val="462762506"/>
+      </p:ext>
+    </p:extLst>
+  </p:cSld>
+  <p:clrMapOvr>
+    <a:masterClrMapping/>
+  </p:clrMapOvr>
+</p:sld>
+</file>
+
+<file path=ppt/slides/slide11.xml><?xml version="1.0" encoding="utf-8"?>
+<p:sld xmlns:a="http://schemas.openxmlformats.org/drawingml/2006/main" xmlns:r="http://schemas.openxmlformats.org/officeDocument/2006/relationships" xmlns:p="http://schemas.openxmlformats.org/presentationml/2006/main">
+  <p:cSld>
+    <p:bg>
+      <p:bgPr>
+        <a:solidFill>
+          <a:srgbClr val="F0F0EF"/>
+        </a:solidFill>
+        <a:effectLst/>
+      </p:bgPr>
+    </p:bg>
+    <p:spTree>
+      <p:nvGrpSpPr>
+        <p:cNvPr id="1" name=""/>
+        <p:cNvGrpSpPr/>
+        <p:nvPr/>
+      </p:nvGrpSpPr>
+      <p:grpSpPr>
+        <a:xfrm>
+          <a:off x="0" y="0"/>
+          <a:ext cx="0" cy="0"/>
+          <a:chOff x="0" y="0"/>
+          <a:chExt cx="0" cy="0"/>
+        </a:xfrm>
+      </p:grpSpPr>
+      <p:pic>
+        <p:nvPicPr>
+          <p:cNvPr id="4" name="Picture 3">
+            <a:extLst>
+              <a:ext uri="{FF2B5EF4-FFF2-40B4-BE49-F238E27FC236}">
+                <a16:creationId xmlns:a16="http://schemas.microsoft.com/office/drawing/2014/main" id="{AF7DD55D-9BBE-BD47-AC02-9DE04620FDE8}"/>
+              </a:ext>
+            </a:extLst>
+          </p:cNvPr>
+          <p:cNvPicPr>
+            <a:picLocks noChangeAspect="1"/>
+          </p:cNvPicPr>
+          <p:nvPr/>
+        </p:nvPicPr>
+        <p:blipFill>
+          <a:blip r:embed="rId2"/>
+          <a:stretch>
+            <a:fillRect/>
+          </a:stretch>
+        </p:blipFill>
+        <p:spPr>
+          <a:xfrm>
+            <a:off x="2078832" y="4074617"/>
+            <a:ext cx="2236377" cy="1746277"/>
+          </a:xfrm>
+          <a:prstGeom prst="rect">
+            <a:avLst/>
+          </a:prstGeom>
+        </p:spPr>
+      </p:pic>
+      <p:sp>
+        <p:nvSpPr>
+          <p:cNvPr id="5" name="TextBox 4">
+            <a:extLst>
+              <a:ext uri="{FF2B5EF4-FFF2-40B4-BE49-F238E27FC236}">
+                <a16:creationId xmlns:a16="http://schemas.microsoft.com/office/drawing/2014/main" id="{05D85AA7-E2A8-0942-BEAE-67357D0FDC8E}"/>
+              </a:ext>
+            </a:extLst>
+          </p:cNvPr>
+          <p:cNvSpPr txBox="1"/>
+          <p:nvPr/>
+        </p:nvSpPr>
+        <p:spPr>
+          <a:xfrm>
+            <a:off x="2699928" y="5883187"/>
+            <a:ext cx="994183" cy="369332"/>
+          </a:xfrm>
+          <a:prstGeom prst="rect">
+            <a:avLst/>
+          </a:prstGeom>
+          <a:noFill/>
+        </p:spPr>
+        <p:txBody>
+          <a:bodyPr wrap="none" rtlCol="0">
+            <a:spAutoFit/>
+          </a:bodyPr>
+          <a:lstStyle/>
+          <a:p>
+            <a:r>
+              <a:rPr lang="en-US" dirty="0"/>
+              <a:t>d’ = 2.22</a:t>
+            </a:r>
+          </a:p>
+        </p:txBody>
+      </p:sp>
+      <p:sp>
+        <p:nvSpPr>
+          <p:cNvPr id="6" name="TextBox 5">
+            <a:extLst>
+              <a:ext uri="{FF2B5EF4-FFF2-40B4-BE49-F238E27FC236}">
+                <a16:creationId xmlns:a16="http://schemas.microsoft.com/office/drawing/2014/main" id="{3C49128F-9D22-2B46-9AC1-59BCAC7968A0}"/>
+              </a:ext>
+            </a:extLst>
+          </p:cNvPr>
+          <p:cNvSpPr txBox="1"/>
+          <p:nvPr/>
+        </p:nvSpPr>
+        <p:spPr>
+          <a:xfrm>
+            <a:off x="2765031" y="3241282"/>
+            <a:ext cx="994183" cy="369332"/>
+          </a:xfrm>
+          <a:prstGeom prst="rect">
+            <a:avLst/>
+          </a:prstGeom>
+          <a:noFill/>
+        </p:spPr>
+        <p:txBody>
+          <a:bodyPr wrap="none" rtlCol="0">
+            <a:spAutoFit/>
+          </a:bodyPr>
+          <a:lstStyle/>
+          <a:p>
+            <a:r>
+              <a:rPr lang="en-US" dirty="0"/>
+              <a:t>d’ = 0.20</a:t>
+            </a:r>
+          </a:p>
+        </p:txBody>
+      </p:sp>
+      <p:sp>
+        <p:nvSpPr>
+          <p:cNvPr id="7" name="TextBox 6">
+            <a:extLst>
+              <a:ext uri="{FF2B5EF4-FFF2-40B4-BE49-F238E27FC236}">
+                <a16:creationId xmlns:a16="http://schemas.microsoft.com/office/drawing/2014/main" id="{5EC06852-9EEA-6A48-9C0A-DF226C7EE341}"/>
+              </a:ext>
+            </a:extLst>
+          </p:cNvPr>
+          <p:cNvSpPr txBox="1"/>
+          <p:nvPr/>
+        </p:nvSpPr>
+        <p:spPr>
+          <a:xfrm>
+            <a:off x="914400" y="605481"/>
+            <a:ext cx="2422073" cy="646331"/>
+          </a:xfrm>
+          <a:prstGeom prst="rect">
+            <a:avLst/>
+          </a:prstGeom>
+          <a:noFill/>
+        </p:spPr>
+        <p:txBody>
+          <a:bodyPr wrap="none" rtlCol="0">
+            <a:spAutoFit/>
+          </a:bodyPr>
+          <a:lstStyle/>
+          <a:p>
+            <a:r>
+              <a:rPr lang="en-US" dirty="0"/>
+              <a:t>Examples of d’</a:t>
+            </a:r>
+          </a:p>
+          <a:p>
+            <a:r>
+              <a:rPr lang="en-US" dirty="0"/>
+              <a:t>for different algorithms </a:t>
+            </a:r>
+          </a:p>
+        </p:txBody>
+      </p:sp>
+      <p:pic>
+        <p:nvPicPr>
+          <p:cNvPr id="8" name="Picture 7">
+            <a:extLst>
+              <a:ext uri="{FF2B5EF4-FFF2-40B4-BE49-F238E27FC236}">
+                <a16:creationId xmlns:a16="http://schemas.microsoft.com/office/drawing/2014/main" id="{2ABA9B6E-041D-3240-B681-FA067A027C36}"/>
+              </a:ext>
+            </a:extLst>
+          </p:cNvPr>
+          <p:cNvPicPr>
+            <a:picLocks noChangeAspect="1"/>
+          </p:cNvPicPr>
+          <p:nvPr/>
+        </p:nvPicPr>
+        <p:blipFill>
+          <a:blip r:embed="rId3"/>
+          <a:srcRect/>
+          <a:stretch/>
+        </p:blipFill>
+        <p:spPr>
+          <a:xfrm>
+            <a:off x="2143935" y="1450026"/>
+            <a:ext cx="2236377" cy="1728963"/>
+          </a:xfrm>
+          <a:prstGeom prst="rect">
+            <a:avLst/>
+          </a:prstGeom>
+        </p:spPr>
+      </p:pic>
+      <p:pic>
+        <p:nvPicPr>
+          <p:cNvPr id="9" name="Picture 8">
+            <a:extLst>
+              <a:ext uri="{FF2B5EF4-FFF2-40B4-BE49-F238E27FC236}">
+                <a16:creationId xmlns:a16="http://schemas.microsoft.com/office/drawing/2014/main" id="{14AECB97-BF45-BE45-B097-8DD533212017}"/>
+              </a:ext>
+            </a:extLst>
+          </p:cNvPr>
+          <p:cNvPicPr>
+            <a:picLocks noChangeAspect="1"/>
+          </p:cNvPicPr>
+          <p:nvPr/>
+        </p:nvPicPr>
+        <p:blipFill>
+          <a:blip r:embed="rId4"/>
+          <a:srcRect/>
+          <a:stretch/>
+        </p:blipFill>
+        <p:spPr>
+          <a:xfrm>
+            <a:off x="4945599" y="4073365"/>
+            <a:ext cx="2236377" cy="1732141"/>
+          </a:xfrm>
+          <a:prstGeom prst="rect">
+            <a:avLst/>
+          </a:prstGeom>
+        </p:spPr>
+      </p:pic>
+      <p:sp>
+        <p:nvSpPr>
+          <p:cNvPr id="10" name="TextBox 9">
+            <a:extLst>
+              <a:ext uri="{FF2B5EF4-FFF2-40B4-BE49-F238E27FC236}">
+                <a16:creationId xmlns:a16="http://schemas.microsoft.com/office/drawing/2014/main" id="{12879A32-E459-E045-B5BC-D27AF37CFC4D}"/>
+              </a:ext>
+            </a:extLst>
+          </p:cNvPr>
+          <p:cNvSpPr txBox="1"/>
+          <p:nvPr/>
+        </p:nvSpPr>
+        <p:spPr>
+          <a:xfrm>
+            <a:off x="5566695" y="5886952"/>
+            <a:ext cx="994183" cy="369332"/>
+          </a:xfrm>
+          <a:prstGeom prst="rect">
+            <a:avLst/>
+          </a:prstGeom>
+          <a:noFill/>
+        </p:spPr>
+        <p:txBody>
+          <a:bodyPr wrap="none" rtlCol="0">
+            <a:spAutoFit/>
+          </a:bodyPr>
+          <a:lstStyle/>
+          <a:p>
+            <a:r>
+              <a:rPr lang="en-US" dirty="0"/>
+              <a:t>d’ = 3.23</a:t>
+            </a:r>
+          </a:p>
+        </p:txBody>
+      </p:sp>
+      <p:pic>
+        <p:nvPicPr>
+          <p:cNvPr id="11" name="Picture 10">
+            <a:extLst>
+              <a:ext uri="{FF2B5EF4-FFF2-40B4-BE49-F238E27FC236}">
+                <a16:creationId xmlns:a16="http://schemas.microsoft.com/office/drawing/2014/main" id="{2C93A906-34C0-6344-8D85-05BEF350A41E}"/>
+              </a:ext>
+            </a:extLst>
+          </p:cNvPr>
+          <p:cNvPicPr>
+            <a:picLocks noChangeAspect="1"/>
+          </p:cNvPicPr>
+          <p:nvPr/>
+        </p:nvPicPr>
+        <p:blipFill>
+          <a:blip r:embed="rId5"/>
+          <a:srcRect/>
+          <a:stretch/>
+        </p:blipFill>
+        <p:spPr>
+          <a:xfrm>
+            <a:off x="4949574" y="1450026"/>
+            <a:ext cx="2232402" cy="1746277"/>
+          </a:xfrm>
+          <a:prstGeom prst="rect">
+            <a:avLst/>
+          </a:prstGeom>
+        </p:spPr>
+      </p:pic>
+      <p:sp>
+        <p:nvSpPr>
+          <p:cNvPr id="12" name="TextBox 11">
+            <a:extLst>
+              <a:ext uri="{FF2B5EF4-FFF2-40B4-BE49-F238E27FC236}">
+                <a16:creationId xmlns:a16="http://schemas.microsoft.com/office/drawing/2014/main" id="{D6D521FF-9224-5144-B18C-93F00766F2A1}"/>
+              </a:ext>
+            </a:extLst>
+          </p:cNvPr>
+          <p:cNvSpPr txBox="1"/>
+          <p:nvPr/>
+        </p:nvSpPr>
+        <p:spPr>
+          <a:xfrm>
+            <a:off x="5566695" y="3274078"/>
+            <a:ext cx="994183" cy="369332"/>
+          </a:xfrm>
+          <a:prstGeom prst="rect">
+            <a:avLst/>
+          </a:prstGeom>
+          <a:noFill/>
+        </p:spPr>
+        <p:txBody>
+          <a:bodyPr wrap="none" rtlCol="0">
+            <a:spAutoFit/>
+          </a:bodyPr>
+          <a:lstStyle/>
+          <a:p>
+            <a:r>
+              <a:rPr lang="en-US" dirty="0"/>
+              <a:t>d’ = 1.59</a:t>
+            </a:r>
+          </a:p>
+        </p:txBody>
+      </p:sp>
+      <p:sp>
+        <p:nvSpPr>
+          <p:cNvPr id="13" name="TextBox 12">
+            <a:extLst>
+              <a:ext uri="{FF2B5EF4-FFF2-40B4-BE49-F238E27FC236}">
+                <a16:creationId xmlns:a16="http://schemas.microsoft.com/office/drawing/2014/main" id="{28532AF8-2078-CF44-BFA1-129C0417F48B}"/>
+              </a:ext>
+            </a:extLst>
+          </p:cNvPr>
+          <p:cNvSpPr txBox="1"/>
+          <p:nvPr/>
+        </p:nvSpPr>
+        <p:spPr>
+          <a:xfrm>
+            <a:off x="7181976" y="6067853"/>
+            <a:ext cx="1400383" cy="369332"/>
+          </a:xfrm>
+          <a:prstGeom prst="rect">
+            <a:avLst/>
+          </a:prstGeom>
+          <a:noFill/>
+        </p:spPr>
+        <p:txBody>
+          <a:bodyPr wrap="none" rtlCol="0">
+            <a:spAutoFit/>
+          </a:bodyPr>
+          <a:lstStyle/>
+          <a:p>
+            <a:r>
+              <a:rPr lang="en-US" dirty="0"/>
+              <a:t>The best one</a:t>
+            </a:r>
+          </a:p>
+        </p:txBody>
+      </p:sp>
+      <p:cxnSp>
+        <p:nvCxnSpPr>
+          <p:cNvPr id="15" name="Straight Arrow Connector 14">
+            <a:extLst>
+              <a:ext uri="{FF2B5EF4-FFF2-40B4-BE49-F238E27FC236}">
+                <a16:creationId xmlns:a16="http://schemas.microsoft.com/office/drawing/2014/main" id="{B9E4D2EA-75B1-294F-AE59-6B3CD9B27C42}"/>
+              </a:ext>
+            </a:extLst>
+          </p:cNvPr>
+          <p:cNvCxnSpPr/>
+          <p:nvPr/>
+        </p:nvCxnSpPr>
+        <p:spPr>
+          <a:xfrm flipH="1" flipV="1">
+            <a:off x="7043351" y="5883187"/>
+            <a:ext cx="259492" cy="184666"/>
+          </a:xfrm>
+          <a:prstGeom prst="straightConnector1">
+            <a:avLst/>
+          </a:prstGeom>
+          <a:ln>
+            <a:tailEnd type="triangle"/>
+          </a:ln>
+        </p:spPr>
+        <p:style>
+          <a:lnRef idx="2">
+            <a:schemeClr val="accent1"/>
+          </a:lnRef>
+          <a:fillRef idx="0">
+            <a:schemeClr val="accent1"/>
+          </a:fillRef>
+          <a:effectRef idx="1">
+            <a:schemeClr val="accent1"/>
+          </a:effectRef>
+          <a:fontRef idx="minor">
+            <a:schemeClr val="tx1"/>
+          </a:fontRef>
+        </p:style>
+      </p:cxnSp>
+    </p:spTree>
+    <p:extLst>
+      <p:ext uri="{BB962C8B-B14F-4D97-AF65-F5344CB8AC3E}">
+        <p14:creationId xmlns:p14="http://schemas.microsoft.com/office/powerpoint/2010/main" val="851556059"/>
+      </p:ext>
+    </p:extLst>
+  </p:cSld>
+  <p:clrMapOvr>
+    <a:masterClrMapping/>
+  </p:clrMapOvr>
+</p:sld>
+</file>
+
+<file path=ppt/slides/slide12.xml><?xml version="1.0" encoding="utf-8"?>
+<p:sld xmlns:a="http://schemas.openxmlformats.org/drawingml/2006/main" xmlns:r="http://schemas.openxmlformats.org/officeDocument/2006/relationships" xmlns:p="http://schemas.openxmlformats.org/presentationml/2006/main" show="0">
+  <p:cSld>
+    <p:spTree>
+      <p:nvGrpSpPr>
+        <p:cNvPr id="1" name=""/>
+        <p:cNvGrpSpPr/>
+        <p:nvPr/>
+      </p:nvGrpSpPr>
+      <p:grpSpPr>
+        <a:xfrm>
+          <a:off x="0" y="0"/>
+          <a:ext cx="0" cy="0"/>
+          <a:chOff x="0" y="0"/>
+          <a:chExt cx="0" cy="0"/>
+        </a:xfrm>
+      </p:grpSpPr>
+      <p:sp>
+        <p:nvSpPr>
+          <p:cNvPr id="2" name="Title 1">
+            <a:extLst>
+              <a:ext uri="{FF2B5EF4-FFF2-40B4-BE49-F238E27FC236}">
+                <a16:creationId xmlns:a16="http://schemas.microsoft.com/office/drawing/2014/main" id="{2E6B9BFC-3ED1-B444-8BB8-557A4E0F7F4C}"/>
+              </a:ext>
+            </a:extLst>
+          </p:cNvPr>
+          <p:cNvSpPr>
+            <a:spLocks noGrp="1"/>
+          </p:cNvSpPr>
+          <p:nvPr>
+            <p:ph type="title"/>
+          </p:nvPr>
+        </p:nvSpPr>
+        <p:spPr/>
+        <p:txBody>
+          <a:bodyPr/>
+          <a:lstStyle/>
+          <a:p>
+            <a:r>
+              <a:rPr lang="en-US" dirty="0"/>
+              <a:t>Other metrics</a:t>
+            </a:r>
+          </a:p>
+        </p:txBody>
+      </p:sp>
+      <p:pic>
+        <p:nvPicPr>
+          <p:cNvPr id="4" name="Picture 3">
+            <a:extLst>
+              <a:ext uri="{FF2B5EF4-FFF2-40B4-BE49-F238E27FC236}">
+                <a16:creationId xmlns:a16="http://schemas.microsoft.com/office/drawing/2014/main" id="{F51EDBBB-B093-6C46-96A2-04BD5F9900C5}"/>
+              </a:ext>
+            </a:extLst>
+          </p:cNvPr>
+          <p:cNvPicPr>
+            <a:picLocks noChangeAspect="1"/>
+          </p:cNvPicPr>
+          <p:nvPr/>
+        </p:nvPicPr>
+        <p:blipFill>
+          <a:blip r:embed="rId2"/>
+          <a:stretch>
+            <a:fillRect/>
+          </a:stretch>
+        </p:blipFill>
+        <p:spPr>
+          <a:xfrm>
+            <a:off x="812800" y="2334397"/>
+            <a:ext cx="7518400" cy="533400"/>
+          </a:xfrm>
+          <a:prstGeom prst="rect">
+            <a:avLst/>
+          </a:prstGeom>
+        </p:spPr>
+      </p:pic>
+      <p:sp>
+        <p:nvSpPr>
+          <p:cNvPr id="5" name="TextBox 4">
+            <a:extLst>
+              <a:ext uri="{FF2B5EF4-FFF2-40B4-BE49-F238E27FC236}">
+                <a16:creationId xmlns:a16="http://schemas.microsoft.com/office/drawing/2014/main" id="{7345E164-34DA-F14C-99E5-5BE3BD5EDFE9}"/>
+              </a:ext>
+            </a:extLst>
+          </p:cNvPr>
+          <p:cNvSpPr txBox="1"/>
+          <p:nvPr/>
+        </p:nvSpPr>
+        <p:spPr>
+          <a:xfrm>
+            <a:off x="1865868" y="3657600"/>
+            <a:ext cx="6964342" cy="923330"/>
+          </a:xfrm>
+          <a:prstGeom prst="rect">
+            <a:avLst/>
+          </a:prstGeom>
+          <a:noFill/>
+        </p:spPr>
+        <p:txBody>
+          <a:bodyPr wrap="none" rtlCol="0">
+            <a:spAutoFit/>
+          </a:bodyPr>
+          <a:lstStyle/>
+          <a:p>
+            <a:r>
+              <a:rPr lang="en-US" dirty="0"/>
+              <a:t>For Euclidean distance:</a:t>
+            </a:r>
+          </a:p>
+          <a:p>
+            <a:endParaRPr lang="en-US" dirty="0"/>
+          </a:p>
+          <a:p>
+            <a:r>
+              <a:rPr lang="en-US" dirty="0"/>
+              <a:t>For other metrics, matrix         is learned from negative and positive pairs</a:t>
+            </a:r>
+          </a:p>
+        </p:txBody>
+      </p:sp>
+      <p:pic>
+        <p:nvPicPr>
+          <p:cNvPr id="6" name="Picture 5">
+            <a:extLst>
+              <a:ext uri="{FF2B5EF4-FFF2-40B4-BE49-F238E27FC236}">
+                <a16:creationId xmlns:a16="http://schemas.microsoft.com/office/drawing/2014/main" id="{621A1E70-28ED-5142-8589-519E0C83AACE}"/>
+              </a:ext>
+            </a:extLst>
+          </p:cNvPr>
+          <p:cNvPicPr>
+            <a:picLocks noChangeAspect="1"/>
+          </p:cNvPicPr>
+          <p:nvPr/>
+        </p:nvPicPr>
+        <p:blipFill>
+          <a:blip r:embed="rId3"/>
+          <a:stretch>
+            <a:fillRect/>
+          </a:stretch>
+        </p:blipFill>
+        <p:spPr>
+          <a:xfrm>
+            <a:off x="4309417" y="3672704"/>
+            <a:ext cx="1143000" cy="317500"/>
+          </a:xfrm>
+          <a:prstGeom prst="rect">
+            <a:avLst/>
+          </a:prstGeom>
+        </p:spPr>
+      </p:pic>
+      <p:sp>
+        <p:nvSpPr>
+          <p:cNvPr id="7" name="TextBox 6">
+            <a:extLst>
+              <a:ext uri="{FF2B5EF4-FFF2-40B4-BE49-F238E27FC236}">
+                <a16:creationId xmlns:a16="http://schemas.microsoft.com/office/drawing/2014/main" id="{99110118-135E-6A4E-A3C4-76E847EF4802}"/>
+              </a:ext>
+            </a:extLst>
+          </p:cNvPr>
+          <p:cNvSpPr txBox="1"/>
+          <p:nvPr/>
+        </p:nvSpPr>
+        <p:spPr>
+          <a:xfrm>
+            <a:off x="1883997" y="4743456"/>
+            <a:ext cx="6634637" cy="369332"/>
+          </a:xfrm>
+          <a:prstGeom prst="rect">
+            <a:avLst/>
+          </a:prstGeom>
+          <a:noFill/>
+        </p:spPr>
+        <p:txBody>
+          <a:bodyPr wrap="none" rtlCol="0">
+            <a:spAutoFit/>
+          </a:bodyPr>
+          <a:lstStyle/>
+          <a:p>
+            <a:r>
+              <a:rPr lang="en-US" dirty="0"/>
+              <a:t>If image-A and image-B are from the same person the distance is low </a:t>
+            </a:r>
+          </a:p>
+        </p:txBody>
+      </p:sp>
+      <p:sp>
+        <p:nvSpPr>
+          <p:cNvPr id="8" name="TextBox 7">
+            <a:extLst>
+              <a:ext uri="{FF2B5EF4-FFF2-40B4-BE49-F238E27FC236}">
+                <a16:creationId xmlns:a16="http://schemas.microsoft.com/office/drawing/2014/main" id="{D402F5DC-7568-1842-AB0B-8E5AEAC1130C}"/>
+              </a:ext>
+            </a:extLst>
+          </p:cNvPr>
+          <p:cNvSpPr txBox="1"/>
+          <p:nvPr/>
+        </p:nvSpPr>
+        <p:spPr>
+          <a:xfrm>
+            <a:off x="1864094" y="5308034"/>
+            <a:ext cx="6682855" cy="369332"/>
+          </a:xfrm>
+          <a:prstGeom prst="rect">
+            <a:avLst/>
+          </a:prstGeom>
+          <a:noFill/>
+        </p:spPr>
+        <p:txBody>
+          <a:bodyPr wrap="none" rtlCol="0">
+            <a:spAutoFit/>
+          </a:bodyPr>
+          <a:lstStyle/>
+          <a:p>
+            <a:r>
+              <a:rPr lang="en-US" dirty="0"/>
+              <a:t>If image-A and image-B are from different persons the distance is high</a:t>
+            </a:r>
+          </a:p>
+        </p:txBody>
+      </p:sp>
+      <p:sp>
+        <p:nvSpPr>
+          <p:cNvPr id="10" name="TextBox 9">
+            <a:extLst>
+              <a:ext uri="{FF2B5EF4-FFF2-40B4-BE49-F238E27FC236}">
+                <a16:creationId xmlns:a16="http://schemas.microsoft.com/office/drawing/2014/main" id="{1C44259C-B81B-F247-8FC1-D5F7CF1BE50C}"/>
+              </a:ext>
+            </a:extLst>
+          </p:cNvPr>
+          <p:cNvSpPr txBox="1"/>
+          <p:nvPr/>
+        </p:nvSpPr>
+        <p:spPr>
+          <a:xfrm>
+            <a:off x="1860306" y="5909220"/>
+            <a:ext cx="3901646" cy="646331"/>
+          </a:xfrm>
+          <a:prstGeom prst="rect">
+            <a:avLst/>
+          </a:prstGeom>
+          <a:noFill/>
+        </p:spPr>
+        <p:txBody>
+          <a:bodyPr wrap="none" rtlCol="0">
+            <a:spAutoFit/>
+          </a:bodyPr>
+          <a:lstStyle/>
+          <a:p>
+            <a:r>
+              <a:rPr lang="en-US" dirty="0"/>
+              <a:t>Genuine distribution is at the left side</a:t>
+            </a:r>
+          </a:p>
+          <a:p>
+            <a:r>
+              <a:rPr lang="en-US" dirty="0"/>
+              <a:t>Impostor distribution is at the right side</a:t>
+            </a:r>
+          </a:p>
+        </p:txBody>
+      </p:sp>
+      <p:pic>
+        <p:nvPicPr>
+          <p:cNvPr id="12" name="Picture 11">
+            <a:extLst>
+              <a:ext uri="{FF2B5EF4-FFF2-40B4-BE49-F238E27FC236}">
+                <a16:creationId xmlns:a16="http://schemas.microsoft.com/office/drawing/2014/main" id="{EB37560C-E03A-E04D-8489-87C4DC9BBF64}"/>
+              </a:ext>
+            </a:extLst>
+          </p:cNvPr>
+          <p:cNvPicPr>
+            <a:picLocks noChangeAspect="1"/>
+          </p:cNvPicPr>
+          <p:nvPr/>
+        </p:nvPicPr>
+        <p:blipFill>
+          <a:blip r:embed="rId4"/>
+          <a:stretch>
+            <a:fillRect/>
+          </a:stretch>
+        </p:blipFill>
+        <p:spPr>
+          <a:xfrm>
+            <a:off x="4394542" y="4306337"/>
+            <a:ext cx="165100" cy="158750"/>
+          </a:xfrm>
+          <a:prstGeom prst="rect">
+            <a:avLst/>
+          </a:prstGeom>
+        </p:spPr>
+      </p:pic>
+    </p:spTree>
+    <p:extLst>
+      <p:ext uri="{BB962C8B-B14F-4D97-AF65-F5344CB8AC3E}">
+        <p14:creationId xmlns:p14="http://schemas.microsoft.com/office/powerpoint/2010/main" val="1333877618"/>
+      </p:ext>
+    </p:extLst>
+  </p:cSld>
+  <p:clrMapOvr>
+    <a:masterClrMapping/>
+  </p:clrMapOvr>
+</p:sld>
+</file>
+
+<file path=ppt/slides/slide13.xml><?xml version="1.0" encoding="utf-8"?>
+<p:sld xmlns:a="http://schemas.openxmlformats.org/drawingml/2006/main" xmlns:r="http://schemas.openxmlformats.org/officeDocument/2006/relationships" xmlns:p="http://schemas.openxmlformats.org/presentationml/2006/main" show="0">
+  <p:cSld>
+    <p:spTree>
+      <p:nvGrpSpPr>
+        <p:cNvPr id="1" name=""/>
+        <p:cNvGrpSpPr/>
+        <p:nvPr/>
+      </p:nvGrpSpPr>
+      <p:grpSpPr>
+        <a:xfrm>
+          <a:off x="0" y="0"/>
+          <a:ext cx="0" cy="0"/>
+          <a:chOff x="0" y="0"/>
+          <a:chExt cx="0" cy="0"/>
+        </a:xfrm>
+      </p:grpSpPr>
+      <p:sp>
+        <p:nvSpPr>
+          <p:cNvPr id="2" name="Title 1">
+            <a:extLst>
+              <a:ext uri="{FF2B5EF4-FFF2-40B4-BE49-F238E27FC236}">
+                <a16:creationId xmlns:a16="http://schemas.microsoft.com/office/drawing/2014/main" id="{2E6B9BFC-3ED1-B444-8BB8-557A4E0F7F4C}"/>
+              </a:ext>
+            </a:extLst>
+          </p:cNvPr>
+          <p:cNvSpPr>
+            <a:spLocks noGrp="1"/>
+          </p:cNvSpPr>
+          <p:nvPr>
+            <p:ph type="title"/>
+          </p:nvPr>
+        </p:nvSpPr>
+        <p:spPr/>
+        <p:txBody>
+          <a:bodyPr/>
+          <a:lstStyle/>
+          <a:p>
+            <a:r>
+              <a:rPr lang="en-US" dirty="0"/>
+              <a:t>Other metrics</a:t>
+            </a:r>
+          </a:p>
+        </p:txBody>
+      </p:sp>
+      <p:sp>
+        <p:nvSpPr>
+          <p:cNvPr id="3" name="TextBox 2">
+            <a:extLst>
+              <a:ext uri="{FF2B5EF4-FFF2-40B4-BE49-F238E27FC236}">
+                <a16:creationId xmlns:a16="http://schemas.microsoft.com/office/drawing/2014/main" id="{7B7DFE74-B078-E54E-BEE5-A8F88E591463}"/>
+              </a:ext>
+            </a:extLst>
+          </p:cNvPr>
+          <p:cNvSpPr txBox="1"/>
+          <p:nvPr/>
+        </p:nvSpPr>
+        <p:spPr>
+          <a:xfrm>
+            <a:off x="902044" y="1445735"/>
+            <a:ext cx="7698260" cy="1754326"/>
+          </a:xfrm>
+          <a:prstGeom prst="rect">
+            <a:avLst/>
+          </a:prstGeom>
+          <a:noFill/>
+        </p:spPr>
+        <p:txBody>
+          <a:bodyPr wrap="square" rtlCol="0">
+            <a:spAutoFit/>
+          </a:bodyPr>
+          <a:lstStyle/>
+          <a:p>
+            <a:r>
+              <a:rPr lang="en-US" dirty="0"/>
+              <a:t>Sometimes the metric is obtained from the output of a classifier (for example SVM or neural network). In this case, there are two classes, ‘1’ for genuine (same person) and ‘0’ for impostor (different persons). Typically, the classifier has a score at the output that is compared with a threshold. If the score is greater than the threshold the classification is ‘1’, otherwise is ‘0’. The score can be used in this case as a similarity metric.</a:t>
+            </a:r>
+          </a:p>
+        </p:txBody>
+      </p:sp>
+      <p:pic>
+        <p:nvPicPr>
+          <p:cNvPr id="11" name="Picture 10">
+            <a:extLst>
+              <a:ext uri="{FF2B5EF4-FFF2-40B4-BE49-F238E27FC236}">
+                <a16:creationId xmlns:a16="http://schemas.microsoft.com/office/drawing/2014/main" id="{6AAC749C-3905-764C-807E-71A69ACD338C}"/>
+              </a:ext>
+            </a:extLst>
+          </p:cNvPr>
+          <p:cNvPicPr>
+            <a:picLocks noChangeAspect="1"/>
+          </p:cNvPicPr>
+          <p:nvPr/>
+        </p:nvPicPr>
+        <p:blipFill>
+          <a:blip r:embed="rId2"/>
+          <a:stretch>
+            <a:fillRect/>
+          </a:stretch>
+        </p:blipFill>
+        <p:spPr>
+          <a:xfrm>
+            <a:off x="2585307" y="3237807"/>
+            <a:ext cx="3135870" cy="2758963"/>
+          </a:xfrm>
+          <a:prstGeom prst="rect">
+            <a:avLst/>
+          </a:prstGeom>
+        </p:spPr>
+      </p:pic>
+      <p:pic>
+        <p:nvPicPr>
+          <p:cNvPr id="13" name="Picture 12">
+            <a:extLst>
+              <a:ext uri="{FF2B5EF4-FFF2-40B4-BE49-F238E27FC236}">
+                <a16:creationId xmlns:a16="http://schemas.microsoft.com/office/drawing/2014/main" id="{D142A1AD-FB0C-094C-B550-FE934B74A0CB}"/>
+              </a:ext>
+            </a:extLst>
+          </p:cNvPr>
+          <p:cNvPicPr>
+            <a:picLocks noChangeAspect="1"/>
+          </p:cNvPicPr>
+          <p:nvPr/>
+        </p:nvPicPr>
+        <p:blipFill>
+          <a:blip r:embed="rId3">
+            <a:extLst>
+              <a:ext uri="{28A0092B-C50C-407E-A947-70E740481C1C}">
+                <a14:useLocalDpi xmlns:a14="http://schemas.microsoft.com/office/drawing/2010/main" val="0"/>
+              </a:ext>
+            </a:extLst>
+          </a:blip>
+          <a:stretch>
+            <a:fillRect/>
+          </a:stretch>
+        </p:blipFill>
+        <p:spPr>
+          <a:xfrm>
+            <a:off x="902042" y="3492352"/>
+            <a:ext cx="682325" cy="992473"/>
+          </a:xfrm>
+          <a:prstGeom prst="rect">
+            <a:avLst/>
+          </a:prstGeom>
+          <a:ln w="38100">
+            <a:noFill/>
+          </a:ln>
+        </p:spPr>
+      </p:pic>
+      <p:pic>
+        <p:nvPicPr>
+          <p:cNvPr id="14" name="Picture 13">
+            <a:extLst>
+              <a:ext uri="{FF2B5EF4-FFF2-40B4-BE49-F238E27FC236}">
+                <a16:creationId xmlns:a16="http://schemas.microsoft.com/office/drawing/2014/main" id="{C4F5766F-16A8-4043-9F92-58A317207B36}"/>
+              </a:ext>
+            </a:extLst>
+          </p:cNvPr>
+          <p:cNvPicPr>
+            <a:picLocks noChangeAspect="1"/>
+          </p:cNvPicPr>
+          <p:nvPr/>
+        </p:nvPicPr>
+        <p:blipFill>
+          <a:blip r:embed="rId4">
+            <a:extLst>
+              <a:ext uri="{28A0092B-C50C-407E-A947-70E740481C1C}">
+                <a14:useLocalDpi xmlns:a14="http://schemas.microsoft.com/office/drawing/2010/main" val="0"/>
+              </a:ext>
+            </a:extLst>
+          </a:blip>
+          <a:stretch>
+            <a:fillRect/>
+          </a:stretch>
+        </p:blipFill>
+        <p:spPr>
+          <a:xfrm>
+            <a:off x="902042" y="4688159"/>
+            <a:ext cx="682325" cy="992473"/>
+          </a:xfrm>
+          <a:prstGeom prst="rect">
+            <a:avLst/>
+          </a:prstGeom>
+          <a:ln w="63500">
+            <a:noFill/>
+          </a:ln>
+        </p:spPr>
+      </p:pic>
+      <p:sp>
+        <p:nvSpPr>
+          <p:cNvPr id="15" name="Right Arrow 14">
+            <a:extLst>
+              <a:ext uri="{FF2B5EF4-FFF2-40B4-BE49-F238E27FC236}">
+                <a16:creationId xmlns:a16="http://schemas.microsoft.com/office/drawing/2014/main" id="{380096CF-BC79-6141-BDC8-9365D1D1B64B}"/>
+              </a:ext>
+            </a:extLst>
+          </p:cNvPr>
+          <p:cNvSpPr/>
+          <p:nvPr/>
+        </p:nvSpPr>
+        <p:spPr>
+          <a:xfrm>
+            <a:off x="1699008" y="3838184"/>
+            <a:ext cx="517979" cy="300808"/>
+          </a:xfrm>
+          <a:prstGeom prst="rightArrow">
+            <a:avLst/>
+          </a:prstGeom>
+          <a:solidFill>
+            <a:schemeClr val="bg2">
+              <a:lumMod val="75000"/>
+            </a:schemeClr>
+          </a:solidFill>
+          <a:ln>
+            <a:solidFill>
+              <a:srgbClr val="000000"/>
+            </a:solidFill>
+          </a:ln>
+        </p:spPr>
+        <p:style>
+          <a:lnRef idx="1">
+            <a:schemeClr val="accent1"/>
+          </a:lnRef>
+          <a:fillRef idx="3">
+            <a:schemeClr val="accent1"/>
+          </a:fillRef>
+          <a:effectRef idx="2">
+            <a:schemeClr val="accent1"/>
+          </a:effectRef>
+          <a:fontRef idx="minor">
+            <a:schemeClr val="lt1"/>
+          </a:fontRef>
+        </p:style>
+        <p:txBody>
+          <a:bodyPr rtlCol="0" anchor="ctr"/>
+          <a:lstStyle/>
+          <a:p>
+            <a:pPr algn="ctr"/>
+            <a:endParaRPr lang="en-US"/>
+          </a:p>
+        </p:txBody>
+      </p:sp>
+      <p:sp>
+        <p:nvSpPr>
+          <p:cNvPr id="16" name="Right Arrow 15">
+            <a:extLst>
+              <a:ext uri="{FF2B5EF4-FFF2-40B4-BE49-F238E27FC236}">
+                <a16:creationId xmlns:a16="http://schemas.microsoft.com/office/drawing/2014/main" id="{5EAFAA0A-7E64-6C4A-BB55-8D3FCFDFA1AF}"/>
+              </a:ext>
+            </a:extLst>
+          </p:cNvPr>
+          <p:cNvSpPr/>
+          <p:nvPr/>
+        </p:nvSpPr>
+        <p:spPr>
+          <a:xfrm>
+            <a:off x="1699009" y="4992132"/>
+            <a:ext cx="517979" cy="300808"/>
+          </a:xfrm>
+          <a:prstGeom prst="rightArrow">
+            <a:avLst/>
+          </a:prstGeom>
+          <a:solidFill>
+            <a:schemeClr val="bg2">
+              <a:lumMod val="75000"/>
+            </a:schemeClr>
+          </a:solidFill>
+          <a:ln>
+            <a:solidFill>
+              <a:srgbClr val="000000"/>
+            </a:solidFill>
+          </a:ln>
+        </p:spPr>
+        <p:style>
+          <a:lnRef idx="1">
+            <a:schemeClr val="accent1"/>
+          </a:lnRef>
+          <a:fillRef idx="3">
+            <a:schemeClr val="accent1"/>
+          </a:fillRef>
+          <a:effectRef idx="2">
+            <a:schemeClr val="accent1"/>
+          </a:effectRef>
+          <a:fontRef idx="minor">
+            <a:schemeClr val="lt1"/>
+          </a:fontRef>
+        </p:style>
+        <p:txBody>
+          <a:bodyPr rtlCol="0" anchor="ctr"/>
+          <a:lstStyle/>
+          <a:p>
+            <a:pPr algn="ctr"/>
+            <a:endParaRPr lang="en-US"/>
+          </a:p>
+        </p:txBody>
+      </p:sp>
+      <p:sp>
+        <p:nvSpPr>
+          <p:cNvPr id="17" name="TextBox 16">
+            <a:extLst>
+              <a:ext uri="{FF2B5EF4-FFF2-40B4-BE49-F238E27FC236}">
+                <a16:creationId xmlns:a16="http://schemas.microsoft.com/office/drawing/2014/main" id="{949D3B43-41AC-9847-9468-7F6B7BAC930E}"/>
+              </a:ext>
+            </a:extLst>
+          </p:cNvPr>
+          <p:cNvSpPr txBox="1"/>
+          <p:nvPr/>
+        </p:nvSpPr>
+        <p:spPr>
+          <a:xfrm>
+            <a:off x="5733536" y="4176578"/>
+            <a:ext cx="1579278" cy="369332"/>
+          </a:xfrm>
+          <a:prstGeom prst="rect">
+            <a:avLst/>
+          </a:prstGeom>
+          <a:noFill/>
+        </p:spPr>
+        <p:txBody>
+          <a:bodyPr wrap="none" rtlCol="0">
+            <a:spAutoFit/>
+          </a:bodyPr>
+          <a:lstStyle/>
+          <a:p>
+            <a:r>
+              <a:rPr lang="en-US" dirty="0"/>
+              <a:t>same:        0.95</a:t>
+            </a:r>
+          </a:p>
+        </p:txBody>
+      </p:sp>
+      <p:sp>
+        <p:nvSpPr>
+          <p:cNvPr id="18" name="TextBox 17">
+            <a:extLst>
+              <a:ext uri="{FF2B5EF4-FFF2-40B4-BE49-F238E27FC236}">
+                <a16:creationId xmlns:a16="http://schemas.microsoft.com/office/drawing/2014/main" id="{E05549B6-56C5-D846-8D46-DDEEBC88925D}"/>
+              </a:ext>
+            </a:extLst>
+          </p:cNvPr>
+          <p:cNvSpPr txBox="1"/>
+          <p:nvPr/>
+        </p:nvSpPr>
+        <p:spPr>
+          <a:xfrm>
+            <a:off x="5750009" y="4650259"/>
+            <a:ext cx="1521250" cy="369332"/>
+          </a:xfrm>
+          <a:prstGeom prst="rect">
+            <a:avLst/>
+          </a:prstGeom>
+          <a:noFill/>
+        </p:spPr>
+        <p:txBody>
+          <a:bodyPr wrap="none" rtlCol="0">
+            <a:spAutoFit/>
+          </a:bodyPr>
+          <a:lstStyle/>
+          <a:p>
+            <a:r>
+              <a:rPr lang="en-US" dirty="0"/>
+              <a:t>different: 0.05</a:t>
+            </a:r>
+          </a:p>
+        </p:txBody>
+      </p:sp>
+      <p:sp>
+        <p:nvSpPr>
+          <p:cNvPr id="19" name="TextBox 18">
+            <a:extLst>
+              <a:ext uri="{FF2B5EF4-FFF2-40B4-BE49-F238E27FC236}">
+                <a16:creationId xmlns:a16="http://schemas.microsoft.com/office/drawing/2014/main" id="{8C74AEF3-D487-784F-A4AA-C306866E85D8}"/>
+              </a:ext>
+            </a:extLst>
+          </p:cNvPr>
+          <p:cNvSpPr txBox="1"/>
+          <p:nvPr/>
+        </p:nvSpPr>
+        <p:spPr>
+          <a:xfrm>
+            <a:off x="0" y="6100174"/>
+            <a:ext cx="3756454" cy="646331"/>
+          </a:xfrm>
+          <a:prstGeom prst="rect">
+            <a:avLst/>
+          </a:prstGeom>
+          <a:noFill/>
+        </p:spPr>
+        <p:txBody>
+          <a:bodyPr wrap="square" rtlCol="0">
+            <a:spAutoFit/>
+          </a:bodyPr>
+          <a:lstStyle/>
+          <a:p>
+            <a:r>
+              <a:rPr lang="en-US" dirty="0"/>
+              <a:t>If image-A and image-B are from the same person the score s is high.</a:t>
+            </a:r>
+          </a:p>
+        </p:txBody>
+      </p:sp>
+      <p:sp>
+        <p:nvSpPr>
+          <p:cNvPr id="20" name="TextBox 19">
+            <a:extLst>
+              <a:ext uri="{FF2B5EF4-FFF2-40B4-BE49-F238E27FC236}">
+                <a16:creationId xmlns:a16="http://schemas.microsoft.com/office/drawing/2014/main" id="{B30E6504-8FB9-744D-BD77-76078763FF1E}"/>
+              </a:ext>
+            </a:extLst>
+          </p:cNvPr>
+          <p:cNvSpPr txBox="1"/>
+          <p:nvPr/>
+        </p:nvSpPr>
+        <p:spPr>
+          <a:xfrm>
+            <a:off x="4153242" y="6100174"/>
+            <a:ext cx="4850533" cy="646331"/>
+          </a:xfrm>
+          <a:prstGeom prst="rect">
+            <a:avLst/>
+          </a:prstGeom>
+          <a:noFill/>
+        </p:spPr>
+        <p:txBody>
+          <a:bodyPr wrap="square" rtlCol="0">
+            <a:spAutoFit/>
+          </a:bodyPr>
+          <a:lstStyle/>
+          <a:p>
+            <a:r>
+              <a:rPr lang="en-US" dirty="0"/>
+              <a:t>If image-A and image-B are from different </a:t>
+            </a:r>
+            <a:r>
+              <a:rPr lang="en-US"/>
+              <a:t>persons the score </a:t>
+            </a:r>
+            <a:r>
+              <a:rPr lang="en-US" dirty="0"/>
+              <a:t>s is low</a:t>
+            </a:r>
+          </a:p>
+        </p:txBody>
+      </p:sp>
+      <p:sp>
+        <p:nvSpPr>
+          <p:cNvPr id="21" name="TextBox 20">
+            <a:extLst>
+              <a:ext uri="{FF2B5EF4-FFF2-40B4-BE49-F238E27FC236}">
+                <a16:creationId xmlns:a16="http://schemas.microsoft.com/office/drawing/2014/main" id="{B10C6CB5-4CC4-2E4A-90B0-287A35B53AD3}"/>
+              </a:ext>
+            </a:extLst>
+          </p:cNvPr>
+          <p:cNvSpPr txBox="1"/>
+          <p:nvPr/>
+        </p:nvSpPr>
+        <p:spPr>
+          <a:xfrm>
+            <a:off x="7008981" y="3201931"/>
+            <a:ext cx="684675" cy="369332"/>
+          </a:xfrm>
+          <a:prstGeom prst="rect">
+            <a:avLst/>
+          </a:prstGeom>
+          <a:noFill/>
+        </p:spPr>
+        <p:txBody>
+          <a:bodyPr wrap="none" rtlCol="0">
+            <a:spAutoFit/>
+          </a:bodyPr>
+          <a:lstStyle/>
+          <a:p>
+            <a:r>
+              <a:rPr lang="en-US" dirty="0"/>
+              <a:t>score</a:t>
+            </a:r>
+          </a:p>
+        </p:txBody>
+      </p:sp>
+      <p:sp>
+        <p:nvSpPr>
+          <p:cNvPr id="26" name="Oval 25">
+            <a:extLst>
+              <a:ext uri="{FF2B5EF4-FFF2-40B4-BE49-F238E27FC236}">
+                <a16:creationId xmlns:a16="http://schemas.microsoft.com/office/drawing/2014/main" id="{97C10BFD-020F-C24C-BD09-34A7DBCB278D}"/>
+              </a:ext>
+            </a:extLst>
+          </p:cNvPr>
+          <p:cNvSpPr/>
+          <p:nvPr/>
+        </p:nvSpPr>
+        <p:spPr>
+          <a:xfrm>
+            <a:off x="6722117" y="4114278"/>
+            <a:ext cx="590697" cy="461088"/>
+          </a:xfrm>
+          <a:prstGeom prst="ellipse">
+            <a:avLst/>
+          </a:prstGeom>
+          <a:noFill/>
+        </p:spPr>
+        <p:style>
+          <a:lnRef idx="1">
+            <a:schemeClr val="accent1"/>
+          </a:lnRef>
+          <a:fillRef idx="3">
+            <a:schemeClr val="accent1"/>
+          </a:fillRef>
+          <a:effectRef idx="2">
+            <a:schemeClr val="accent1"/>
+          </a:effectRef>
+          <a:fontRef idx="minor">
+            <a:schemeClr val="lt1"/>
+          </a:fontRef>
+        </p:style>
+        <p:txBody>
+          <a:bodyPr rtlCol="0" anchor="ctr"/>
+          <a:lstStyle/>
+          <a:p>
+            <a:pPr algn="ctr"/>
+            <a:endParaRPr lang="en-US" dirty="0"/>
+          </a:p>
+        </p:txBody>
+      </p:sp>
+      <p:cxnSp>
+        <p:nvCxnSpPr>
+          <p:cNvPr id="22" name="Straight Arrow Connector 21">
+            <a:extLst>
+              <a:ext uri="{FF2B5EF4-FFF2-40B4-BE49-F238E27FC236}">
+                <a16:creationId xmlns:a16="http://schemas.microsoft.com/office/drawing/2014/main" id="{A9E348E0-5690-EC43-A025-1B476F6A4601}"/>
+              </a:ext>
+            </a:extLst>
+          </p:cNvPr>
+          <p:cNvCxnSpPr>
+            <a:cxnSpLocks/>
+            <a:endCxn id="26" idx="0"/>
+          </p:cNvCxnSpPr>
+          <p:nvPr/>
+        </p:nvCxnSpPr>
+        <p:spPr>
+          <a:xfrm flipH="1">
+            <a:off x="7017466" y="3631159"/>
+            <a:ext cx="253796" cy="483119"/>
+          </a:xfrm>
+          <a:prstGeom prst="straightConnector1">
+            <a:avLst/>
+          </a:prstGeom>
+          <a:ln>
+            <a:tailEnd type="triangle"/>
+          </a:ln>
+        </p:spPr>
+        <p:style>
+          <a:lnRef idx="2">
+            <a:schemeClr val="accent1"/>
+          </a:lnRef>
+          <a:fillRef idx="0">
+            <a:schemeClr val="accent1"/>
+          </a:fillRef>
+          <a:effectRef idx="1">
+            <a:schemeClr val="accent1"/>
+          </a:effectRef>
+          <a:fontRef idx="minor">
+            <a:schemeClr val="tx1"/>
+          </a:fontRef>
+        </p:style>
+      </p:cxnSp>
+      <p:sp>
+        <p:nvSpPr>
+          <p:cNvPr id="30" name="TextBox 29">
+            <a:extLst>
+              <a:ext uri="{FF2B5EF4-FFF2-40B4-BE49-F238E27FC236}">
+                <a16:creationId xmlns:a16="http://schemas.microsoft.com/office/drawing/2014/main" id="{5FA710CA-6E64-194B-8AF9-B71B102DD89F}"/>
+              </a:ext>
+            </a:extLst>
+          </p:cNvPr>
+          <p:cNvSpPr txBox="1"/>
+          <p:nvPr/>
+        </p:nvSpPr>
+        <p:spPr>
+          <a:xfrm>
+            <a:off x="457200" y="3946549"/>
+            <a:ext cx="317716" cy="369332"/>
+          </a:xfrm>
+          <a:prstGeom prst="rect">
+            <a:avLst/>
+          </a:prstGeom>
+          <a:noFill/>
+        </p:spPr>
+        <p:txBody>
+          <a:bodyPr wrap="none" rtlCol="0">
+            <a:spAutoFit/>
+          </a:bodyPr>
+          <a:lstStyle/>
+          <a:p>
+            <a:r>
+              <a:rPr lang="en-US" dirty="0"/>
+              <a:t>A</a:t>
+            </a:r>
+          </a:p>
+        </p:txBody>
+      </p:sp>
+      <p:sp>
+        <p:nvSpPr>
+          <p:cNvPr id="31" name="TextBox 30">
+            <a:extLst>
+              <a:ext uri="{FF2B5EF4-FFF2-40B4-BE49-F238E27FC236}">
+                <a16:creationId xmlns:a16="http://schemas.microsoft.com/office/drawing/2014/main" id="{847D1CB8-AEB2-A947-90B5-C7A3E3A2D8EC}"/>
+              </a:ext>
+            </a:extLst>
+          </p:cNvPr>
+          <p:cNvSpPr txBox="1"/>
+          <p:nvPr/>
+        </p:nvSpPr>
+        <p:spPr>
+          <a:xfrm>
+            <a:off x="424249" y="4939213"/>
+            <a:ext cx="317716" cy="369332"/>
+          </a:xfrm>
+          <a:prstGeom prst="rect">
+            <a:avLst/>
+          </a:prstGeom>
+          <a:noFill/>
+        </p:spPr>
+        <p:txBody>
+          <a:bodyPr wrap="none" rtlCol="0">
+            <a:spAutoFit/>
+          </a:bodyPr>
+          <a:lstStyle/>
+          <a:p>
+            <a:r>
+              <a:rPr lang="en-US" dirty="0"/>
+              <a:t>B</a:t>
+            </a:r>
+          </a:p>
+        </p:txBody>
+      </p:sp>
+    </p:spTree>
+    <p:extLst>
+      <p:ext uri="{BB962C8B-B14F-4D97-AF65-F5344CB8AC3E}">
+        <p14:creationId xmlns:p14="http://schemas.microsoft.com/office/powerpoint/2010/main" val="3043604847"/>
+      </p:ext>
+    </p:extLst>
+  </p:cSld>
+  <p:clrMapOvr>
+    <a:masterClrMapping/>
+  </p:clrMapOvr>
+</p:sld>
+</file>
+
 <file path=ppt/slides/slide2.xml><?xml version="1.0" encoding="utf-8"?>
 <p:sld xmlns:a="http://schemas.openxmlformats.org/drawingml/2006/main" xmlns:r="http://schemas.openxmlformats.org/officeDocument/2006/relationships" xmlns:p="http://schemas.openxmlformats.org/presentationml/2006/main">
   <p:cSld>
@@ -8633,14 +10790,6 @@
 <file path=ppt/slides/slide5.xml><?xml version="1.0" encoding="utf-8"?>
 <p:sld xmlns:a="http://schemas.openxmlformats.org/drawingml/2006/main" xmlns:r="http://schemas.openxmlformats.org/officeDocument/2006/relationships" xmlns:p="http://schemas.openxmlformats.org/presentationml/2006/main">
   <p:cSld>
-    <p:bg>
-      <p:bgPr>
-        <a:solidFill>
-          <a:srgbClr val="F0F0EF"/>
-        </a:solidFill>
-        <a:effectLst/>
-      </p:bgPr>
-    </p:bg>
     <p:spTree>
       <p:nvGrpSpPr>
         <p:cNvPr id="1" name=""/>
@@ -8660,7 +10809,37 @@
           <p:cNvPr id="5" name="Picture 4">
             <a:extLst>
               <a:ext uri="{FF2B5EF4-FFF2-40B4-BE49-F238E27FC236}">
-                <a16:creationId xmlns:a16="http://schemas.microsoft.com/office/drawing/2014/main" id="{CD4615F0-730A-5943-9922-C52853C60F0E}"/>
+                <a16:creationId xmlns:a16="http://schemas.microsoft.com/office/drawing/2014/main" id="{93599E86-44AB-0045-80E4-04EFC7C43BBF}"/>
+              </a:ext>
+            </a:extLst>
+          </p:cNvPr>
+          <p:cNvPicPr>
+            <a:picLocks noChangeAspect="1"/>
+          </p:cNvPicPr>
+          <p:nvPr/>
+        </p:nvPicPr>
+        <p:blipFill>
+          <a:blip r:embed="rId2"/>
+          <a:stretch>
+            <a:fillRect/>
+          </a:stretch>
+        </p:blipFill>
+        <p:spPr>
+          <a:xfrm>
+            <a:off x="3878134" y="815887"/>
+            <a:ext cx="4318343" cy="4318343"/>
+          </a:xfrm>
+          <a:prstGeom prst="rect">
+            <a:avLst/>
+          </a:prstGeom>
+        </p:spPr>
+      </p:pic>
+      <p:pic>
+        <p:nvPicPr>
+          <p:cNvPr id="6" name="Picture 5">
+            <a:extLst>
+              <a:ext uri="{FF2B5EF4-FFF2-40B4-BE49-F238E27FC236}">
+                <a16:creationId xmlns:a16="http://schemas.microsoft.com/office/drawing/2014/main" id="{F31D1D31-F840-264F-9279-41EC2DD4BCFE}"/>
               </a:ext>
             </a:extLst>
           </p:cNvPr>
@@ -8677,8 +10856,8 @@
         </p:blipFill>
         <p:spPr>
           <a:xfrm>
-            <a:off x="1587500" y="480711"/>
-            <a:ext cx="5969000" cy="4660900"/>
+            <a:off x="984597" y="2618602"/>
+            <a:ext cx="2743200" cy="533400"/>
           </a:xfrm>
           <a:prstGeom prst="rect">
             <a:avLst/>
@@ -8687,80 +10866,69 @@
       </p:pic>
       <p:sp>
         <p:nvSpPr>
-          <p:cNvPr id="6" name="TextBox 5">
-            <a:extLst>
-              <a:ext uri="{FF2B5EF4-FFF2-40B4-BE49-F238E27FC236}">
-                <a16:creationId xmlns:a16="http://schemas.microsoft.com/office/drawing/2014/main" id="{C1E4D0A1-800E-DC40-8D25-F5465464CF55}"/>
-              </a:ext>
-            </a:extLst>
-          </p:cNvPr>
-          <p:cNvSpPr txBox="1"/>
-          <p:nvPr/>
-        </p:nvSpPr>
-        <p:spPr>
-          <a:xfrm>
-            <a:off x="5745887" y="2255107"/>
-            <a:ext cx="1829988" cy="369332"/>
-          </a:xfrm>
-          <a:prstGeom prst="rect">
-            <a:avLst/>
-          </a:prstGeom>
-          <a:noFill/>
-        </p:spPr>
-        <p:txBody>
-          <a:bodyPr wrap="none" rtlCol="0">
-            <a:spAutoFit/>
-          </a:bodyPr>
-          <a:lstStyle/>
-          <a:p>
-            <a:r>
-              <a:rPr lang="en-US" dirty="0"/>
-              <a:t>Distribution of d+</a:t>
-            </a:r>
-          </a:p>
-        </p:txBody>
-      </p:sp>
-      <p:sp>
-        <p:nvSpPr>
-          <p:cNvPr id="7" name="TextBox 6">
-            <a:extLst>
-              <a:ext uri="{FF2B5EF4-FFF2-40B4-BE49-F238E27FC236}">
-                <a16:creationId xmlns:a16="http://schemas.microsoft.com/office/drawing/2014/main" id="{415FABAD-376F-4A48-8531-0F5F2E92ED49}"/>
-              </a:ext>
-            </a:extLst>
-          </p:cNvPr>
-          <p:cNvSpPr txBox="1"/>
-          <p:nvPr/>
-        </p:nvSpPr>
-        <p:spPr>
-          <a:xfrm>
-            <a:off x="2166551" y="1456037"/>
-            <a:ext cx="1785104" cy="369332"/>
-          </a:xfrm>
-          <a:prstGeom prst="rect">
-            <a:avLst/>
-          </a:prstGeom>
-          <a:noFill/>
-        </p:spPr>
-        <p:txBody>
-          <a:bodyPr wrap="none" rtlCol="0">
-            <a:spAutoFit/>
-          </a:bodyPr>
-          <a:lstStyle/>
-          <a:p>
-            <a:r>
-              <a:rPr lang="en-US" dirty="0"/>
-              <a:t>Distribution of d-</a:t>
-            </a:r>
+          <p:cNvPr id="7" name="Oval 6">
+            <a:extLst>
+              <a:ext uri="{FF2B5EF4-FFF2-40B4-BE49-F238E27FC236}">
+                <a16:creationId xmlns:a16="http://schemas.microsoft.com/office/drawing/2014/main" id="{693C1DCC-4127-7B44-B8CB-128F9E70ED5B}"/>
+              </a:ext>
+            </a:extLst>
+          </p:cNvPr>
+          <p:cNvSpPr/>
+          <p:nvPr/>
+        </p:nvSpPr>
+        <p:spPr>
+          <a:xfrm rot="2802933">
+            <a:off x="3377516" y="2727922"/>
+            <a:ext cx="5319578" cy="494271"/>
+          </a:xfrm>
+          <a:prstGeom prst="ellipse">
+            <a:avLst/>
+          </a:prstGeom>
+          <a:solidFill>
+            <a:schemeClr val="tx2">
+              <a:lumMod val="20000"/>
+              <a:lumOff val="80000"/>
+              <a:alpha val="40000"/>
+            </a:schemeClr>
+          </a:solidFill>
+          <a:ln>
+            <a:solidFill>
+              <a:schemeClr val="accent1">
+                <a:shade val="95000"/>
+                <a:satMod val="105000"/>
+              </a:schemeClr>
+            </a:solidFill>
+          </a:ln>
+        </p:spPr>
+        <p:style>
+          <a:lnRef idx="1">
+            <a:schemeClr val="accent1"/>
+          </a:lnRef>
+          <a:fillRef idx="3">
+            <a:schemeClr val="accent1"/>
+          </a:fillRef>
+          <a:effectRef idx="2">
+            <a:schemeClr val="accent1"/>
+          </a:effectRef>
+          <a:fontRef idx="minor">
+            <a:schemeClr val="lt1"/>
+          </a:fontRef>
+        </p:style>
+        <p:txBody>
+          <a:bodyPr rtlCol="0" anchor="ctr"/>
+          <a:lstStyle/>
+          <a:p>
+            <a:pPr algn="ctr"/>
+            <a:endParaRPr lang="en-US" dirty="0"/>
           </a:p>
         </p:txBody>
       </p:sp>
       <p:pic>
         <p:nvPicPr>
-          <p:cNvPr id="9" name="Picture 8">
-            <a:extLst>
-              <a:ext uri="{FF2B5EF4-FFF2-40B4-BE49-F238E27FC236}">
-                <a16:creationId xmlns:a16="http://schemas.microsoft.com/office/drawing/2014/main" id="{2DFA2514-41A0-8B40-92B7-BBFB8904B207}"/>
+          <p:cNvPr id="8" name="Picture 7">
+            <a:extLst>
+              <a:ext uri="{FF2B5EF4-FFF2-40B4-BE49-F238E27FC236}">
+                <a16:creationId xmlns:a16="http://schemas.microsoft.com/office/drawing/2014/main" id="{455F59E7-9B3D-4E49-B4E0-79677DECB987}"/>
               </a:ext>
             </a:extLst>
           </p:cNvPr>
@@ -8777,472 +10945,182 @@
         </p:blipFill>
         <p:spPr>
           <a:xfrm>
-            <a:off x="5918886" y="2753497"/>
-            <a:ext cx="1422400" cy="469900"/>
+            <a:off x="1058738" y="5685997"/>
+            <a:ext cx="1079500" cy="342900"/>
           </a:xfrm>
           <a:prstGeom prst="rect">
             <a:avLst/>
           </a:prstGeom>
         </p:spPr>
       </p:pic>
+      <p:sp>
+        <p:nvSpPr>
+          <p:cNvPr id="9" name="TextBox 8">
+            <a:extLst>
+              <a:ext uri="{FF2B5EF4-FFF2-40B4-BE49-F238E27FC236}">
+                <a16:creationId xmlns:a16="http://schemas.microsoft.com/office/drawing/2014/main" id="{4079C7E3-86DD-9A4D-AE0E-046B35F5E2FE}"/>
+              </a:ext>
+            </a:extLst>
+          </p:cNvPr>
+          <p:cNvSpPr txBox="1"/>
+          <p:nvPr/>
+        </p:nvSpPr>
+        <p:spPr>
+          <a:xfrm>
+            <a:off x="2269698" y="5610996"/>
+            <a:ext cx="5070106" cy="1200329"/>
+          </a:xfrm>
+          <a:prstGeom prst="rect">
+            <a:avLst/>
+          </a:prstGeom>
+          <a:noFill/>
+        </p:spPr>
+        <p:txBody>
+          <a:bodyPr wrap="none" rtlCol="0">
+            <a:spAutoFit/>
+          </a:bodyPr>
+          <a:lstStyle/>
+          <a:p>
+            <a:r>
+              <a:rPr lang="en-US" dirty="0"/>
+              <a:t>Similarity between Face-</a:t>
+            </a:r>
+            <a:r>
+              <a:rPr lang="en-US" dirty="0" err="1"/>
+              <a:t>i</a:t>
+            </a:r>
+            <a:r>
+              <a:rPr lang="en-US" dirty="0"/>
+              <a:t> of set A and Face-j of set B</a:t>
+            </a:r>
+          </a:p>
+          <a:p>
+            <a:endParaRPr lang="en-US" dirty="0"/>
+          </a:p>
+          <a:p>
+            <a:r>
+              <a:rPr lang="en-US" dirty="0"/>
+              <a:t>d</a:t>
+            </a:r>
+            <a:r>
+              <a:rPr lang="en-US" baseline="30000" dirty="0"/>
+              <a:t>+</a:t>
+            </a:r>
+            <a:r>
+              <a:rPr lang="en-US" dirty="0"/>
+              <a:t>: Diagonal : positive pairs (</a:t>
+            </a:r>
+            <a:r>
+              <a:rPr lang="en-US" dirty="0" err="1"/>
+              <a:t>genuines</a:t>
+            </a:r>
+            <a:r>
+              <a:rPr lang="en-US" dirty="0"/>
+              <a:t>)</a:t>
+            </a:r>
+          </a:p>
+          <a:p>
+            <a:r>
+              <a:rPr lang="en-US" dirty="0"/>
+              <a:t>d</a:t>
+            </a:r>
+            <a:r>
+              <a:rPr lang="en-US" baseline="30000" dirty="0"/>
+              <a:t>-</a:t>
+            </a:r>
+            <a:r>
+              <a:rPr lang="en-US" dirty="0"/>
+              <a:t>: Non-Diagonal: negative pairs (impostors)</a:t>
+            </a:r>
+          </a:p>
+        </p:txBody>
+      </p:sp>
+      <p:sp>
+        <p:nvSpPr>
+          <p:cNvPr id="10" name="TextBox 9">
+            <a:extLst>
+              <a:ext uri="{FF2B5EF4-FFF2-40B4-BE49-F238E27FC236}">
+                <a16:creationId xmlns:a16="http://schemas.microsoft.com/office/drawing/2014/main" id="{4406DF63-9A3A-6048-81F3-B1DB98FCA3F3}"/>
+              </a:ext>
+            </a:extLst>
+          </p:cNvPr>
+          <p:cNvSpPr txBox="1"/>
+          <p:nvPr/>
+        </p:nvSpPr>
+        <p:spPr>
+          <a:xfrm>
+            <a:off x="650857" y="3336667"/>
+            <a:ext cx="1681358" cy="369332"/>
+          </a:xfrm>
+          <a:prstGeom prst="rect">
+            <a:avLst/>
+          </a:prstGeom>
+          <a:noFill/>
+        </p:spPr>
+        <p:txBody>
+          <a:bodyPr wrap="none" rtlCol="0">
+            <a:spAutoFit/>
+          </a:bodyPr>
+          <a:lstStyle/>
+          <a:p>
+            <a:r>
+              <a:rPr lang="en-US" dirty="0"/>
+              <a:t>m x m elements</a:t>
+            </a:r>
+          </a:p>
+        </p:txBody>
+      </p:sp>
       <p:pic>
         <p:nvPicPr>
-          <p:cNvPr id="10" name="Picture 9">
-            <a:extLst>
-              <a:ext uri="{FF2B5EF4-FFF2-40B4-BE49-F238E27FC236}">
-                <a16:creationId xmlns:a16="http://schemas.microsoft.com/office/drawing/2014/main" id="{D507FFDB-6E8A-FB4D-875A-96214476EABC}"/>
+          <p:cNvPr id="2050" name="Picture 2">
+            <a:extLst>
+              <a:ext uri="{FF2B5EF4-FFF2-40B4-BE49-F238E27FC236}">
+                <a16:creationId xmlns:a16="http://schemas.microsoft.com/office/drawing/2014/main" id="{1E01E7BB-6FD9-0245-BCED-79A6A0569531}"/>
               </a:ext>
             </a:extLst>
           </p:cNvPr>
           <p:cNvPicPr>
-            <a:picLocks noChangeAspect="1"/>
+            <a:picLocks noChangeAspect="1" noChangeArrowheads="1"/>
           </p:cNvPicPr>
           <p:nvPr/>
         </p:nvPicPr>
         <p:blipFill>
-          <a:blip r:embed="rId5"/>
+          <a:blip r:embed="rId5">
+            <a:extLst>
+              <a:ext uri="{28A0092B-C50C-407E-A947-70E740481C1C}">
+                <a14:useLocalDpi xmlns:a14="http://schemas.microsoft.com/office/drawing/2010/main" val="0"/>
+              </a:ext>
+            </a:extLst>
+          </a:blip>
+          <a:srcRect/>
           <a:stretch>
             <a:fillRect/>
           </a:stretch>
         </p:blipFill>
-        <p:spPr>
-          <a:xfrm>
-            <a:off x="2317937" y="1978627"/>
-            <a:ext cx="1422400" cy="469900"/>
+        <p:spPr bwMode="auto">
+          <a:xfrm>
+            <a:off x="3429000" y="728182"/>
+            <a:ext cx="5644912" cy="5001527"/>
           </a:xfrm>
           <a:prstGeom prst="rect">
             <a:avLst/>
           </a:prstGeom>
+          <a:noFill/>
+          <a:extLst>
+            <a:ext uri="{909E8E84-426E-40DD-AFC4-6F175D3DCCD1}">
+              <a14:hiddenFill xmlns:a14="http://schemas.microsoft.com/office/drawing/2010/main">
+                <a:solidFill>
+                  <a:srgbClr val="FFFFFF"/>
+                </a:solidFill>
+              </a14:hiddenFill>
+            </a:ext>
+          </a:extLst>
         </p:spPr>
       </p:pic>
-      <p:cxnSp>
-        <p:nvCxnSpPr>
-          <p:cNvPr id="12" name="Straight Connector 11">
-            <a:extLst>
-              <a:ext uri="{FF2B5EF4-FFF2-40B4-BE49-F238E27FC236}">
-                <a16:creationId xmlns:a16="http://schemas.microsoft.com/office/drawing/2014/main" id="{93CECA08-876E-A24C-B0D8-48C424393123}"/>
-              </a:ext>
-            </a:extLst>
-          </p:cNvPr>
-          <p:cNvCxnSpPr/>
-          <p:nvPr/>
-        </p:nvCxnSpPr>
-        <p:spPr>
-          <a:xfrm>
-            <a:off x="4337223" y="951469"/>
-            <a:ext cx="0" cy="4190142"/>
-          </a:xfrm>
-          <a:prstGeom prst="line">
-            <a:avLst/>
-          </a:prstGeom>
-          <a:ln>
-            <a:solidFill>
-              <a:schemeClr val="tx1">
-                <a:lumMod val="50000"/>
-                <a:lumOff val="50000"/>
-              </a:schemeClr>
-            </a:solidFill>
-            <a:prstDash val="dash"/>
-          </a:ln>
-        </p:spPr>
-        <p:style>
-          <a:lnRef idx="2">
-            <a:schemeClr val="accent1"/>
-          </a:lnRef>
-          <a:fillRef idx="0">
-            <a:schemeClr val="accent1"/>
-          </a:fillRef>
-          <a:effectRef idx="1">
-            <a:schemeClr val="accent1"/>
-          </a:effectRef>
-          <a:fontRef idx="minor">
-            <a:schemeClr val="tx1"/>
-          </a:fontRef>
-        </p:style>
-      </p:cxnSp>
-      <p:cxnSp>
-        <p:nvCxnSpPr>
-          <p:cNvPr id="13" name="Straight Connector 12">
-            <a:extLst>
-              <a:ext uri="{FF2B5EF4-FFF2-40B4-BE49-F238E27FC236}">
-                <a16:creationId xmlns:a16="http://schemas.microsoft.com/office/drawing/2014/main" id="{F23BCCF5-BF9B-F041-9EBB-89098CA1E732}"/>
-              </a:ext>
-            </a:extLst>
-          </p:cNvPr>
-          <p:cNvCxnSpPr>
-            <a:cxnSpLocks/>
-          </p:cNvCxnSpPr>
-          <p:nvPr/>
-        </p:nvCxnSpPr>
-        <p:spPr>
-          <a:xfrm>
-            <a:off x="5292818" y="1978627"/>
-            <a:ext cx="0" cy="3204171"/>
-          </a:xfrm>
-          <a:prstGeom prst="line">
-            <a:avLst/>
-          </a:prstGeom>
-          <a:ln>
-            <a:solidFill>
-              <a:schemeClr val="tx1">
-                <a:lumMod val="50000"/>
-                <a:lumOff val="50000"/>
-              </a:schemeClr>
-            </a:solidFill>
-            <a:prstDash val="dash"/>
-          </a:ln>
-        </p:spPr>
-        <p:style>
-          <a:lnRef idx="2">
-            <a:schemeClr val="accent1"/>
-          </a:lnRef>
-          <a:fillRef idx="0">
-            <a:schemeClr val="accent1"/>
-          </a:fillRef>
-          <a:effectRef idx="1">
-            <a:schemeClr val="accent1"/>
-          </a:effectRef>
-          <a:fontRef idx="minor">
-            <a:schemeClr val="tx1"/>
-          </a:fontRef>
-        </p:style>
-      </p:cxnSp>
-      <p:cxnSp>
-        <p:nvCxnSpPr>
-          <p:cNvPr id="16" name="Straight Arrow Connector 15">
-            <a:extLst>
-              <a:ext uri="{FF2B5EF4-FFF2-40B4-BE49-F238E27FC236}">
-                <a16:creationId xmlns:a16="http://schemas.microsoft.com/office/drawing/2014/main" id="{71EA17CF-A9EC-4B4E-9042-2763584A94FD}"/>
-              </a:ext>
-            </a:extLst>
-          </p:cNvPr>
-          <p:cNvCxnSpPr/>
-          <p:nvPr/>
-        </p:nvCxnSpPr>
-        <p:spPr>
-          <a:xfrm>
-            <a:off x="4001083" y="3138615"/>
-            <a:ext cx="620345" cy="0"/>
-          </a:xfrm>
-          <a:prstGeom prst="straightConnector1">
-            <a:avLst/>
-          </a:prstGeom>
-          <a:ln>
-            <a:headEnd type="triangle"/>
-            <a:tailEnd type="triangle"/>
-          </a:ln>
-        </p:spPr>
-        <p:style>
-          <a:lnRef idx="2">
-            <a:schemeClr val="accent1"/>
-          </a:lnRef>
-          <a:fillRef idx="0">
-            <a:schemeClr val="accent1"/>
-          </a:fillRef>
-          <a:effectRef idx="1">
-            <a:schemeClr val="accent1"/>
-          </a:effectRef>
-          <a:fontRef idx="minor">
-            <a:schemeClr val="tx1"/>
-          </a:fontRef>
-        </p:style>
-      </p:cxnSp>
-      <p:cxnSp>
-        <p:nvCxnSpPr>
-          <p:cNvPr id="17" name="Straight Arrow Connector 16">
-            <a:extLst>
-              <a:ext uri="{FF2B5EF4-FFF2-40B4-BE49-F238E27FC236}">
-                <a16:creationId xmlns:a16="http://schemas.microsoft.com/office/drawing/2014/main" id="{8117E5D7-C1CF-B241-A00F-49EBF16C34B0}"/>
-              </a:ext>
-            </a:extLst>
-          </p:cNvPr>
-          <p:cNvCxnSpPr>
-            <a:cxnSpLocks/>
-          </p:cNvCxnSpPr>
-          <p:nvPr/>
-        </p:nvCxnSpPr>
-        <p:spPr>
-          <a:xfrm>
-            <a:off x="4808391" y="3822355"/>
-            <a:ext cx="1110495" cy="0"/>
-          </a:xfrm>
-          <a:prstGeom prst="straightConnector1">
-            <a:avLst/>
-          </a:prstGeom>
-          <a:ln>
-            <a:headEnd type="triangle"/>
-            <a:tailEnd type="triangle"/>
-          </a:ln>
-        </p:spPr>
-        <p:style>
-          <a:lnRef idx="2">
-            <a:schemeClr val="accent1"/>
-          </a:lnRef>
-          <a:fillRef idx="0">
-            <a:schemeClr val="accent1"/>
-          </a:fillRef>
-          <a:effectRef idx="1">
-            <a:schemeClr val="accent1"/>
-          </a:effectRef>
-          <a:fontRef idx="minor">
-            <a:schemeClr val="tx1"/>
-          </a:fontRef>
-        </p:style>
-      </p:cxnSp>
-      <p:pic>
-        <p:nvPicPr>
-          <p:cNvPr id="19" name="Picture 18">
-            <a:extLst>
-              <a:ext uri="{FF2B5EF4-FFF2-40B4-BE49-F238E27FC236}">
-                <a16:creationId xmlns:a16="http://schemas.microsoft.com/office/drawing/2014/main" id="{00CF9D98-19B6-D641-BA98-2470BEEFB6DC}"/>
-              </a:ext>
-            </a:extLst>
-          </p:cNvPr>
-          <p:cNvPicPr>
-            <a:picLocks noChangeAspect="1"/>
-          </p:cNvPicPr>
-          <p:nvPr/>
-        </p:nvPicPr>
-        <p:blipFill>
-          <a:blip r:embed="rId6"/>
-          <a:stretch>
-            <a:fillRect/>
-          </a:stretch>
-        </p:blipFill>
-        <p:spPr>
-          <a:xfrm>
-            <a:off x="1668609" y="5477939"/>
-            <a:ext cx="2543258" cy="1010214"/>
-          </a:xfrm>
-          <a:prstGeom prst="rect">
-            <a:avLst/>
-          </a:prstGeom>
-        </p:spPr>
-      </p:pic>
-      <p:sp>
-        <p:nvSpPr>
-          <p:cNvPr id="20" name="TextBox 19">
-            <a:extLst>
-              <a:ext uri="{FF2B5EF4-FFF2-40B4-BE49-F238E27FC236}">
-                <a16:creationId xmlns:a16="http://schemas.microsoft.com/office/drawing/2014/main" id="{1C6B2205-157B-A449-9445-DB174438B4C4}"/>
-              </a:ext>
-            </a:extLst>
-          </p:cNvPr>
-          <p:cNvSpPr txBox="1"/>
-          <p:nvPr/>
-        </p:nvSpPr>
-        <p:spPr>
-          <a:xfrm>
-            <a:off x="6203763" y="5846199"/>
-            <a:ext cx="2844881" cy="369332"/>
-          </a:xfrm>
-          <a:prstGeom prst="rect">
-            <a:avLst/>
-          </a:prstGeom>
-          <a:noFill/>
-        </p:spPr>
-        <p:txBody>
-          <a:bodyPr wrap="none" rtlCol="0">
-            <a:spAutoFit/>
-          </a:bodyPr>
-          <a:lstStyle/>
-          <a:p>
-            <a:r>
-              <a:rPr lang="en-US" dirty="0"/>
-              <a:t>Area of each distribution = 1</a:t>
-            </a:r>
-          </a:p>
-        </p:txBody>
-      </p:sp>
-      <p:sp>
-        <p:nvSpPr>
-          <p:cNvPr id="21" name="TextBox 20">
-            <a:extLst>
-              <a:ext uri="{FF2B5EF4-FFF2-40B4-BE49-F238E27FC236}">
-                <a16:creationId xmlns:a16="http://schemas.microsoft.com/office/drawing/2014/main" id="{CB90B09F-055B-1240-975D-755499026C79}"/>
-              </a:ext>
-            </a:extLst>
-          </p:cNvPr>
-          <p:cNvSpPr txBox="1"/>
-          <p:nvPr/>
-        </p:nvSpPr>
-        <p:spPr>
-          <a:xfrm>
-            <a:off x="296562" y="5325762"/>
-            <a:ext cx="1454372" cy="369332"/>
-          </a:xfrm>
-          <a:prstGeom prst="rect">
-            <a:avLst/>
-          </a:prstGeom>
-          <a:noFill/>
-        </p:spPr>
-        <p:txBody>
-          <a:bodyPr wrap="none" rtlCol="0">
-            <a:spAutoFit/>
-          </a:bodyPr>
-          <a:lstStyle/>
-          <a:p>
-            <a:r>
-              <a:rPr lang="en-US" dirty="0"/>
-              <a:t>Performance:</a:t>
-            </a:r>
-          </a:p>
-        </p:txBody>
-      </p:sp>
-      <p:cxnSp>
-        <p:nvCxnSpPr>
-          <p:cNvPr id="23" name="Straight Arrow Connector 22">
-            <a:extLst>
-              <a:ext uri="{FF2B5EF4-FFF2-40B4-BE49-F238E27FC236}">
-                <a16:creationId xmlns:a16="http://schemas.microsoft.com/office/drawing/2014/main" id="{EE25BABD-D0DF-1349-988F-23A7A6452590}"/>
-              </a:ext>
-            </a:extLst>
-          </p:cNvPr>
-          <p:cNvCxnSpPr/>
-          <p:nvPr/>
-        </p:nvCxnSpPr>
-        <p:spPr>
-          <a:xfrm>
-            <a:off x="7735330" y="4868562"/>
-            <a:ext cx="902043" cy="0"/>
-          </a:xfrm>
-          <a:prstGeom prst="straightConnector1">
-            <a:avLst/>
-          </a:prstGeom>
-          <a:ln>
-            <a:tailEnd type="triangle"/>
-          </a:ln>
-        </p:spPr>
-        <p:style>
-          <a:lnRef idx="2">
-            <a:schemeClr val="accent1"/>
-          </a:lnRef>
-          <a:fillRef idx="0">
-            <a:schemeClr val="accent1"/>
-          </a:fillRef>
-          <a:effectRef idx="1">
-            <a:schemeClr val="accent1"/>
-          </a:effectRef>
-          <a:fontRef idx="minor">
-            <a:schemeClr val="tx1"/>
-          </a:fontRef>
-        </p:style>
-      </p:cxnSp>
-      <p:sp>
-        <p:nvSpPr>
-          <p:cNvPr id="24" name="TextBox 23">
-            <a:extLst>
-              <a:ext uri="{FF2B5EF4-FFF2-40B4-BE49-F238E27FC236}">
-                <a16:creationId xmlns:a16="http://schemas.microsoft.com/office/drawing/2014/main" id="{D80B645F-E6A3-9840-9B17-1979D7A76614}"/>
-              </a:ext>
-            </a:extLst>
-          </p:cNvPr>
-          <p:cNvSpPr txBox="1"/>
-          <p:nvPr/>
-        </p:nvSpPr>
-        <p:spPr>
-          <a:xfrm>
-            <a:off x="8106032" y="4972729"/>
-            <a:ext cx="290464" cy="369332"/>
-          </a:xfrm>
-          <a:prstGeom prst="rect">
-            <a:avLst/>
-          </a:prstGeom>
-          <a:noFill/>
-        </p:spPr>
-        <p:txBody>
-          <a:bodyPr wrap="none" rtlCol="0">
-            <a:spAutoFit/>
-          </a:bodyPr>
-          <a:lstStyle/>
-          <a:p>
-            <a:r>
-              <a:rPr lang="en-US" dirty="0"/>
-              <a:t>S</a:t>
-            </a:r>
-          </a:p>
-        </p:txBody>
-      </p:sp>
-      <p:cxnSp>
-        <p:nvCxnSpPr>
-          <p:cNvPr id="25" name="Straight Arrow Connector 24">
-            <a:extLst>
-              <a:ext uri="{FF2B5EF4-FFF2-40B4-BE49-F238E27FC236}">
-                <a16:creationId xmlns:a16="http://schemas.microsoft.com/office/drawing/2014/main" id="{FBF96432-413A-9647-8411-CBCAF920547E}"/>
-              </a:ext>
-            </a:extLst>
-          </p:cNvPr>
-          <p:cNvCxnSpPr>
-            <a:cxnSpLocks/>
-          </p:cNvCxnSpPr>
-          <p:nvPr/>
-        </p:nvCxnSpPr>
-        <p:spPr>
-          <a:xfrm flipV="1">
-            <a:off x="1038415" y="2082801"/>
-            <a:ext cx="0" cy="1402147"/>
-          </a:xfrm>
-          <a:prstGeom prst="straightConnector1">
-            <a:avLst/>
-          </a:prstGeom>
-          <a:ln>
-            <a:tailEnd type="triangle"/>
-          </a:ln>
-        </p:spPr>
-        <p:style>
-          <a:lnRef idx="2">
-            <a:schemeClr val="accent1"/>
-          </a:lnRef>
-          <a:fillRef idx="0">
-            <a:schemeClr val="accent1"/>
-          </a:fillRef>
-          <a:effectRef idx="1">
-            <a:schemeClr val="accent1"/>
-          </a:effectRef>
-          <a:fontRef idx="minor">
-            <a:schemeClr val="tx1"/>
-          </a:fontRef>
-        </p:style>
-      </p:cxnSp>
-      <p:sp>
-        <p:nvSpPr>
-          <p:cNvPr id="27" name="TextBox 26">
-            <a:extLst>
-              <a:ext uri="{FF2B5EF4-FFF2-40B4-BE49-F238E27FC236}">
-                <a16:creationId xmlns:a16="http://schemas.microsoft.com/office/drawing/2014/main" id="{3612043D-3D59-5446-9501-E51794B0A6DD}"/>
-              </a:ext>
-            </a:extLst>
-          </p:cNvPr>
-          <p:cNvSpPr txBox="1"/>
-          <p:nvPr/>
-        </p:nvSpPr>
-        <p:spPr>
-          <a:xfrm rot="16200000">
-            <a:off x="-748118" y="2664587"/>
-            <a:ext cx="2930289" cy="369332"/>
-          </a:xfrm>
-          <a:prstGeom prst="rect">
-            <a:avLst/>
-          </a:prstGeom>
-          <a:noFill/>
-        </p:spPr>
-        <p:txBody>
-          <a:bodyPr wrap="none" rtlCol="0">
-            <a:spAutoFit/>
-          </a:bodyPr>
-          <a:lstStyle/>
-          <a:p>
-            <a:r>
-              <a:rPr lang="en-US" dirty="0"/>
-              <a:t>Probability density frequency</a:t>
-            </a:r>
-          </a:p>
-        </p:txBody>
-      </p:sp>
     </p:spTree>
     <p:extLst>
       <p:ext uri="{BB962C8B-B14F-4D97-AF65-F5344CB8AC3E}">
-        <p14:creationId xmlns:p14="http://schemas.microsoft.com/office/powerpoint/2010/main" val="462762506"/>
+        <p14:creationId xmlns:p14="http://schemas.microsoft.com/office/powerpoint/2010/main" val="1953477964"/>
       </p:ext>
     </p:extLst>
   </p:cSld>
@@ -9255,14 +11133,6 @@
 <file path=ppt/slides/slide6.xml><?xml version="1.0" encoding="utf-8"?>
 <p:sld xmlns:a="http://schemas.openxmlformats.org/drawingml/2006/main" xmlns:r="http://schemas.openxmlformats.org/officeDocument/2006/relationships" xmlns:p="http://schemas.openxmlformats.org/presentationml/2006/main">
   <p:cSld>
-    <p:bg>
-      <p:bgPr>
-        <a:solidFill>
-          <a:srgbClr val="F0F0EF"/>
-        </a:solidFill>
-        <a:effectLst/>
-      </p:bgPr>
-    </p:bg>
     <p:spTree>
       <p:nvGrpSpPr>
         <p:cNvPr id="1" name=""/>
@@ -9279,10 +11149,10 @@
       </p:grpSpPr>
       <p:pic>
         <p:nvPicPr>
-          <p:cNvPr id="4" name="Picture 3">
-            <a:extLst>
-              <a:ext uri="{FF2B5EF4-FFF2-40B4-BE49-F238E27FC236}">
-                <a16:creationId xmlns:a16="http://schemas.microsoft.com/office/drawing/2014/main" id="{AF7DD55D-9BBE-BD47-AC02-9DE04620FDE8}"/>
+          <p:cNvPr id="5" name="Picture 4">
+            <a:extLst>
+              <a:ext uri="{FF2B5EF4-FFF2-40B4-BE49-F238E27FC236}">
+                <a16:creationId xmlns:a16="http://schemas.microsoft.com/office/drawing/2014/main" id="{CD4615F0-730A-5943-9922-C52853C60F0E}"/>
               </a:ext>
             </a:extLst>
           </p:cNvPr>
@@ -9292,330 +11162,27 @@
           <p:nvPr/>
         </p:nvPicPr>
         <p:blipFill>
-          <a:blip r:embed="rId2"/>
+          <a:blip r:embed="rId3"/>
           <a:stretch>
             <a:fillRect/>
           </a:stretch>
         </p:blipFill>
         <p:spPr>
           <a:xfrm>
-            <a:off x="2078832" y="4074617"/>
-            <a:ext cx="2236377" cy="1746277"/>
+            <a:off x="1587500" y="480711"/>
+            <a:ext cx="5969000" cy="4660900"/>
           </a:xfrm>
           <a:prstGeom prst="rect">
             <a:avLst/>
           </a:prstGeom>
         </p:spPr>
       </p:pic>
-      <p:sp>
-        <p:nvSpPr>
-          <p:cNvPr id="5" name="TextBox 4">
-            <a:extLst>
-              <a:ext uri="{FF2B5EF4-FFF2-40B4-BE49-F238E27FC236}">
-                <a16:creationId xmlns:a16="http://schemas.microsoft.com/office/drawing/2014/main" id="{05D85AA7-E2A8-0942-BEAE-67357D0FDC8E}"/>
-              </a:ext>
-            </a:extLst>
-          </p:cNvPr>
-          <p:cNvSpPr txBox="1"/>
-          <p:nvPr/>
-        </p:nvSpPr>
-        <p:spPr>
-          <a:xfrm>
-            <a:off x="2699928" y="5883187"/>
-            <a:ext cx="994183" cy="369332"/>
-          </a:xfrm>
-          <a:prstGeom prst="rect">
-            <a:avLst/>
-          </a:prstGeom>
-          <a:noFill/>
-        </p:spPr>
-        <p:txBody>
-          <a:bodyPr wrap="none" rtlCol="0">
-            <a:spAutoFit/>
-          </a:bodyPr>
-          <a:lstStyle/>
-          <a:p>
-            <a:r>
-              <a:rPr lang="en-US" dirty="0"/>
-              <a:t>d’ = 2.22</a:t>
-            </a:r>
-          </a:p>
-        </p:txBody>
-      </p:sp>
-      <p:sp>
-        <p:nvSpPr>
-          <p:cNvPr id="6" name="TextBox 5">
-            <a:extLst>
-              <a:ext uri="{FF2B5EF4-FFF2-40B4-BE49-F238E27FC236}">
-                <a16:creationId xmlns:a16="http://schemas.microsoft.com/office/drawing/2014/main" id="{3C49128F-9D22-2B46-9AC1-59BCAC7968A0}"/>
-              </a:ext>
-            </a:extLst>
-          </p:cNvPr>
-          <p:cNvSpPr txBox="1"/>
-          <p:nvPr/>
-        </p:nvSpPr>
-        <p:spPr>
-          <a:xfrm>
-            <a:off x="2765031" y="3241282"/>
-            <a:ext cx="994183" cy="369332"/>
-          </a:xfrm>
-          <a:prstGeom prst="rect">
-            <a:avLst/>
-          </a:prstGeom>
-          <a:noFill/>
-        </p:spPr>
-        <p:txBody>
-          <a:bodyPr wrap="none" rtlCol="0">
-            <a:spAutoFit/>
-          </a:bodyPr>
-          <a:lstStyle/>
-          <a:p>
-            <a:r>
-              <a:rPr lang="en-US" dirty="0"/>
-              <a:t>d’ = 0.20</a:t>
-            </a:r>
-          </a:p>
-        </p:txBody>
-      </p:sp>
-      <p:sp>
-        <p:nvSpPr>
-          <p:cNvPr id="7" name="TextBox 6">
-            <a:extLst>
-              <a:ext uri="{FF2B5EF4-FFF2-40B4-BE49-F238E27FC236}">
-                <a16:creationId xmlns:a16="http://schemas.microsoft.com/office/drawing/2014/main" id="{5EC06852-9EEA-6A48-9C0A-DF226C7EE341}"/>
-              </a:ext>
-            </a:extLst>
-          </p:cNvPr>
-          <p:cNvSpPr txBox="1"/>
-          <p:nvPr/>
-        </p:nvSpPr>
-        <p:spPr>
-          <a:xfrm>
-            <a:off x="914400" y="605481"/>
-            <a:ext cx="2422073" cy="646331"/>
-          </a:xfrm>
-          <a:prstGeom prst="rect">
-            <a:avLst/>
-          </a:prstGeom>
-          <a:noFill/>
-        </p:spPr>
-        <p:txBody>
-          <a:bodyPr wrap="none" rtlCol="0">
-            <a:spAutoFit/>
-          </a:bodyPr>
-          <a:lstStyle/>
-          <a:p>
-            <a:r>
-              <a:rPr lang="en-US" dirty="0"/>
-              <a:t>Examples of d’</a:t>
-            </a:r>
-          </a:p>
-          <a:p>
-            <a:r>
-              <a:rPr lang="en-US" dirty="0"/>
-              <a:t>for different algorithms </a:t>
-            </a:r>
-          </a:p>
-        </p:txBody>
-      </p:sp>
-      <p:pic>
-        <p:nvPicPr>
-          <p:cNvPr id="8" name="Picture 7">
-            <a:extLst>
-              <a:ext uri="{FF2B5EF4-FFF2-40B4-BE49-F238E27FC236}">
-                <a16:creationId xmlns:a16="http://schemas.microsoft.com/office/drawing/2014/main" id="{2ABA9B6E-041D-3240-B681-FA067A027C36}"/>
-              </a:ext>
-            </a:extLst>
-          </p:cNvPr>
-          <p:cNvPicPr>
-            <a:picLocks noChangeAspect="1"/>
-          </p:cNvPicPr>
-          <p:nvPr/>
-        </p:nvPicPr>
-        <p:blipFill>
-          <a:blip r:embed="rId3"/>
-          <a:srcRect/>
-          <a:stretch/>
-        </p:blipFill>
-        <p:spPr>
-          <a:xfrm>
-            <a:off x="2143935" y="1450026"/>
-            <a:ext cx="2236377" cy="1728963"/>
-          </a:xfrm>
-          <a:prstGeom prst="rect">
-            <a:avLst/>
-          </a:prstGeom>
-        </p:spPr>
-      </p:pic>
-      <p:pic>
-        <p:nvPicPr>
-          <p:cNvPr id="9" name="Picture 8">
-            <a:extLst>
-              <a:ext uri="{FF2B5EF4-FFF2-40B4-BE49-F238E27FC236}">
-                <a16:creationId xmlns:a16="http://schemas.microsoft.com/office/drawing/2014/main" id="{14AECB97-BF45-BE45-B097-8DD533212017}"/>
-              </a:ext>
-            </a:extLst>
-          </p:cNvPr>
-          <p:cNvPicPr>
-            <a:picLocks noChangeAspect="1"/>
-          </p:cNvPicPr>
-          <p:nvPr/>
-        </p:nvPicPr>
-        <p:blipFill>
-          <a:blip r:embed="rId4"/>
-          <a:srcRect/>
-          <a:stretch/>
-        </p:blipFill>
-        <p:spPr>
-          <a:xfrm>
-            <a:off x="4945599" y="4073365"/>
-            <a:ext cx="2236377" cy="1732141"/>
-          </a:xfrm>
-          <a:prstGeom prst="rect">
-            <a:avLst/>
-          </a:prstGeom>
-        </p:spPr>
-      </p:pic>
-      <p:sp>
-        <p:nvSpPr>
-          <p:cNvPr id="10" name="TextBox 9">
-            <a:extLst>
-              <a:ext uri="{FF2B5EF4-FFF2-40B4-BE49-F238E27FC236}">
-                <a16:creationId xmlns:a16="http://schemas.microsoft.com/office/drawing/2014/main" id="{12879A32-E459-E045-B5BC-D27AF37CFC4D}"/>
-              </a:ext>
-            </a:extLst>
-          </p:cNvPr>
-          <p:cNvSpPr txBox="1"/>
-          <p:nvPr/>
-        </p:nvSpPr>
-        <p:spPr>
-          <a:xfrm>
-            <a:off x="5566695" y="5886952"/>
-            <a:ext cx="994183" cy="369332"/>
-          </a:xfrm>
-          <a:prstGeom prst="rect">
-            <a:avLst/>
-          </a:prstGeom>
-          <a:noFill/>
-        </p:spPr>
-        <p:txBody>
-          <a:bodyPr wrap="none" rtlCol="0">
-            <a:spAutoFit/>
-          </a:bodyPr>
-          <a:lstStyle/>
-          <a:p>
-            <a:r>
-              <a:rPr lang="en-US" dirty="0"/>
-              <a:t>d’ = 3.23</a:t>
-            </a:r>
-          </a:p>
-        </p:txBody>
-      </p:sp>
-      <p:pic>
-        <p:nvPicPr>
-          <p:cNvPr id="11" name="Picture 10">
-            <a:extLst>
-              <a:ext uri="{FF2B5EF4-FFF2-40B4-BE49-F238E27FC236}">
-                <a16:creationId xmlns:a16="http://schemas.microsoft.com/office/drawing/2014/main" id="{2C93A906-34C0-6344-8D85-05BEF350A41E}"/>
-              </a:ext>
-            </a:extLst>
-          </p:cNvPr>
-          <p:cNvPicPr>
-            <a:picLocks noChangeAspect="1"/>
-          </p:cNvPicPr>
-          <p:nvPr/>
-        </p:nvPicPr>
-        <p:blipFill>
-          <a:blip r:embed="rId5"/>
-          <a:srcRect/>
-          <a:stretch/>
-        </p:blipFill>
-        <p:spPr>
-          <a:xfrm>
-            <a:off x="4949574" y="1450026"/>
-            <a:ext cx="2232402" cy="1746277"/>
-          </a:xfrm>
-          <a:prstGeom prst="rect">
-            <a:avLst/>
-          </a:prstGeom>
-        </p:spPr>
-      </p:pic>
-      <p:sp>
-        <p:nvSpPr>
-          <p:cNvPr id="12" name="TextBox 11">
-            <a:extLst>
-              <a:ext uri="{FF2B5EF4-FFF2-40B4-BE49-F238E27FC236}">
-                <a16:creationId xmlns:a16="http://schemas.microsoft.com/office/drawing/2014/main" id="{D6D521FF-9224-5144-B18C-93F00766F2A1}"/>
-              </a:ext>
-            </a:extLst>
-          </p:cNvPr>
-          <p:cNvSpPr txBox="1"/>
-          <p:nvPr/>
-        </p:nvSpPr>
-        <p:spPr>
-          <a:xfrm>
-            <a:off x="5566695" y="3274078"/>
-            <a:ext cx="994183" cy="369332"/>
-          </a:xfrm>
-          <a:prstGeom prst="rect">
-            <a:avLst/>
-          </a:prstGeom>
-          <a:noFill/>
-        </p:spPr>
-        <p:txBody>
-          <a:bodyPr wrap="none" rtlCol="0">
-            <a:spAutoFit/>
-          </a:bodyPr>
-          <a:lstStyle/>
-          <a:p>
-            <a:r>
-              <a:rPr lang="en-US" dirty="0"/>
-              <a:t>d’ = 1.59</a:t>
-            </a:r>
-          </a:p>
-        </p:txBody>
-      </p:sp>
-      <p:sp>
-        <p:nvSpPr>
-          <p:cNvPr id="13" name="TextBox 12">
-            <a:extLst>
-              <a:ext uri="{FF2B5EF4-FFF2-40B4-BE49-F238E27FC236}">
-                <a16:creationId xmlns:a16="http://schemas.microsoft.com/office/drawing/2014/main" id="{28532AF8-2078-CF44-BFA1-129C0417F48B}"/>
-              </a:ext>
-            </a:extLst>
-          </p:cNvPr>
-          <p:cNvSpPr txBox="1"/>
-          <p:nvPr/>
-        </p:nvSpPr>
-        <p:spPr>
-          <a:xfrm>
-            <a:off x="7181976" y="6067853"/>
-            <a:ext cx="1400383" cy="369332"/>
-          </a:xfrm>
-          <a:prstGeom prst="rect">
-            <a:avLst/>
-          </a:prstGeom>
-          <a:noFill/>
-        </p:spPr>
-        <p:txBody>
-          <a:bodyPr wrap="none" rtlCol="0">
-            <a:spAutoFit/>
-          </a:bodyPr>
-          <a:lstStyle/>
-          <a:p>
-            <a:r>
-              <a:rPr lang="en-US" dirty="0"/>
-              <a:t>The best one</a:t>
-            </a:r>
-          </a:p>
-        </p:txBody>
-      </p:sp>
       <p:cxnSp>
         <p:nvCxnSpPr>
-          <p:cNvPr id="15" name="Straight Arrow Connector 14">
-            <a:extLst>
-              <a:ext uri="{FF2B5EF4-FFF2-40B4-BE49-F238E27FC236}">
-                <a16:creationId xmlns:a16="http://schemas.microsoft.com/office/drawing/2014/main" id="{B9E4D2EA-75B1-294F-AE59-6B3CD9B27C42}"/>
+          <p:cNvPr id="23" name="Straight Arrow Connector 22">
+            <a:extLst>
+              <a:ext uri="{FF2B5EF4-FFF2-40B4-BE49-F238E27FC236}">
+                <a16:creationId xmlns:a16="http://schemas.microsoft.com/office/drawing/2014/main" id="{EE25BABD-D0DF-1349-988F-23A7A6452590}"/>
               </a:ext>
             </a:extLst>
           </p:cNvPr>
@@ -9623,9 +11190,9 @@
           <p:nvPr/>
         </p:nvCxnSpPr>
         <p:spPr>
-          <a:xfrm flipH="1" flipV="1">
-            <a:off x="7043351" y="5883187"/>
-            <a:ext cx="259492" cy="184666"/>
+          <a:xfrm>
+            <a:off x="7735330" y="4868562"/>
+            <a:ext cx="902043" cy="0"/>
           </a:xfrm>
           <a:prstGeom prst="straightConnector1">
             <a:avLst/>
@@ -9649,16 +11216,902 @@
           </a:fontRef>
         </p:style>
       </p:cxnSp>
+      <p:sp>
+        <p:nvSpPr>
+          <p:cNvPr id="24" name="TextBox 23">
+            <a:extLst>
+              <a:ext uri="{FF2B5EF4-FFF2-40B4-BE49-F238E27FC236}">
+                <a16:creationId xmlns:a16="http://schemas.microsoft.com/office/drawing/2014/main" id="{D80B645F-E6A3-9840-9B17-1979D7A76614}"/>
+              </a:ext>
+            </a:extLst>
+          </p:cNvPr>
+          <p:cNvSpPr txBox="1"/>
+          <p:nvPr/>
+        </p:nvSpPr>
+        <p:spPr>
+          <a:xfrm>
+            <a:off x="8106032" y="4972729"/>
+            <a:ext cx="290464" cy="369332"/>
+          </a:xfrm>
+          <a:prstGeom prst="rect">
+            <a:avLst/>
+          </a:prstGeom>
+          <a:noFill/>
+        </p:spPr>
+        <p:txBody>
+          <a:bodyPr wrap="none" rtlCol="0">
+            <a:spAutoFit/>
+          </a:bodyPr>
+          <a:lstStyle/>
+          <a:p>
+            <a:r>
+              <a:rPr lang="en-US" dirty="0"/>
+              <a:t>S</a:t>
+            </a:r>
+          </a:p>
+        </p:txBody>
+      </p:sp>
+      <p:cxnSp>
+        <p:nvCxnSpPr>
+          <p:cNvPr id="25" name="Straight Arrow Connector 24">
+            <a:extLst>
+              <a:ext uri="{FF2B5EF4-FFF2-40B4-BE49-F238E27FC236}">
+                <a16:creationId xmlns:a16="http://schemas.microsoft.com/office/drawing/2014/main" id="{FBF96432-413A-9647-8411-CBCAF920547E}"/>
+              </a:ext>
+            </a:extLst>
+          </p:cNvPr>
+          <p:cNvCxnSpPr>
+            <a:cxnSpLocks/>
+          </p:cNvCxnSpPr>
+          <p:nvPr/>
+        </p:nvCxnSpPr>
+        <p:spPr>
+          <a:xfrm flipV="1">
+            <a:off x="1038415" y="2082801"/>
+            <a:ext cx="0" cy="1402147"/>
+          </a:xfrm>
+          <a:prstGeom prst="straightConnector1">
+            <a:avLst/>
+          </a:prstGeom>
+          <a:ln>
+            <a:tailEnd type="triangle"/>
+          </a:ln>
+        </p:spPr>
+        <p:style>
+          <a:lnRef idx="2">
+            <a:schemeClr val="accent1"/>
+          </a:lnRef>
+          <a:fillRef idx="0">
+            <a:schemeClr val="accent1"/>
+          </a:fillRef>
+          <a:effectRef idx="1">
+            <a:schemeClr val="accent1"/>
+          </a:effectRef>
+          <a:fontRef idx="minor">
+            <a:schemeClr val="tx1"/>
+          </a:fontRef>
+        </p:style>
+      </p:cxnSp>
+      <p:sp>
+        <p:nvSpPr>
+          <p:cNvPr id="27" name="TextBox 26">
+            <a:extLst>
+              <a:ext uri="{FF2B5EF4-FFF2-40B4-BE49-F238E27FC236}">
+                <a16:creationId xmlns:a16="http://schemas.microsoft.com/office/drawing/2014/main" id="{3612043D-3D59-5446-9501-E51794B0A6DD}"/>
+              </a:ext>
+            </a:extLst>
+          </p:cNvPr>
+          <p:cNvSpPr txBox="1"/>
+          <p:nvPr/>
+        </p:nvSpPr>
+        <p:spPr>
+          <a:xfrm rot="16200000">
+            <a:off x="-748118" y="2664587"/>
+            <a:ext cx="2930289" cy="369332"/>
+          </a:xfrm>
+          <a:prstGeom prst="rect">
+            <a:avLst/>
+          </a:prstGeom>
+          <a:noFill/>
+        </p:spPr>
+        <p:txBody>
+          <a:bodyPr wrap="none" rtlCol="0">
+            <a:spAutoFit/>
+          </a:bodyPr>
+          <a:lstStyle/>
+          <a:p>
+            <a:r>
+              <a:rPr lang="en-US" dirty="0"/>
+              <a:t>Probability density frequency</a:t>
+            </a:r>
+          </a:p>
+        </p:txBody>
+      </p:sp>
+      <p:grpSp>
+        <p:nvGrpSpPr>
+          <p:cNvPr id="3" name="Group 2">
+            <a:extLst>
+              <a:ext uri="{FF2B5EF4-FFF2-40B4-BE49-F238E27FC236}">
+                <a16:creationId xmlns:a16="http://schemas.microsoft.com/office/drawing/2014/main" id="{E0215F68-D06E-404C-9298-C531E5F669E9}"/>
+              </a:ext>
+            </a:extLst>
+          </p:cNvPr>
+          <p:cNvGrpSpPr/>
+          <p:nvPr/>
+        </p:nvGrpSpPr>
+        <p:grpSpPr>
+          <a:xfrm>
+            <a:off x="4733290" y="2778727"/>
+            <a:ext cx="203200" cy="3553493"/>
+            <a:chOff x="4733290" y="2778727"/>
+            <a:chExt cx="203200" cy="3553493"/>
+          </a:xfrm>
+        </p:grpSpPr>
+        <p:cxnSp>
+          <p:nvCxnSpPr>
+            <p:cNvPr id="13" name="Straight Connector 12">
+              <a:extLst>
+                <a:ext uri="{FF2B5EF4-FFF2-40B4-BE49-F238E27FC236}">
+                  <a16:creationId xmlns:a16="http://schemas.microsoft.com/office/drawing/2014/main" id="{F23BCCF5-BF9B-F041-9EBB-89098CA1E732}"/>
+                </a:ext>
+              </a:extLst>
+            </p:cNvPr>
+            <p:cNvCxnSpPr>
+              <a:cxnSpLocks/>
+            </p:cNvCxnSpPr>
+            <p:nvPr/>
+          </p:nvCxnSpPr>
+          <p:spPr>
+            <a:xfrm>
+              <a:off x="4835618" y="2778727"/>
+              <a:ext cx="0" cy="3204171"/>
+            </a:xfrm>
+            <a:prstGeom prst="line">
+              <a:avLst/>
+            </a:prstGeom>
+            <a:ln>
+              <a:solidFill>
+                <a:schemeClr val="tx1">
+                  <a:lumMod val="50000"/>
+                  <a:lumOff val="50000"/>
+                </a:schemeClr>
+              </a:solidFill>
+              <a:prstDash val="dash"/>
+            </a:ln>
+          </p:spPr>
+          <p:style>
+            <a:lnRef idx="2">
+              <a:schemeClr val="accent1"/>
+            </a:lnRef>
+            <a:fillRef idx="0">
+              <a:schemeClr val="accent1"/>
+            </a:fillRef>
+            <a:effectRef idx="1">
+              <a:schemeClr val="accent1"/>
+            </a:effectRef>
+            <a:fontRef idx="minor">
+              <a:schemeClr val="tx1"/>
+            </a:fontRef>
+          </p:style>
+        </p:cxnSp>
+        <p:pic>
+          <p:nvPicPr>
+            <p:cNvPr id="2" name="Picture 1">
+              <a:extLst>
+                <a:ext uri="{FF2B5EF4-FFF2-40B4-BE49-F238E27FC236}">
+                  <a16:creationId xmlns:a16="http://schemas.microsoft.com/office/drawing/2014/main" id="{44DCC00B-C696-D846-9647-496AEFE3B83A}"/>
+                </a:ext>
+              </a:extLst>
+            </p:cNvPr>
+            <p:cNvPicPr>
+              <a:picLocks noChangeAspect="1"/>
+            </p:cNvPicPr>
+            <p:nvPr/>
+          </p:nvPicPr>
+          <p:blipFill>
+            <a:blip r:embed="rId4"/>
+            <a:stretch>
+              <a:fillRect/>
+            </a:stretch>
+          </p:blipFill>
+          <p:spPr>
+            <a:xfrm>
+              <a:off x="4733290" y="5989320"/>
+              <a:ext cx="203200" cy="342900"/>
+            </a:xfrm>
+            <a:prstGeom prst="rect">
+              <a:avLst/>
+            </a:prstGeom>
+          </p:spPr>
+        </p:pic>
+      </p:grpSp>
+      <p:grpSp>
+        <p:nvGrpSpPr>
+          <p:cNvPr id="31" name="Group 30">
+            <a:extLst>
+              <a:ext uri="{FF2B5EF4-FFF2-40B4-BE49-F238E27FC236}">
+                <a16:creationId xmlns:a16="http://schemas.microsoft.com/office/drawing/2014/main" id="{293AE409-9470-C149-861A-FAE1875DE044}"/>
+              </a:ext>
+            </a:extLst>
+          </p:cNvPr>
+          <p:cNvGrpSpPr/>
+          <p:nvPr/>
+        </p:nvGrpSpPr>
+        <p:grpSpPr>
+          <a:xfrm>
+            <a:off x="1462877" y="3243728"/>
+            <a:ext cx="3375823" cy="3240207"/>
+            <a:chOff x="1462877" y="3243728"/>
+            <a:chExt cx="3375823" cy="3240207"/>
+          </a:xfrm>
+        </p:grpSpPr>
+        <p:sp>
+          <p:nvSpPr>
+            <p:cNvPr id="22" name="Freeform 21">
+              <a:extLst>
+                <a:ext uri="{FF2B5EF4-FFF2-40B4-BE49-F238E27FC236}">
+                  <a16:creationId xmlns:a16="http://schemas.microsoft.com/office/drawing/2014/main" id="{D2D7D07A-C160-7245-BCFA-6DE6DC725D6A}"/>
+                </a:ext>
+              </a:extLst>
+            </p:cNvPr>
+            <p:cNvSpPr/>
+            <p:nvPr/>
+          </p:nvSpPr>
+          <p:spPr>
+            <a:xfrm>
+              <a:off x="3937000" y="3243728"/>
+              <a:ext cx="901700" cy="1638300"/>
+            </a:xfrm>
+            <a:custGeom>
+              <a:avLst/>
+              <a:gdLst>
+                <a:gd name="connsiteX0" fmla="*/ 0 w 901700"/>
+                <a:gd name="connsiteY0" fmla="*/ 1638300 h 1638300"/>
+                <a:gd name="connsiteX1" fmla="*/ 254000 w 901700"/>
+                <a:gd name="connsiteY1" fmla="*/ 1460500 h 1638300"/>
+                <a:gd name="connsiteX2" fmla="*/ 469900 w 901700"/>
+                <a:gd name="connsiteY2" fmla="*/ 1168400 h 1638300"/>
+                <a:gd name="connsiteX3" fmla="*/ 660400 w 901700"/>
+                <a:gd name="connsiteY3" fmla="*/ 889000 h 1638300"/>
+                <a:gd name="connsiteX4" fmla="*/ 749300 w 901700"/>
+                <a:gd name="connsiteY4" fmla="*/ 508000 h 1638300"/>
+                <a:gd name="connsiteX5" fmla="*/ 838200 w 901700"/>
+                <a:gd name="connsiteY5" fmla="*/ 101600 h 1638300"/>
+                <a:gd name="connsiteX6" fmla="*/ 901700 w 901700"/>
+                <a:gd name="connsiteY6" fmla="*/ 0 h 1638300"/>
+                <a:gd name="connsiteX7" fmla="*/ 901700 w 901700"/>
+                <a:gd name="connsiteY7" fmla="*/ 1638300 h 1638300"/>
+                <a:gd name="connsiteX8" fmla="*/ 0 w 901700"/>
+                <a:gd name="connsiteY8" fmla="*/ 1638300 h 1638300"/>
+              </a:gdLst>
+              <a:ahLst/>
+              <a:cxnLst>
+                <a:cxn ang="0">
+                  <a:pos x="connsiteX0" y="connsiteY0"/>
+                </a:cxn>
+                <a:cxn ang="0">
+                  <a:pos x="connsiteX1" y="connsiteY1"/>
+                </a:cxn>
+                <a:cxn ang="0">
+                  <a:pos x="connsiteX2" y="connsiteY2"/>
+                </a:cxn>
+                <a:cxn ang="0">
+                  <a:pos x="connsiteX3" y="connsiteY3"/>
+                </a:cxn>
+                <a:cxn ang="0">
+                  <a:pos x="connsiteX4" y="connsiteY4"/>
+                </a:cxn>
+                <a:cxn ang="0">
+                  <a:pos x="connsiteX5" y="connsiteY5"/>
+                </a:cxn>
+                <a:cxn ang="0">
+                  <a:pos x="connsiteX6" y="connsiteY6"/>
+                </a:cxn>
+                <a:cxn ang="0">
+                  <a:pos x="connsiteX7" y="connsiteY7"/>
+                </a:cxn>
+                <a:cxn ang="0">
+                  <a:pos x="connsiteX8" y="connsiteY8"/>
+                </a:cxn>
+              </a:cxnLst>
+              <a:rect l="l" t="t" r="r" b="b"/>
+              <a:pathLst>
+                <a:path w="901700" h="1638300">
+                  <a:moveTo>
+                    <a:pt x="0" y="1638300"/>
+                  </a:moveTo>
+                  <a:lnTo>
+                    <a:pt x="254000" y="1460500"/>
+                  </a:lnTo>
+                  <a:lnTo>
+                    <a:pt x="469900" y="1168400"/>
+                  </a:lnTo>
+                  <a:lnTo>
+                    <a:pt x="660400" y="889000"/>
+                  </a:lnTo>
+                  <a:lnTo>
+                    <a:pt x="749300" y="508000"/>
+                  </a:lnTo>
+                  <a:lnTo>
+                    <a:pt x="838200" y="101600"/>
+                  </a:lnTo>
+                  <a:lnTo>
+                    <a:pt x="901700" y="0"/>
+                  </a:lnTo>
+                  <a:lnTo>
+                    <a:pt x="901700" y="1638300"/>
+                  </a:lnTo>
+                  <a:lnTo>
+                    <a:pt x="0" y="1638300"/>
+                  </a:lnTo>
+                  <a:close/>
+                </a:path>
+              </a:pathLst>
+            </a:custGeom>
+            <a:solidFill>
+              <a:schemeClr val="accent3">
+                <a:lumMod val="60000"/>
+                <a:lumOff val="40000"/>
+              </a:schemeClr>
+            </a:solidFill>
+            <a:ln>
+              <a:noFill/>
+            </a:ln>
+          </p:spPr>
+          <p:style>
+            <a:lnRef idx="1">
+              <a:schemeClr val="accent1"/>
+            </a:lnRef>
+            <a:fillRef idx="3">
+              <a:schemeClr val="accent1"/>
+            </a:fillRef>
+            <a:effectRef idx="2">
+              <a:schemeClr val="accent1"/>
+            </a:effectRef>
+            <a:fontRef idx="minor">
+              <a:schemeClr val="lt1"/>
+            </a:fontRef>
+          </p:style>
+          <p:txBody>
+            <a:bodyPr rtlCol="0" anchor="ctr"/>
+            <a:lstStyle/>
+            <a:p>
+              <a:pPr algn="ctr"/>
+              <a:endParaRPr lang="en-US"/>
+            </a:p>
+          </p:txBody>
+        </p:sp>
+        <p:grpSp>
+          <p:nvGrpSpPr>
+            <p:cNvPr id="14" name="Group 13">
+              <a:extLst>
+                <a:ext uri="{FF2B5EF4-FFF2-40B4-BE49-F238E27FC236}">
+                  <a16:creationId xmlns:a16="http://schemas.microsoft.com/office/drawing/2014/main" id="{FE9B9FCA-F8E0-1A48-86B2-AFFF9E018ED6}"/>
+                </a:ext>
+              </a:extLst>
+            </p:cNvPr>
+            <p:cNvGrpSpPr/>
+            <p:nvPr/>
+          </p:nvGrpSpPr>
+          <p:grpSpPr>
+            <a:xfrm>
+              <a:off x="1462877" y="4640580"/>
+              <a:ext cx="3109123" cy="1843355"/>
+              <a:chOff x="1462877" y="4640580"/>
+              <a:chExt cx="3109123" cy="1843355"/>
+            </a:xfrm>
+          </p:grpSpPr>
+          <p:cxnSp>
+            <p:nvCxnSpPr>
+              <p:cNvPr id="8" name="Straight Arrow Connector 7">
+                <a:extLst>
+                  <a:ext uri="{FF2B5EF4-FFF2-40B4-BE49-F238E27FC236}">
+                    <a16:creationId xmlns:a16="http://schemas.microsoft.com/office/drawing/2014/main" id="{F6E9935C-1AD7-4146-92D4-8B5FB0D1BC13}"/>
+                  </a:ext>
+                </a:extLst>
+              </p:cNvPr>
+              <p:cNvCxnSpPr/>
+              <p:nvPr/>
+            </p:nvCxnSpPr>
+            <p:spPr>
+              <a:xfrm flipH="1">
+                <a:off x="3371850" y="4640580"/>
+                <a:ext cx="1200150" cy="1085850"/>
+              </a:xfrm>
+              <a:prstGeom prst="straightConnector1">
+                <a:avLst/>
+              </a:prstGeom>
+              <a:ln>
+                <a:tailEnd type="triangle"/>
+              </a:ln>
+            </p:spPr>
+            <p:style>
+              <a:lnRef idx="2">
+                <a:schemeClr val="accent1"/>
+              </a:lnRef>
+              <a:fillRef idx="0">
+                <a:schemeClr val="accent1"/>
+              </a:fillRef>
+              <a:effectRef idx="1">
+                <a:schemeClr val="accent1"/>
+              </a:effectRef>
+              <a:fontRef idx="minor">
+                <a:schemeClr val="tx1"/>
+              </a:fontRef>
+            </p:style>
+          </p:cxnSp>
+          <p:sp>
+            <p:nvSpPr>
+              <p:cNvPr id="11" name="TextBox 10">
+                <a:extLst>
+                  <a:ext uri="{FF2B5EF4-FFF2-40B4-BE49-F238E27FC236}">
+                    <a16:creationId xmlns:a16="http://schemas.microsoft.com/office/drawing/2014/main" id="{A2ECD1CE-5DA9-214A-B57B-9E8905FB9315}"/>
+                  </a:ext>
+                </a:extLst>
+              </p:cNvPr>
+              <p:cNvSpPr txBox="1"/>
+              <p:nvPr/>
+            </p:nvSpPr>
+            <p:spPr>
+              <a:xfrm>
+                <a:off x="1462877" y="5837604"/>
+                <a:ext cx="2244782" cy="646331"/>
+              </a:xfrm>
+              <a:prstGeom prst="rect">
+                <a:avLst/>
+              </a:prstGeom>
+              <a:noFill/>
+            </p:spPr>
+            <p:txBody>
+              <a:bodyPr wrap="none" rtlCol="0">
+                <a:spAutoFit/>
+              </a:bodyPr>
+              <a:lstStyle/>
+              <a:p>
+                <a:pPr algn="r"/>
+                <a:r>
+                  <a:rPr lang="en-US" dirty="0"/>
+                  <a:t>FNMR</a:t>
+                </a:r>
+              </a:p>
+              <a:p>
+                <a:pPr algn="r"/>
+                <a:r>
+                  <a:rPr lang="en-US" dirty="0"/>
+                  <a:t>False Non-Match Rate</a:t>
+                </a:r>
+              </a:p>
+            </p:txBody>
+          </p:sp>
+        </p:grpSp>
+      </p:grpSp>
+      <p:grpSp>
+        <p:nvGrpSpPr>
+          <p:cNvPr id="32" name="Group 31">
+            <a:extLst>
+              <a:ext uri="{FF2B5EF4-FFF2-40B4-BE49-F238E27FC236}">
+                <a16:creationId xmlns:a16="http://schemas.microsoft.com/office/drawing/2014/main" id="{C4893598-E418-C04A-A634-0FB56D23E79E}"/>
+              </a:ext>
+            </a:extLst>
+          </p:cNvPr>
+          <p:cNvGrpSpPr/>
+          <p:nvPr/>
+        </p:nvGrpSpPr>
+        <p:grpSpPr>
+          <a:xfrm>
+            <a:off x="4851400" y="3257176"/>
+            <a:ext cx="2085048" cy="3226756"/>
+            <a:chOff x="4851400" y="3257176"/>
+            <a:chExt cx="2085048" cy="3226756"/>
+          </a:xfrm>
+        </p:grpSpPr>
+        <p:sp>
+          <p:nvSpPr>
+            <p:cNvPr id="30" name="Freeform 29">
+              <a:extLst>
+                <a:ext uri="{FF2B5EF4-FFF2-40B4-BE49-F238E27FC236}">
+                  <a16:creationId xmlns:a16="http://schemas.microsoft.com/office/drawing/2014/main" id="{D9677518-F503-0041-A336-7E5D63B8C24F}"/>
+                </a:ext>
+              </a:extLst>
+            </p:cNvPr>
+            <p:cNvSpPr/>
+            <p:nvPr/>
+          </p:nvSpPr>
+          <p:spPr>
+            <a:xfrm>
+              <a:off x="4851400" y="3257176"/>
+              <a:ext cx="812800" cy="1638300"/>
+            </a:xfrm>
+            <a:custGeom>
+              <a:avLst/>
+              <a:gdLst>
+                <a:gd name="connsiteX0" fmla="*/ 812800 w 812800"/>
+                <a:gd name="connsiteY0" fmla="*/ 1600200 h 1638300"/>
+                <a:gd name="connsiteX1" fmla="*/ 558800 w 812800"/>
+                <a:gd name="connsiteY1" fmla="*/ 1511300 h 1638300"/>
+                <a:gd name="connsiteX2" fmla="*/ 381000 w 812800"/>
+                <a:gd name="connsiteY2" fmla="*/ 1333500 h 1638300"/>
+                <a:gd name="connsiteX3" fmla="*/ 241300 w 812800"/>
+                <a:gd name="connsiteY3" fmla="*/ 1003300 h 1638300"/>
+                <a:gd name="connsiteX4" fmla="*/ 114300 w 812800"/>
+                <a:gd name="connsiteY4" fmla="*/ 584200 h 1638300"/>
+                <a:gd name="connsiteX5" fmla="*/ 0 w 812800"/>
+                <a:gd name="connsiteY5" fmla="*/ 0 h 1638300"/>
+                <a:gd name="connsiteX6" fmla="*/ 0 w 812800"/>
+                <a:gd name="connsiteY6" fmla="*/ 1638300 h 1638300"/>
+                <a:gd name="connsiteX7" fmla="*/ 812800 w 812800"/>
+                <a:gd name="connsiteY7" fmla="*/ 1600200 h 1638300"/>
+              </a:gdLst>
+              <a:ahLst/>
+              <a:cxnLst>
+                <a:cxn ang="0">
+                  <a:pos x="connsiteX0" y="connsiteY0"/>
+                </a:cxn>
+                <a:cxn ang="0">
+                  <a:pos x="connsiteX1" y="connsiteY1"/>
+                </a:cxn>
+                <a:cxn ang="0">
+                  <a:pos x="connsiteX2" y="connsiteY2"/>
+                </a:cxn>
+                <a:cxn ang="0">
+                  <a:pos x="connsiteX3" y="connsiteY3"/>
+                </a:cxn>
+                <a:cxn ang="0">
+                  <a:pos x="connsiteX4" y="connsiteY4"/>
+                </a:cxn>
+                <a:cxn ang="0">
+                  <a:pos x="connsiteX5" y="connsiteY5"/>
+                </a:cxn>
+                <a:cxn ang="0">
+                  <a:pos x="connsiteX6" y="connsiteY6"/>
+                </a:cxn>
+                <a:cxn ang="0">
+                  <a:pos x="connsiteX7" y="connsiteY7"/>
+                </a:cxn>
+              </a:cxnLst>
+              <a:rect l="l" t="t" r="r" b="b"/>
+              <a:pathLst>
+                <a:path w="812800" h="1638300">
+                  <a:moveTo>
+                    <a:pt x="812800" y="1600200"/>
+                  </a:moveTo>
+                  <a:lnTo>
+                    <a:pt x="558800" y="1511300"/>
+                  </a:lnTo>
+                  <a:lnTo>
+                    <a:pt x="381000" y="1333500"/>
+                  </a:lnTo>
+                  <a:lnTo>
+                    <a:pt x="241300" y="1003300"/>
+                  </a:lnTo>
+                  <a:lnTo>
+                    <a:pt x="114300" y="584200"/>
+                  </a:lnTo>
+                  <a:lnTo>
+                    <a:pt x="0" y="0"/>
+                  </a:lnTo>
+                  <a:lnTo>
+                    <a:pt x="0" y="1638300"/>
+                  </a:lnTo>
+                  <a:lnTo>
+                    <a:pt x="812800" y="1600200"/>
+                  </a:lnTo>
+                  <a:close/>
+                </a:path>
+              </a:pathLst>
+            </a:custGeom>
+            <a:solidFill>
+              <a:schemeClr val="accent2">
+                <a:lumMod val="40000"/>
+                <a:lumOff val="60000"/>
+              </a:schemeClr>
+            </a:solidFill>
+            <a:ln>
+              <a:noFill/>
+            </a:ln>
+          </p:spPr>
+          <p:style>
+            <a:lnRef idx="1">
+              <a:schemeClr val="accent1"/>
+            </a:lnRef>
+            <a:fillRef idx="3">
+              <a:schemeClr val="accent1"/>
+            </a:fillRef>
+            <a:effectRef idx="2">
+              <a:schemeClr val="accent1"/>
+            </a:effectRef>
+            <a:fontRef idx="minor">
+              <a:schemeClr val="lt1"/>
+            </a:fontRef>
+          </p:style>
+          <p:txBody>
+            <a:bodyPr rtlCol="0" anchor="ctr"/>
+            <a:lstStyle/>
+            <a:p>
+              <a:pPr algn="ctr"/>
+              <a:endParaRPr lang="en-US"/>
+            </a:p>
+          </p:txBody>
+        </p:sp>
+        <p:grpSp>
+          <p:nvGrpSpPr>
+            <p:cNvPr id="26" name="Group 25">
+              <a:extLst>
+                <a:ext uri="{FF2B5EF4-FFF2-40B4-BE49-F238E27FC236}">
+                  <a16:creationId xmlns:a16="http://schemas.microsoft.com/office/drawing/2014/main" id="{F16CD457-6FAD-5F47-B267-84125B278152}"/>
+                </a:ext>
+              </a:extLst>
+            </p:cNvPr>
+            <p:cNvGrpSpPr/>
+            <p:nvPr/>
+          </p:nvGrpSpPr>
+          <p:grpSpPr>
+            <a:xfrm>
+              <a:off x="5014449" y="4640580"/>
+              <a:ext cx="1921999" cy="1843352"/>
+              <a:chOff x="1322391" y="4640583"/>
+              <a:chExt cx="1921999" cy="1843352"/>
+            </a:xfrm>
+          </p:grpSpPr>
+          <p:cxnSp>
+            <p:nvCxnSpPr>
+              <p:cNvPr id="28" name="Straight Arrow Connector 27">
+                <a:extLst>
+                  <a:ext uri="{FF2B5EF4-FFF2-40B4-BE49-F238E27FC236}">
+                    <a16:creationId xmlns:a16="http://schemas.microsoft.com/office/drawing/2014/main" id="{CF67ABDD-DDF9-194A-A94E-900B429C5DA0}"/>
+                  </a:ext>
+                </a:extLst>
+              </p:cNvPr>
+              <p:cNvCxnSpPr>
+                <a:cxnSpLocks/>
+              </p:cNvCxnSpPr>
+              <p:nvPr/>
+            </p:nvCxnSpPr>
+            <p:spPr>
+              <a:xfrm>
+                <a:off x="1322391" y="4640583"/>
+                <a:ext cx="685510" cy="1085850"/>
+              </a:xfrm>
+              <a:prstGeom prst="straightConnector1">
+                <a:avLst/>
+              </a:prstGeom>
+              <a:ln>
+                <a:tailEnd type="triangle"/>
+              </a:ln>
+            </p:spPr>
+            <p:style>
+              <a:lnRef idx="2">
+                <a:schemeClr val="accent1"/>
+              </a:lnRef>
+              <a:fillRef idx="0">
+                <a:schemeClr val="accent1"/>
+              </a:fillRef>
+              <a:effectRef idx="1">
+                <a:schemeClr val="accent1"/>
+              </a:effectRef>
+              <a:fontRef idx="minor">
+                <a:schemeClr val="tx1"/>
+              </a:fontRef>
+            </p:style>
+          </p:cxnSp>
+          <p:sp>
+            <p:nvSpPr>
+              <p:cNvPr id="29" name="TextBox 28">
+                <a:extLst>
+                  <a:ext uri="{FF2B5EF4-FFF2-40B4-BE49-F238E27FC236}">
+                    <a16:creationId xmlns:a16="http://schemas.microsoft.com/office/drawing/2014/main" id="{07C6ACC0-BD23-D14A-81D9-0C7CF3CE5620}"/>
+                  </a:ext>
+                </a:extLst>
+              </p:cNvPr>
+              <p:cNvSpPr txBox="1"/>
+              <p:nvPr/>
+            </p:nvSpPr>
+            <p:spPr>
+              <a:xfrm>
+                <a:off x="1462877" y="5837604"/>
+                <a:ext cx="1781513" cy="646331"/>
+              </a:xfrm>
+              <a:prstGeom prst="rect">
+                <a:avLst/>
+              </a:prstGeom>
+              <a:noFill/>
+            </p:spPr>
+            <p:txBody>
+              <a:bodyPr wrap="none" rtlCol="0">
+                <a:spAutoFit/>
+              </a:bodyPr>
+              <a:lstStyle/>
+              <a:p>
+                <a:r>
+                  <a:rPr lang="en-US" dirty="0"/>
+                  <a:t>FMR</a:t>
+                </a:r>
+              </a:p>
+              <a:p>
+                <a:r>
+                  <a:rPr lang="en-US" dirty="0"/>
+                  <a:t>False Match Rate</a:t>
+                </a:r>
+              </a:p>
+            </p:txBody>
+          </p:sp>
+        </p:grpSp>
+      </p:grpSp>
     </p:spTree>
     <p:extLst>
       <p:ext uri="{BB962C8B-B14F-4D97-AF65-F5344CB8AC3E}">
-        <p14:creationId xmlns:p14="http://schemas.microsoft.com/office/powerpoint/2010/main" val="851556059"/>
+        <p14:creationId xmlns:p14="http://schemas.microsoft.com/office/powerpoint/2010/main" val="1756310727"/>
       </p:ext>
     </p:extLst>
   </p:cSld>
   <p:clrMapOvr>
     <a:masterClrMapping/>
   </p:clrMapOvr>
+  <p:timing>
+    <p:tnLst>
+      <p:par>
+        <p:cTn id="1" dur="indefinite" restart="never" nodeType="tmRoot">
+          <p:childTnLst>
+            <p:seq concurrent="1" nextAc="seek">
+              <p:cTn id="2" dur="indefinite" nodeType="mainSeq">
+                <p:childTnLst>
+                  <p:par>
+                    <p:cTn id="3" fill="hold">
+                      <p:stCondLst>
+                        <p:cond delay="indefinite"/>
+                      </p:stCondLst>
+                      <p:childTnLst>
+                        <p:par>
+                          <p:cTn id="4" fill="hold">
+                            <p:stCondLst>
+                              <p:cond delay="0"/>
+                            </p:stCondLst>
+                            <p:childTnLst>
+                              <p:par>
+                                <p:cTn id="5" presetID="1" presetClass="entr" presetSubtype="0" fill="hold" nodeType="clickEffect">
+                                  <p:stCondLst>
+                                    <p:cond delay="0"/>
+                                  </p:stCondLst>
+                                  <p:childTnLst>
+                                    <p:set>
+                                      <p:cBhvr>
+                                        <p:cTn id="6" dur="1" fill="hold">
+                                          <p:stCondLst>
+                                            <p:cond delay="0"/>
+                                          </p:stCondLst>
+                                        </p:cTn>
+                                        <p:tgtEl>
+                                          <p:spTgt spid="3"/>
+                                        </p:tgtEl>
+                                        <p:attrNameLst>
+                                          <p:attrName>style.visibility</p:attrName>
+                                        </p:attrNameLst>
+                                      </p:cBhvr>
+                                      <p:to>
+                                        <p:strVal val="visible"/>
+                                      </p:to>
+                                    </p:set>
+                                  </p:childTnLst>
+                                </p:cTn>
+                              </p:par>
+                            </p:childTnLst>
+                          </p:cTn>
+                        </p:par>
+                      </p:childTnLst>
+                    </p:cTn>
+                  </p:par>
+                  <p:par>
+                    <p:cTn id="7" fill="hold">
+                      <p:stCondLst>
+                        <p:cond delay="indefinite"/>
+                      </p:stCondLst>
+                      <p:childTnLst>
+                        <p:par>
+                          <p:cTn id="8" fill="hold">
+                            <p:stCondLst>
+                              <p:cond delay="0"/>
+                            </p:stCondLst>
+                            <p:childTnLst>
+                              <p:par>
+                                <p:cTn id="9" presetID="1" presetClass="entr" presetSubtype="0" fill="hold" nodeType="clickEffect">
+                                  <p:stCondLst>
+                                    <p:cond delay="0"/>
+                                  </p:stCondLst>
+                                  <p:childTnLst>
+                                    <p:set>
+                                      <p:cBhvr>
+                                        <p:cTn id="10" dur="1" fill="hold">
+                                          <p:stCondLst>
+                                            <p:cond delay="0"/>
+                                          </p:stCondLst>
+                                        </p:cTn>
+                                        <p:tgtEl>
+                                          <p:spTgt spid="31"/>
+                                        </p:tgtEl>
+                                        <p:attrNameLst>
+                                          <p:attrName>style.visibility</p:attrName>
+                                        </p:attrNameLst>
+                                      </p:cBhvr>
+                                      <p:to>
+                                        <p:strVal val="visible"/>
+                                      </p:to>
+                                    </p:set>
+                                  </p:childTnLst>
+                                </p:cTn>
+                              </p:par>
+                            </p:childTnLst>
+                          </p:cTn>
+                        </p:par>
+                      </p:childTnLst>
+                    </p:cTn>
+                  </p:par>
+                  <p:par>
+                    <p:cTn id="11" fill="hold">
+                      <p:stCondLst>
+                        <p:cond delay="indefinite"/>
+                      </p:stCondLst>
+                      <p:childTnLst>
+                        <p:par>
+                          <p:cTn id="12" fill="hold">
+                            <p:stCondLst>
+                              <p:cond delay="0"/>
+                            </p:stCondLst>
+                            <p:childTnLst>
+                              <p:par>
+                                <p:cTn id="13" presetID="1" presetClass="entr" presetSubtype="0" fill="hold" nodeType="clickEffect">
+                                  <p:stCondLst>
+                                    <p:cond delay="0"/>
+                                  </p:stCondLst>
+                                  <p:childTnLst>
+                                    <p:set>
+                                      <p:cBhvr>
+                                        <p:cTn id="14" dur="1" fill="hold">
+                                          <p:stCondLst>
+                                            <p:cond delay="0"/>
+                                          </p:stCondLst>
+                                        </p:cTn>
+                                        <p:tgtEl>
+                                          <p:spTgt spid="32"/>
+                                        </p:tgtEl>
+                                        <p:attrNameLst>
+                                          <p:attrName>style.visibility</p:attrName>
+                                        </p:attrNameLst>
+                                      </p:cBhvr>
+                                      <p:to>
+                                        <p:strVal val="visible"/>
+                                      </p:to>
+                                    </p:set>
+                                  </p:childTnLst>
+                                </p:cTn>
+                              </p:par>
+                            </p:childTnLst>
+                          </p:cTn>
+                        </p:par>
+                      </p:childTnLst>
+                    </p:cTn>
+                  </p:par>
+                </p:childTnLst>
+              </p:cTn>
+              <p:prevCondLst>
+                <p:cond evt="onPrev" delay="0">
+                  <p:tgtEl>
+                    <p:sldTgt/>
+                  </p:tgtEl>
+                </p:cond>
+              </p:prevCondLst>
+              <p:nextCondLst>
+                <p:cond evt="onNext" delay="0">
+                  <p:tgtEl>
+                    <p:sldTgt/>
+                  </p:tgtEl>
+                </p:cond>
+              </p:nextCondLst>
+            </p:seq>
+          </p:childTnLst>
+        </p:cTn>
+      </p:par>
+    </p:tnLst>
+  </p:timing>
 </p:sld>
 </file>
 
@@ -9679,114 +12132,12 @@
           <a:chExt cx="0" cy="0"/>
         </a:xfrm>
       </p:grpSpPr>
-      <p:sp>
-        <p:nvSpPr>
-          <p:cNvPr id="2" name="Title 1">
-            <a:extLst>
-              <a:ext uri="{FF2B5EF4-FFF2-40B4-BE49-F238E27FC236}">
-                <a16:creationId xmlns:a16="http://schemas.microsoft.com/office/drawing/2014/main" id="{2E6B9BFC-3ED1-B444-8BB8-557A4E0F7F4C}"/>
-              </a:ext>
-            </a:extLst>
-          </p:cNvPr>
-          <p:cNvSpPr>
-            <a:spLocks noGrp="1"/>
-          </p:cNvSpPr>
-          <p:nvPr>
-            <p:ph type="title"/>
-          </p:nvPr>
-        </p:nvSpPr>
-        <p:spPr/>
-        <p:txBody>
-          <a:bodyPr/>
-          <a:lstStyle/>
-          <a:p>
-            <a:r>
-              <a:rPr lang="en-US" dirty="0"/>
-              <a:t>Other metrics</a:t>
-            </a:r>
-          </a:p>
-        </p:txBody>
-      </p:sp>
       <p:pic>
         <p:nvPicPr>
-          <p:cNvPr id="4" name="Picture 3">
-            <a:extLst>
-              <a:ext uri="{FF2B5EF4-FFF2-40B4-BE49-F238E27FC236}">
-                <a16:creationId xmlns:a16="http://schemas.microsoft.com/office/drawing/2014/main" id="{F51EDBBB-B093-6C46-96A2-04BD5F9900C5}"/>
-              </a:ext>
-            </a:extLst>
-          </p:cNvPr>
-          <p:cNvPicPr>
-            <a:picLocks noChangeAspect="1"/>
-          </p:cNvPicPr>
-          <p:nvPr/>
-        </p:nvPicPr>
-        <p:blipFill>
-          <a:blip r:embed="rId2"/>
-          <a:stretch>
-            <a:fillRect/>
-          </a:stretch>
-        </p:blipFill>
-        <p:spPr>
-          <a:xfrm>
-            <a:off x="812800" y="2334397"/>
-            <a:ext cx="7518400" cy="533400"/>
-          </a:xfrm>
-          <a:prstGeom prst="rect">
-            <a:avLst/>
-          </a:prstGeom>
-        </p:spPr>
-      </p:pic>
-      <p:sp>
-        <p:nvSpPr>
-          <p:cNvPr id="5" name="TextBox 4">
-            <a:extLst>
-              <a:ext uri="{FF2B5EF4-FFF2-40B4-BE49-F238E27FC236}">
-                <a16:creationId xmlns:a16="http://schemas.microsoft.com/office/drawing/2014/main" id="{7345E164-34DA-F14C-99E5-5BE3BD5EDFE9}"/>
-              </a:ext>
-            </a:extLst>
-          </p:cNvPr>
-          <p:cNvSpPr txBox="1"/>
-          <p:nvPr/>
-        </p:nvSpPr>
-        <p:spPr>
-          <a:xfrm>
-            <a:off x="1865868" y="3657600"/>
-            <a:ext cx="6964342" cy="923330"/>
-          </a:xfrm>
-          <a:prstGeom prst="rect">
-            <a:avLst/>
-          </a:prstGeom>
-          <a:noFill/>
-        </p:spPr>
-        <p:txBody>
-          <a:bodyPr wrap="none" rtlCol="0">
-            <a:spAutoFit/>
-          </a:bodyPr>
-          <a:lstStyle/>
-          <a:p>
-            <a:r>
-              <a:rPr lang="en-US" dirty="0"/>
-              <a:t>For Euclidean distance:</a:t>
-            </a:r>
-          </a:p>
-          <a:p>
-            <a:endParaRPr lang="en-US" dirty="0"/>
-          </a:p>
-          <a:p>
-            <a:r>
-              <a:rPr lang="en-US" dirty="0"/>
-              <a:t>For other metrics, matrix         is learned from negative and positive pairs</a:t>
-            </a:r>
-          </a:p>
-        </p:txBody>
-      </p:sp>
-      <p:pic>
-        <p:nvPicPr>
-          <p:cNvPr id="6" name="Picture 5">
-            <a:extLst>
-              <a:ext uri="{FF2B5EF4-FFF2-40B4-BE49-F238E27FC236}">
-                <a16:creationId xmlns:a16="http://schemas.microsoft.com/office/drawing/2014/main" id="{621A1E70-28ED-5142-8589-519E0C83AACE}"/>
+          <p:cNvPr id="5" name="Picture 4">
+            <a:extLst>
+              <a:ext uri="{FF2B5EF4-FFF2-40B4-BE49-F238E27FC236}">
+                <a16:creationId xmlns:a16="http://schemas.microsoft.com/office/drawing/2014/main" id="{CD4615F0-730A-5943-9922-C52853C60F0E}"/>
               </a:ext>
             </a:extLst>
           </p:cNvPr>
@@ -9803,20 +12154,59 @@
         </p:blipFill>
         <p:spPr>
           <a:xfrm>
-            <a:off x="4309417" y="3672704"/>
-            <a:ext cx="1143000" cy="317500"/>
+            <a:off x="1587500" y="480711"/>
+            <a:ext cx="5969000" cy="4660900"/>
           </a:xfrm>
           <a:prstGeom prst="rect">
             <a:avLst/>
           </a:prstGeom>
         </p:spPr>
       </p:pic>
-      <p:sp>
-        <p:nvSpPr>
-          <p:cNvPr id="7" name="TextBox 6">
-            <a:extLst>
-              <a:ext uri="{FF2B5EF4-FFF2-40B4-BE49-F238E27FC236}">
-                <a16:creationId xmlns:a16="http://schemas.microsoft.com/office/drawing/2014/main" id="{99110118-135E-6A4E-A3C4-76E847EF4802}"/>
+      <p:cxnSp>
+        <p:nvCxnSpPr>
+          <p:cNvPr id="23" name="Straight Arrow Connector 22">
+            <a:extLst>
+              <a:ext uri="{FF2B5EF4-FFF2-40B4-BE49-F238E27FC236}">
+                <a16:creationId xmlns:a16="http://schemas.microsoft.com/office/drawing/2014/main" id="{EE25BABD-D0DF-1349-988F-23A7A6452590}"/>
+              </a:ext>
+            </a:extLst>
+          </p:cNvPr>
+          <p:cNvCxnSpPr/>
+          <p:nvPr/>
+        </p:nvCxnSpPr>
+        <p:spPr>
+          <a:xfrm>
+            <a:off x="7735330" y="4868562"/>
+            <a:ext cx="902043" cy="0"/>
+          </a:xfrm>
+          <a:prstGeom prst="straightConnector1">
+            <a:avLst/>
+          </a:prstGeom>
+          <a:ln>
+            <a:tailEnd type="triangle"/>
+          </a:ln>
+        </p:spPr>
+        <p:style>
+          <a:lnRef idx="2">
+            <a:schemeClr val="accent1"/>
+          </a:lnRef>
+          <a:fillRef idx="0">
+            <a:schemeClr val="accent1"/>
+          </a:fillRef>
+          <a:effectRef idx="1">
+            <a:schemeClr val="accent1"/>
+          </a:effectRef>
+          <a:fontRef idx="minor">
+            <a:schemeClr val="tx1"/>
+          </a:fontRef>
+        </p:style>
+      </p:cxnSp>
+      <p:sp>
+        <p:nvSpPr>
+          <p:cNvPr id="24" name="TextBox 23">
+            <a:extLst>
+              <a:ext uri="{FF2B5EF4-FFF2-40B4-BE49-F238E27FC236}">
+                <a16:creationId xmlns:a16="http://schemas.microsoft.com/office/drawing/2014/main" id="{D80B645F-E6A3-9840-9B17-1979D7A76614}"/>
               </a:ext>
             </a:extLst>
           </p:cNvPr>
@@ -9825,8 +12215,8 @@
         </p:nvSpPr>
         <p:spPr>
           <a:xfrm>
-            <a:off x="1883997" y="4743456"/>
-            <a:ext cx="6634637" cy="369332"/>
+            <a:off x="8106032" y="4972729"/>
+            <a:ext cx="290464" cy="369332"/>
           </a:xfrm>
           <a:prstGeom prst="rect">
             <a:avLst/>
@@ -9841,17 +12231,58 @@
           <a:p>
             <a:r>
               <a:rPr lang="en-US" dirty="0"/>
-              <a:t>If image-A and image-B are from the same person the distance is low </a:t>
-            </a:r>
-          </a:p>
-        </p:txBody>
-      </p:sp>
-      <p:sp>
-        <p:nvSpPr>
-          <p:cNvPr id="8" name="TextBox 7">
-            <a:extLst>
-              <a:ext uri="{FF2B5EF4-FFF2-40B4-BE49-F238E27FC236}">
-                <a16:creationId xmlns:a16="http://schemas.microsoft.com/office/drawing/2014/main" id="{D402F5DC-7568-1842-AB0B-8E5AEAC1130C}"/>
+              <a:t>S</a:t>
+            </a:r>
+          </a:p>
+        </p:txBody>
+      </p:sp>
+      <p:cxnSp>
+        <p:nvCxnSpPr>
+          <p:cNvPr id="25" name="Straight Arrow Connector 24">
+            <a:extLst>
+              <a:ext uri="{FF2B5EF4-FFF2-40B4-BE49-F238E27FC236}">
+                <a16:creationId xmlns:a16="http://schemas.microsoft.com/office/drawing/2014/main" id="{FBF96432-413A-9647-8411-CBCAF920547E}"/>
+              </a:ext>
+            </a:extLst>
+          </p:cNvPr>
+          <p:cNvCxnSpPr>
+            <a:cxnSpLocks/>
+          </p:cNvCxnSpPr>
+          <p:nvPr/>
+        </p:nvCxnSpPr>
+        <p:spPr>
+          <a:xfrm flipV="1">
+            <a:off x="1038415" y="2082801"/>
+            <a:ext cx="0" cy="1402147"/>
+          </a:xfrm>
+          <a:prstGeom prst="straightConnector1">
+            <a:avLst/>
+          </a:prstGeom>
+          <a:ln>
+            <a:tailEnd type="triangle"/>
+          </a:ln>
+        </p:spPr>
+        <p:style>
+          <a:lnRef idx="2">
+            <a:schemeClr val="accent1"/>
+          </a:lnRef>
+          <a:fillRef idx="0">
+            <a:schemeClr val="accent1"/>
+          </a:fillRef>
+          <a:effectRef idx="1">
+            <a:schemeClr val="accent1"/>
+          </a:effectRef>
+          <a:fontRef idx="minor">
+            <a:schemeClr val="tx1"/>
+          </a:fontRef>
+        </p:style>
+      </p:cxnSp>
+      <p:sp>
+        <p:nvSpPr>
+          <p:cNvPr id="27" name="TextBox 26">
+            <a:extLst>
+              <a:ext uri="{FF2B5EF4-FFF2-40B4-BE49-F238E27FC236}">
+                <a16:creationId xmlns:a16="http://schemas.microsoft.com/office/drawing/2014/main" id="{3612043D-3D59-5446-9501-E51794B0A6DD}"/>
               </a:ext>
             </a:extLst>
           </p:cNvPr>
@@ -9859,9 +12290,9 @@
           <p:nvPr/>
         </p:nvSpPr>
         <p:spPr>
-          <a:xfrm>
-            <a:off x="1864094" y="5308034"/>
-            <a:ext cx="6682855" cy="369332"/>
+          <a:xfrm rot="16200000">
+            <a:off x="-748118" y="2664587"/>
+            <a:ext cx="2930289" cy="369332"/>
           </a:xfrm>
           <a:prstGeom prst="rect">
             <a:avLst/>
@@ -9876,86 +12307,619 @@
           <a:p>
             <a:r>
               <a:rPr lang="en-US" dirty="0"/>
-              <a:t>If image-A and image-B are from different persons the distance is high</a:t>
-            </a:r>
-          </a:p>
-        </p:txBody>
-      </p:sp>
-      <p:sp>
-        <p:nvSpPr>
-          <p:cNvPr id="10" name="TextBox 9">
-            <a:extLst>
-              <a:ext uri="{FF2B5EF4-FFF2-40B4-BE49-F238E27FC236}">
-                <a16:creationId xmlns:a16="http://schemas.microsoft.com/office/drawing/2014/main" id="{1C44259C-B81B-F247-8FC1-D5F7CF1BE50C}"/>
-              </a:ext>
-            </a:extLst>
-          </p:cNvPr>
-          <p:cNvSpPr txBox="1"/>
-          <p:nvPr/>
-        </p:nvSpPr>
-        <p:spPr>
-          <a:xfrm>
-            <a:off x="1860306" y="5909220"/>
-            <a:ext cx="3901646" cy="646331"/>
-          </a:xfrm>
-          <a:prstGeom prst="rect">
-            <a:avLst/>
-          </a:prstGeom>
-          <a:noFill/>
-        </p:spPr>
-        <p:txBody>
-          <a:bodyPr wrap="none" rtlCol="0">
-            <a:spAutoFit/>
-          </a:bodyPr>
-          <a:lstStyle/>
-          <a:p>
-            <a:r>
-              <a:rPr lang="en-US" dirty="0"/>
-              <a:t>Genuine distribution is at the left side</a:t>
-            </a:r>
-          </a:p>
-          <a:p>
-            <a:r>
-              <a:rPr lang="en-US" dirty="0"/>
-              <a:t>Impostor distribution is at the right side</a:t>
-            </a:r>
-          </a:p>
-        </p:txBody>
-      </p:sp>
-      <p:pic>
-        <p:nvPicPr>
-          <p:cNvPr id="12" name="Picture 11">
-            <a:extLst>
-              <a:ext uri="{FF2B5EF4-FFF2-40B4-BE49-F238E27FC236}">
-                <a16:creationId xmlns:a16="http://schemas.microsoft.com/office/drawing/2014/main" id="{EB37560C-E03A-E04D-8489-87C4DC9BBF64}"/>
-              </a:ext>
-            </a:extLst>
-          </p:cNvPr>
-          <p:cNvPicPr>
-            <a:picLocks noChangeAspect="1"/>
-          </p:cNvPicPr>
-          <p:nvPr/>
-        </p:nvPicPr>
-        <p:blipFill>
-          <a:blip r:embed="rId4"/>
-          <a:stretch>
-            <a:fillRect/>
-          </a:stretch>
-        </p:blipFill>
-        <p:spPr>
-          <a:xfrm>
-            <a:off x="4394542" y="4306337"/>
-            <a:ext cx="165100" cy="158750"/>
-          </a:xfrm>
-          <a:prstGeom prst="rect">
-            <a:avLst/>
-          </a:prstGeom>
-        </p:spPr>
-      </p:pic>
+              <a:t>Probability density frequency</a:t>
+            </a:r>
+          </a:p>
+        </p:txBody>
+      </p:sp>
+      <p:sp>
+        <p:nvSpPr>
+          <p:cNvPr id="4" name="Freeform 3">
+            <a:extLst>
+              <a:ext uri="{FF2B5EF4-FFF2-40B4-BE49-F238E27FC236}">
+                <a16:creationId xmlns:a16="http://schemas.microsoft.com/office/drawing/2014/main" id="{2CE8DCF0-F6FD-0D40-B15A-8E4E9D1B0D0D}"/>
+              </a:ext>
+            </a:extLst>
+          </p:cNvPr>
+          <p:cNvSpPr/>
+          <p:nvPr/>
+        </p:nvSpPr>
+        <p:spPr>
+          <a:xfrm>
+            <a:off x="3872753" y="4067735"/>
+            <a:ext cx="759759" cy="820271"/>
+          </a:xfrm>
+          <a:custGeom>
+            <a:avLst/>
+            <a:gdLst>
+              <a:gd name="connsiteX0" fmla="*/ 0 w 759759"/>
+              <a:gd name="connsiteY0" fmla="*/ 806824 h 820271"/>
+              <a:gd name="connsiteX1" fmla="*/ 215153 w 759759"/>
+              <a:gd name="connsiteY1" fmla="*/ 699247 h 820271"/>
+              <a:gd name="connsiteX2" fmla="*/ 416859 w 759759"/>
+              <a:gd name="connsiteY2" fmla="*/ 578224 h 820271"/>
+              <a:gd name="connsiteX3" fmla="*/ 477371 w 759759"/>
+              <a:gd name="connsiteY3" fmla="*/ 470647 h 820271"/>
+              <a:gd name="connsiteX4" fmla="*/ 504265 w 759759"/>
+              <a:gd name="connsiteY4" fmla="*/ 430306 h 820271"/>
+              <a:gd name="connsiteX5" fmla="*/ 517712 w 759759"/>
+              <a:gd name="connsiteY5" fmla="*/ 410136 h 820271"/>
+              <a:gd name="connsiteX6" fmla="*/ 531159 w 759759"/>
+              <a:gd name="connsiteY6" fmla="*/ 376518 h 820271"/>
+              <a:gd name="connsiteX7" fmla="*/ 551329 w 759759"/>
+              <a:gd name="connsiteY7" fmla="*/ 309283 h 820271"/>
+              <a:gd name="connsiteX8" fmla="*/ 759759 w 759759"/>
+              <a:gd name="connsiteY8" fmla="*/ 0 h 820271"/>
+              <a:gd name="connsiteX9" fmla="*/ 759759 w 759759"/>
+              <a:gd name="connsiteY9" fmla="*/ 820271 h 820271"/>
+              <a:gd name="connsiteX10" fmla="*/ 0 w 759759"/>
+              <a:gd name="connsiteY10" fmla="*/ 806824 h 820271"/>
+            </a:gdLst>
+            <a:ahLst/>
+            <a:cxnLst>
+              <a:cxn ang="0">
+                <a:pos x="connsiteX0" y="connsiteY0"/>
+              </a:cxn>
+              <a:cxn ang="0">
+                <a:pos x="connsiteX1" y="connsiteY1"/>
+              </a:cxn>
+              <a:cxn ang="0">
+                <a:pos x="connsiteX2" y="connsiteY2"/>
+              </a:cxn>
+              <a:cxn ang="0">
+                <a:pos x="connsiteX3" y="connsiteY3"/>
+              </a:cxn>
+              <a:cxn ang="0">
+                <a:pos x="connsiteX4" y="connsiteY4"/>
+              </a:cxn>
+              <a:cxn ang="0">
+                <a:pos x="connsiteX5" y="connsiteY5"/>
+              </a:cxn>
+              <a:cxn ang="0">
+                <a:pos x="connsiteX6" y="connsiteY6"/>
+              </a:cxn>
+              <a:cxn ang="0">
+                <a:pos x="connsiteX7" y="connsiteY7"/>
+              </a:cxn>
+              <a:cxn ang="0">
+                <a:pos x="connsiteX8" y="connsiteY8"/>
+              </a:cxn>
+              <a:cxn ang="0">
+                <a:pos x="connsiteX9" y="connsiteY9"/>
+              </a:cxn>
+              <a:cxn ang="0">
+                <a:pos x="connsiteX10" y="connsiteY10"/>
+              </a:cxn>
+            </a:cxnLst>
+            <a:rect l="l" t="t" r="r" b="b"/>
+            <a:pathLst>
+              <a:path w="759759" h="820271">
+                <a:moveTo>
+                  <a:pt x="0" y="806824"/>
+                </a:moveTo>
+                <a:lnTo>
+                  <a:pt x="215153" y="699247"/>
+                </a:lnTo>
+                <a:lnTo>
+                  <a:pt x="416859" y="578224"/>
+                </a:lnTo>
+                <a:cubicBezTo>
+                  <a:pt x="461581" y="429146"/>
+                  <a:pt x="404970" y="579249"/>
+                  <a:pt x="477371" y="470647"/>
+                </a:cubicBezTo>
+                <a:lnTo>
+                  <a:pt x="504265" y="430306"/>
+                </a:lnTo>
+                <a:lnTo>
+                  <a:pt x="517712" y="410136"/>
+                </a:lnTo>
+                <a:cubicBezTo>
+                  <a:pt x="526020" y="385211"/>
+                  <a:pt x="521265" y="396304"/>
+                  <a:pt x="531159" y="376518"/>
+                </a:cubicBezTo>
+                <a:lnTo>
+                  <a:pt x="551329" y="309283"/>
+                </a:lnTo>
+                <a:lnTo>
+                  <a:pt x="759759" y="0"/>
+                </a:lnTo>
+                <a:lnTo>
+                  <a:pt x="759759" y="820271"/>
+                </a:lnTo>
+                <a:lnTo>
+                  <a:pt x="0" y="806824"/>
+                </a:lnTo>
+                <a:close/>
+              </a:path>
+            </a:pathLst>
+          </a:custGeom>
+          <a:solidFill>
+            <a:schemeClr val="accent3">
+              <a:lumMod val="60000"/>
+              <a:lumOff val="40000"/>
+            </a:schemeClr>
+          </a:solidFill>
+          <a:ln>
+            <a:noFill/>
+          </a:ln>
+        </p:spPr>
+        <p:style>
+          <a:lnRef idx="1">
+            <a:schemeClr val="accent1"/>
+          </a:lnRef>
+          <a:fillRef idx="3">
+            <a:schemeClr val="accent1"/>
+          </a:fillRef>
+          <a:effectRef idx="2">
+            <a:schemeClr val="accent1"/>
+          </a:effectRef>
+          <a:fontRef idx="minor">
+            <a:schemeClr val="lt1"/>
+          </a:fontRef>
+        </p:style>
+        <p:txBody>
+          <a:bodyPr rtlCol="0" anchor="ctr"/>
+          <a:lstStyle/>
+          <a:p>
+            <a:pPr algn="ctr"/>
+            <a:endParaRPr lang="en-US"/>
+          </a:p>
+        </p:txBody>
+      </p:sp>
+      <p:sp>
+        <p:nvSpPr>
+          <p:cNvPr id="6" name="Freeform 5">
+            <a:extLst>
+              <a:ext uri="{FF2B5EF4-FFF2-40B4-BE49-F238E27FC236}">
+                <a16:creationId xmlns:a16="http://schemas.microsoft.com/office/drawing/2014/main" id="{FB7C5F1D-AAF4-2540-A0AF-B11B36F263F1}"/>
+              </a:ext>
+            </a:extLst>
+          </p:cNvPr>
+          <p:cNvSpPr/>
+          <p:nvPr/>
+        </p:nvSpPr>
+        <p:spPr>
+          <a:xfrm>
+            <a:off x="4645959" y="3307976"/>
+            <a:ext cx="1075765" cy="1580030"/>
+          </a:xfrm>
+          <a:custGeom>
+            <a:avLst/>
+            <a:gdLst>
+              <a:gd name="connsiteX0" fmla="*/ 6723 w 1075765"/>
+              <a:gd name="connsiteY0" fmla="*/ 1573306 h 1580030"/>
+              <a:gd name="connsiteX1" fmla="*/ 0 w 1075765"/>
+              <a:gd name="connsiteY1" fmla="*/ 705971 h 1580030"/>
+              <a:gd name="connsiteX2" fmla="*/ 67235 w 1075765"/>
+              <a:gd name="connsiteY2" fmla="*/ 336177 h 1580030"/>
+              <a:gd name="connsiteX3" fmla="*/ 141194 w 1075765"/>
+              <a:gd name="connsiteY3" fmla="*/ 0 h 1580030"/>
+              <a:gd name="connsiteX4" fmla="*/ 141194 w 1075765"/>
+              <a:gd name="connsiteY4" fmla="*/ 0 h 1580030"/>
+              <a:gd name="connsiteX5" fmla="*/ 329453 w 1075765"/>
+              <a:gd name="connsiteY5" fmla="*/ 591671 h 1580030"/>
+              <a:gd name="connsiteX6" fmla="*/ 510988 w 1075765"/>
+              <a:gd name="connsiteY6" fmla="*/ 1109383 h 1580030"/>
+              <a:gd name="connsiteX7" fmla="*/ 773206 w 1075765"/>
+              <a:gd name="connsiteY7" fmla="*/ 1465730 h 1580030"/>
+              <a:gd name="connsiteX8" fmla="*/ 1075765 w 1075765"/>
+              <a:gd name="connsiteY8" fmla="*/ 1580030 h 1580030"/>
+              <a:gd name="connsiteX9" fmla="*/ 6723 w 1075765"/>
+              <a:gd name="connsiteY9" fmla="*/ 1573306 h 1580030"/>
+            </a:gdLst>
+            <a:ahLst/>
+            <a:cxnLst>
+              <a:cxn ang="0">
+                <a:pos x="connsiteX0" y="connsiteY0"/>
+              </a:cxn>
+              <a:cxn ang="0">
+                <a:pos x="connsiteX1" y="connsiteY1"/>
+              </a:cxn>
+              <a:cxn ang="0">
+                <a:pos x="connsiteX2" y="connsiteY2"/>
+              </a:cxn>
+              <a:cxn ang="0">
+                <a:pos x="connsiteX3" y="connsiteY3"/>
+              </a:cxn>
+              <a:cxn ang="0">
+                <a:pos x="connsiteX4" y="connsiteY4"/>
+              </a:cxn>
+              <a:cxn ang="0">
+                <a:pos x="connsiteX5" y="connsiteY5"/>
+              </a:cxn>
+              <a:cxn ang="0">
+                <a:pos x="connsiteX6" y="connsiteY6"/>
+              </a:cxn>
+              <a:cxn ang="0">
+                <a:pos x="connsiteX7" y="connsiteY7"/>
+              </a:cxn>
+              <a:cxn ang="0">
+                <a:pos x="connsiteX8" y="connsiteY8"/>
+              </a:cxn>
+              <a:cxn ang="0">
+                <a:pos x="connsiteX9" y="connsiteY9"/>
+              </a:cxn>
+            </a:cxnLst>
+            <a:rect l="l" t="t" r="r" b="b"/>
+            <a:pathLst>
+              <a:path w="1075765" h="1580030">
+                <a:moveTo>
+                  <a:pt x="6723" y="1573306"/>
+                </a:moveTo>
+                <a:lnTo>
+                  <a:pt x="0" y="705971"/>
+                </a:lnTo>
+                <a:lnTo>
+                  <a:pt x="67235" y="336177"/>
+                </a:lnTo>
+                <a:lnTo>
+                  <a:pt x="141194" y="0"/>
+                </a:lnTo>
+                <a:lnTo>
+                  <a:pt x="141194" y="0"/>
+                </a:lnTo>
+                <a:lnTo>
+                  <a:pt x="329453" y="591671"/>
+                </a:lnTo>
+                <a:lnTo>
+                  <a:pt x="510988" y="1109383"/>
+                </a:lnTo>
+                <a:lnTo>
+                  <a:pt x="773206" y="1465730"/>
+                </a:lnTo>
+                <a:lnTo>
+                  <a:pt x="1075765" y="1580030"/>
+                </a:lnTo>
+                <a:lnTo>
+                  <a:pt x="6723" y="1573306"/>
+                </a:lnTo>
+                <a:close/>
+              </a:path>
+            </a:pathLst>
+          </a:custGeom>
+          <a:solidFill>
+            <a:schemeClr val="accent2">
+              <a:lumMod val="60000"/>
+              <a:lumOff val="40000"/>
+            </a:schemeClr>
+          </a:solidFill>
+          <a:ln>
+            <a:noFill/>
+          </a:ln>
+        </p:spPr>
+        <p:style>
+          <a:lnRef idx="1">
+            <a:schemeClr val="accent1"/>
+          </a:lnRef>
+          <a:fillRef idx="3">
+            <a:schemeClr val="accent1"/>
+          </a:fillRef>
+          <a:effectRef idx="2">
+            <a:schemeClr val="accent1"/>
+          </a:effectRef>
+          <a:fontRef idx="minor">
+            <a:schemeClr val="lt1"/>
+          </a:fontRef>
+        </p:style>
+        <p:txBody>
+          <a:bodyPr rtlCol="0" anchor="ctr"/>
+          <a:lstStyle/>
+          <a:p>
+            <a:pPr algn="ctr"/>
+            <a:endParaRPr lang="en-US"/>
+          </a:p>
+        </p:txBody>
+      </p:sp>
+      <p:grpSp>
+        <p:nvGrpSpPr>
+          <p:cNvPr id="3" name="Group 2">
+            <a:extLst>
+              <a:ext uri="{FF2B5EF4-FFF2-40B4-BE49-F238E27FC236}">
+                <a16:creationId xmlns:a16="http://schemas.microsoft.com/office/drawing/2014/main" id="{E0215F68-D06E-404C-9298-C531E5F669E9}"/>
+              </a:ext>
+            </a:extLst>
+          </p:cNvPr>
+          <p:cNvGrpSpPr/>
+          <p:nvPr/>
+        </p:nvGrpSpPr>
+        <p:grpSpPr>
+          <a:xfrm>
+            <a:off x="4517390" y="2778727"/>
+            <a:ext cx="203200" cy="3553493"/>
+            <a:chOff x="4733290" y="2778727"/>
+            <a:chExt cx="203200" cy="3553493"/>
+          </a:xfrm>
+        </p:grpSpPr>
+        <p:cxnSp>
+          <p:nvCxnSpPr>
+            <p:cNvPr id="13" name="Straight Connector 12">
+              <a:extLst>
+                <a:ext uri="{FF2B5EF4-FFF2-40B4-BE49-F238E27FC236}">
+                  <a16:creationId xmlns:a16="http://schemas.microsoft.com/office/drawing/2014/main" id="{F23BCCF5-BF9B-F041-9EBB-89098CA1E732}"/>
+                </a:ext>
+              </a:extLst>
+            </p:cNvPr>
+            <p:cNvCxnSpPr>
+              <a:cxnSpLocks/>
+            </p:cNvCxnSpPr>
+            <p:nvPr/>
+          </p:nvCxnSpPr>
+          <p:spPr>
+            <a:xfrm>
+              <a:off x="4862514" y="2778727"/>
+              <a:ext cx="0" cy="3204171"/>
+            </a:xfrm>
+            <a:prstGeom prst="line">
+              <a:avLst/>
+            </a:prstGeom>
+            <a:ln>
+              <a:solidFill>
+                <a:schemeClr val="tx1">
+                  <a:lumMod val="50000"/>
+                  <a:lumOff val="50000"/>
+                </a:schemeClr>
+              </a:solidFill>
+              <a:prstDash val="dash"/>
+            </a:ln>
+          </p:spPr>
+          <p:style>
+            <a:lnRef idx="2">
+              <a:schemeClr val="accent1"/>
+            </a:lnRef>
+            <a:fillRef idx="0">
+              <a:schemeClr val="accent1"/>
+            </a:fillRef>
+            <a:effectRef idx="1">
+              <a:schemeClr val="accent1"/>
+            </a:effectRef>
+            <a:fontRef idx="minor">
+              <a:schemeClr val="tx1"/>
+            </a:fontRef>
+          </p:style>
+        </p:cxnSp>
+        <p:pic>
+          <p:nvPicPr>
+            <p:cNvPr id="2" name="Picture 1">
+              <a:extLst>
+                <a:ext uri="{FF2B5EF4-FFF2-40B4-BE49-F238E27FC236}">
+                  <a16:creationId xmlns:a16="http://schemas.microsoft.com/office/drawing/2014/main" id="{44DCC00B-C696-D846-9647-496AEFE3B83A}"/>
+                </a:ext>
+              </a:extLst>
+            </p:cNvPr>
+            <p:cNvPicPr>
+              <a:picLocks noChangeAspect="1"/>
+            </p:cNvPicPr>
+            <p:nvPr/>
+          </p:nvPicPr>
+          <p:blipFill>
+            <a:blip r:embed="rId4"/>
+            <a:stretch>
+              <a:fillRect/>
+            </a:stretch>
+          </p:blipFill>
+          <p:spPr>
+            <a:xfrm>
+              <a:off x="4733290" y="5989320"/>
+              <a:ext cx="203200" cy="342900"/>
+            </a:xfrm>
+            <a:prstGeom prst="rect">
+              <a:avLst/>
+            </a:prstGeom>
+          </p:spPr>
+        </p:pic>
+      </p:grpSp>
+      <p:grpSp>
+        <p:nvGrpSpPr>
+          <p:cNvPr id="14" name="Group 13">
+            <a:extLst>
+              <a:ext uri="{FF2B5EF4-FFF2-40B4-BE49-F238E27FC236}">
+                <a16:creationId xmlns:a16="http://schemas.microsoft.com/office/drawing/2014/main" id="{FE9B9FCA-F8E0-1A48-86B2-AFFF9E018ED6}"/>
+              </a:ext>
+            </a:extLst>
+          </p:cNvPr>
+          <p:cNvGrpSpPr/>
+          <p:nvPr/>
+        </p:nvGrpSpPr>
+        <p:grpSpPr>
+          <a:xfrm>
+            <a:off x="1297777" y="4640580"/>
+            <a:ext cx="3109123" cy="1843355"/>
+            <a:chOff x="1297777" y="4640580"/>
+            <a:chExt cx="3109123" cy="1843355"/>
+          </a:xfrm>
+        </p:grpSpPr>
+        <p:sp>
+          <p:nvSpPr>
+            <p:cNvPr id="11" name="TextBox 10">
+              <a:extLst>
+                <a:ext uri="{FF2B5EF4-FFF2-40B4-BE49-F238E27FC236}">
+                  <a16:creationId xmlns:a16="http://schemas.microsoft.com/office/drawing/2014/main" id="{A2ECD1CE-5DA9-214A-B57B-9E8905FB9315}"/>
+                </a:ext>
+              </a:extLst>
+            </p:cNvPr>
+            <p:cNvSpPr txBox="1"/>
+            <p:nvPr/>
+          </p:nvSpPr>
+          <p:spPr>
+            <a:xfrm>
+              <a:off x="1297777" y="5837604"/>
+              <a:ext cx="2244782" cy="646331"/>
+            </a:xfrm>
+            <a:prstGeom prst="rect">
+              <a:avLst/>
+            </a:prstGeom>
+            <a:noFill/>
+          </p:spPr>
+          <p:txBody>
+            <a:bodyPr wrap="none" rtlCol="0">
+              <a:spAutoFit/>
+            </a:bodyPr>
+            <a:lstStyle/>
+            <a:p>
+              <a:pPr algn="r"/>
+              <a:r>
+                <a:rPr lang="en-US" dirty="0"/>
+                <a:t>FNMR</a:t>
+              </a:r>
+            </a:p>
+            <a:p>
+              <a:pPr algn="r"/>
+              <a:r>
+                <a:rPr lang="en-US" dirty="0"/>
+                <a:t>False Non-Match Rate</a:t>
+              </a:r>
+            </a:p>
+          </p:txBody>
+        </p:sp>
+        <p:cxnSp>
+          <p:nvCxnSpPr>
+            <p:cNvPr id="8" name="Straight Arrow Connector 7">
+              <a:extLst>
+                <a:ext uri="{FF2B5EF4-FFF2-40B4-BE49-F238E27FC236}">
+                  <a16:creationId xmlns:a16="http://schemas.microsoft.com/office/drawing/2014/main" id="{F6E9935C-1AD7-4146-92D4-8B5FB0D1BC13}"/>
+                </a:ext>
+              </a:extLst>
+            </p:cNvPr>
+            <p:cNvCxnSpPr/>
+            <p:nvPr/>
+          </p:nvCxnSpPr>
+          <p:spPr>
+            <a:xfrm flipH="1">
+              <a:off x="3206750" y="4640580"/>
+              <a:ext cx="1200150" cy="1085850"/>
+            </a:xfrm>
+            <a:prstGeom prst="straightConnector1">
+              <a:avLst/>
+            </a:prstGeom>
+            <a:ln>
+              <a:tailEnd type="triangle"/>
+            </a:ln>
+          </p:spPr>
+          <p:style>
+            <a:lnRef idx="2">
+              <a:schemeClr val="accent1"/>
+            </a:lnRef>
+            <a:fillRef idx="0">
+              <a:schemeClr val="accent1"/>
+            </a:fillRef>
+            <a:effectRef idx="1">
+              <a:schemeClr val="accent1"/>
+            </a:effectRef>
+            <a:fontRef idx="minor">
+              <a:schemeClr val="tx1"/>
+            </a:fontRef>
+          </p:style>
+        </p:cxnSp>
+      </p:grpSp>
+      <p:grpSp>
+        <p:nvGrpSpPr>
+          <p:cNvPr id="26" name="Group 25">
+            <a:extLst>
+              <a:ext uri="{FF2B5EF4-FFF2-40B4-BE49-F238E27FC236}">
+                <a16:creationId xmlns:a16="http://schemas.microsoft.com/office/drawing/2014/main" id="{F16CD457-6FAD-5F47-B267-84125B278152}"/>
+              </a:ext>
+            </a:extLst>
+          </p:cNvPr>
+          <p:cNvGrpSpPr/>
+          <p:nvPr/>
+        </p:nvGrpSpPr>
+        <p:grpSpPr>
+          <a:xfrm>
+            <a:off x="5014449" y="4640580"/>
+            <a:ext cx="1921999" cy="1843352"/>
+            <a:chOff x="1322391" y="4640583"/>
+            <a:chExt cx="1921999" cy="1843352"/>
+          </a:xfrm>
+        </p:grpSpPr>
+        <p:cxnSp>
+          <p:nvCxnSpPr>
+            <p:cNvPr id="28" name="Straight Arrow Connector 27">
+              <a:extLst>
+                <a:ext uri="{FF2B5EF4-FFF2-40B4-BE49-F238E27FC236}">
+                  <a16:creationId xmlns:a16="http://schemas.microsoft.com/office/drawing/2014/main" id="{CF67ABDD-DDF9-194A-A94E-900B429C5DA0}"/>
+                </a:ext>
+              </a:extLst>
+            </p:cNvPr>
+            <p:cNvCxnSpPr>
+              <a:cxnSpLocks/>
+            </p:cNvCxnSpPr>
+            <p:nvPr/>
+          </p:nvCxnSpPr>
+          <p:spPr>
+            <a:xfrm>
+              <a:off x="1322391" y="4640583"/>
+              <a:ext cx="685510" cy="1085850"/>
+            </a:xfrm>
+            <a:prstGeom prst="straightConnector1">
+              <a:avLst/>
+            </a:prstGeom>
+            <a:ln>
+              <a:tailEnd type="triangle"/>
+            </a:ln>
+          </p:spPr>
+          <p:style>
+            <a:lnRef idx="2">
+              <a:schemeClr val="accent1"/>
+            </a:lnRef>
+            <a:fillRef idx="0">
+              <a:schemeClr val="accent1"/>
+            </a:fillRef>
+            <a:effectRef idx="1">
+              <a:schemeClr val="accent1"/>
+            </a:effectRef>
+            <a:fontRef idx="minor">
+              <a:schemeClr val="tx1"/>
+            </a:fontRef>
+          </p:style>
+        </p:cxnSp>
+        <p:sp>
+          <p:nvSpPr>
+            <p:cNvPr id="29" name="TextBox 28">
+              <a:extLst>
+                <a:ext uri="{FF2B5EF4-FFF2-40B4-BE49-F238E27FC236}">
+                  <a16:creationId xmlns:a16="http://schemas.microsoft.com/office/drawing/2014/main" id="{07C6ACC0-BD23-D14A-81D9-0C7CF3CE5620}"/>
+                </a:ext>
+              </a:extLst>
+            </p:cNvPr>
+            <p:cNvSpPr txBox="1"/>
+            <p:nvPr/>
+          </p:nvSpPr>
+          <p:spPr>
+            <a:xfrm>
+              <a:off x="1462877" y="5837604"/>
+              <a:ext cx="1781513" cy="646331"/>
+            </a:xfrm>
+            <a:prstGeom prst="rect">
+              <a:avLst/>
+            </a:prstGeom>
+            <a:noFill/>
+          </p:spPr>
+          <p:txBody>
+            <a:bodyPr wrap="none" rtlCol="0">
+              <a:spAutoFit/>
+            </a:bodyPr>
+            <a:lstStyle/>
+            <a:p>
+              <a:r>
+                <a:rPr lang="en-US" dirty="0"/>
+                <a:t>FMR</a:t>
+              </a:r>
+            </a:p>
+            <a:p>
+              <a:r>
+                <a:rPr lang="en-US" dirty="0"/>
+                <a:t>False Match Rate</a:t>
+              </a:r>
+            </a:p>
+          </p:txBody>
+        </p:sp>
+      </p:grpSp>
     </p:spTree>
     <p:extLst>
       <p:ext uri="{BB962C8B-B14F-4D97-AF65-F5344CB8AC3E}">
-        <p14:creationId xmlns:p14="http://schemas.microsoft.com/office/powerpoint/2010/main" val="1333877618"/>
+        <p14:creationId xmlns:p14="http://schemas.microsoft.com/office/powerpoint/2010/main" val="400856478"/>
       </p:ext>
     </p:extLst>
   </p:cSld>
@@ -9982,75 +12946,12 @@
           <a:chExt cx="0" cy="0"/>
         </a:xfrm>
       </p:grpSpPr>
-      <p:sp>
-        <p:nvSpPr>
-          <p:cNvPr id="2" name="Title 1">
-            <a:extLst>
-              <a:ext uri="{FF2B5EF4-FFF2-40B4-BE49-F238E27FC236}">
-                <a16:creationId xmlns:a16="http://schemas.microsoft.com/office/drawing/2014/main" id="{2E6B9BFC-3ED1-B444-8BB8-557A4E0F7F4C}"/>
-              </a:ext>
-            </a:extLst>
-          </p:cNvPr>
-          <p:cNvSpPr>
-            <a:spLocks noGrp="1"/>
-          </p:cNvSpPr>
-          <p:nvPr>
-            <p:ph type="title"/>
-          </p:nvPr>
-        </p:nvSpPr>
-        <p:spPr/>
-        <p:txBody>
-          <a:bodyPr/>
-          <a:lstStyle/>
-          <a:p>
-            <a:r>
-              <a:rPr lang="en-US" dirty="0"/>
-              <a:t>Other metrics</a:t>
-            </a:r>
-          </a:p>
-        </p:txBody>
-      </p:sp>
-      <p:sp>
-        <p:nvSpPr>
-          <p:cNvPr id="3" name="TextBox 2">
-            <a:extLst>
-              <a:ext uri="{FF2B5EF4-FFF2-40B4-BE49-F238E27FC236}">
-                <a16:creationId xmlns:a16="http://schemas.microsoft.com/office/drawing/2014/main" id="{7B7DFE74-B078-E54E-BEE5-A8F88E591463}"/>
-              </a:ext>
-            </a:extLst>
-          </p:cNvPr>
-          <p:cNvSpPr txBox="1"/>
-          <p:nvPr/>
-        </p:nvSpPr>
-        <p:spPr>
-          <a:xfrm>
-            <a:off x="902044" y="1445735"/>
-            <a:ext cx="7698260" cy="1754326"/>
-          </a:xfrm>
-          <a:prstGeom prst="rect">
-            <a:avLst/>
-          </a:prstGeom>
-          <a:noFill/>
-        </p:spPr>
-        <p:txBody>
-          <a:bodyPr wrap="square" rtlCol="0">
-            <a:spAutoFit/>
-          </a:bodyPr>
-          <a:lstStyle/>
-          <a:p>
-            <a:r>
-              <a:rPr lang="en-US" dirty="0"/>
-              <a:t>Sometimes the metric is obtained from the output of a classifier (for example SVM or neural network). In this case, there are two classes, ‘1’ for genuine (same person) and ‘0’ for impostor (different persons). Typically, the classifier has a score at the output that is compared with a threshold. If the score is greater than the threshold the classification is ‘1’, otherwise is ‘0’. The score can be used in this case as a similarity metric.</a:t>
-            </a:r>
-          </a:p>
-        </p:txBody>
-      </p:sp>
       <p:pic>
         <p:nvPicPr>
-          <p:cNvPr id="11" name="Picture 10">
-            <a:extLst>
-              <a:ext uri="{FF2B5EF4-FFF2-40B4-BE49-F238E27FC236}">
-                <a16:creationId xmlns:a16="http://schemas.microsoft.com/office/drawing/2014/main" id="{6AAC749C-3905-764C-807E-71A69ACD338C}"/>
+          <p:cNvPr id="7" name="Picture 6">
+            <a:extLst>
+              <a:ext uri="{FF2B5EF4-FFF2-40B4-BE49-F238E27FC236}">
+                <a16:creationId xmlns:a16="http://schemas.microsoft.com/office/drawing/2014/main" id="{273F2DFB-5223-5446-9ABD-70C04E2DF4E7}"/>
               </a:ext>
             </a:extLst>
           </p:cNvPr>
@@ -10067,122 +12968,41 @@
         </p:blipFill>
         <p:spPr>
           <a:xfrm>
-            <a:off x="2585307" y="3237807"/>
-            <a:ext cx="3135870" cy="2758963"/>
+            <a:off x="742950" y="876299"/>
+            <a:ext cx="7778750" cy="5185833"/>
           </a:xfrm>
           <a:prstGeom prst="rect">
             <a:avLst/>
           </a:prstGeom>
         </p:spPr>
       </p:pic>
-      <p:pic>
-        <p:nvPicPr>
-          <p:cNvPr id="13" name="Picture 12">
-            <a:extLst>
-              <a:ext uri="{FF2B5EF4-FFF2-40B4-BE49-F238E27FC236}">
-                <a16:creationId xmlns:a16="http://schemas.microsoft.com/office/drawing/2014/main" id="{D142A1AD-FB0C-094C-B550-FE934B74A0CB}"/>
-              </a:ext>
-            </a:extLst>
-          </p:cNvPr>
-          <p:cNvPicPr>
-            <a:picLocks noChangeAspect="1"/>
-          </p:cNvPicPr>
-          <p:nvPr/>
-        </p:nvPicPr>
-        <p:blipFill>
-          <a:blip r:embed="rId3">
-            <a:extLst>
-              <a:ext uri="{28A0092B-C50C-407E-A947-70E740481C1C}">
-                <a14:useLocalDpi xmlns:a14="http://schemas.microsoft.com/office/drawing/2010/main" val="0"/>
-              </a:ext>
-            </a:extLst>
-          </a:blip>
-          <a:stretch>
-            <a:fillRect/>
-          </a:stretch>
-        </p:blipFill>
-        <p:spPr>
-          <a:xfrm>
-            <a:off x="902042" y="3492352"/>
-            <a:ext cx="682325" cy="992473"/>
+      <p:sp>
+        <p:nvSpPr>
+          <p:cNvPr id="8" name="Rectangle 7">
+            <a:extLst>
+              <a:ext uri="{FF2B5EF4-FFF2-40B4-BE49-F238E27FC236}">
+                <a16:creationId xmlns:a16="http://schemas.microsoft.com/office/drawing/2014/main" id="{7EB9F8ED-7E82-7F46-BBD3-69B447C822E5}"/>
+              </a:ext>
+            </a:extLst>
+          </p:cNvPr>
+          <p:cNvSpPr/>
+          <p:nvPr/>
+        </p:nvSpPr>
+        <p:spPr>
+          <a:xfrm>
+            <a:off x="1714500" y="5511800"/>
+            <a:ext cx="6172200" cy="254000"/>
           </a:xfrm>
           <a:prstGeom prst="rect">
             <a:avLst/>
           </a:prstGeom>
-          <a:ln w="38100">
+          <a:solidFill>
+            <a:srgbClr val="FFFFFF"/>
+          </a:solidFill>
+          <a:ln>
             <a:noFill/>
           </a:ln>
-        </p:spPr>
-      </p:pic>
-      <p:pic>
-        <p:nvPicPr>
-          <p:cNvPr id="14" name="Picture 13">
-            <a:extLst>
-              <a:ext uri="{FF2B5EF4-FFF2-40B4-BE49-F238E27FC236}">
-                <a16:creationId xmlns:a16="http://schemas.microsoft.com/office/drawing/2014/main" id="{C4F5766F-16A8-4043-9F92-58A317207B36}"/>
-              </a:ext>
-            </a:extLst>
-          </p:cNvPr>
-          <p:cNvPicPr>
-            <a:picLocks noChangeAspect="1"/>
-          </p:cNvPicPr>
-          <p:nvPr/>
-        </p:nvPicPr>
-        <p:blipFill>
-          <a:blip r:embed="rId4">
-            <a:extLst>
-              <a:ext uri="{28A0092B-C50C-407E-A947-70E740481C1C}">
-                <a14:useLocalDpi xmlns:a14="http://schemas.microsoft.com/office/drawing/2010/main" val="0"/>
-              </a:ext>
-            </a:extLst>
-          </a:blip>
-          <a:stretch>
-            <a:fillRect/>
-          </a:stretch>
-        </p:blipFill>
-        <p:spPr>
-          <a:xfrm>
-            <a:off x="902042" y="4688159"/>
-            <a:ext cx="682325" cy="992473"/>
-          </a:xfrm>
-          <a:prstGeom prst="rect">
-            <a:avLst/>
-          </a:prstGeom>
-          <a:ln w="63500">
-            <a:noFill/>
-          </a:ln>
-        </p:spPr>
-      </p:pic>
-      <p:sp>
-        <p:nvSpPr>
-          <p:cNvPr id="15" name="Right Arrow 14">
-            <a:extLst>
-              <a:ext uri="{FF2B5EF4-FFF2-40B4-BE49-F238E27FC236}">
-                <a16:creationId xmlns:a16="http://schemas.microsoft.com/office/drawing/2014/main" id="{380096CF-BC79-6141-BDC8-9365D1D1B64B}"/>
-              </a:ext>
-            </a:extLst>
-          </p:cNvPr>
-          <p:cNvSpPr/>
-          <p:nvPr/>
-        </p:nvSpPr>
-        <p:spPr>
-          <a:xfrm>
-            <a:off x="1699008" y="3838184"/>
-            <a:ext cx="517979" cy="300808"/>
-          </a:xfrm>
-          <a:prstGeom prst="rightArrow">
-            <a:avLst/>
-          </a:prstGeom>
-          <a:solidFill>
-            <a:schemeClr val="bg2">
-              <a:lumMod val="75000"/>
-            </a:schemeClr>
-          </a:solidFill>
-          <a:ln>
-            <a:solidFill>
-              <a:srgbClr val="000000"/>
-            </a:solidFill>
-          </a:ln>
+          <a:effectLst/>
         </p:spPr>
         <p:style>
           <a:lnRef idx="1">
@@ -10203,16 +13023,123 @@
           <a:lstStyle/>
           <a:p>
             <a:pPr algn="ctr"/>
-            <a:endParaRPr lang="en-US"/>
-          </a:p>
-        </p:txBody>
-      </p:sp>
-      <p:sp>
-        <p:nvSpPr>
-          <p:cNvPr id="16" name="Right Arrow 15">
-            <a:extLst>
-              <a:ext uri="{FF2B5EF4-FFF2-40B4-BE49-F238E27FC236}">
-                <a16:creationId xmlns:a16="http://schemas.microsoft.com/office/drawing/2014/main" id="{5EAFAA0A-7E64-6C4A-BB55-8D3FCFDFA1AF}"/>
+            <a:endParaRPr lang="en-US" dirty="0"/>
+          </a:p>
+        </p:txBody>
+      </p:sp>
+      <p:pic>
+        <p:nvPicPr>
+          <p:cNvPr id="9" name="Picture 8">
+            <a:extLst>
+              <a:ext uri="{FF2B5EF4-FFF2-40B4-BE49-F238E27FC236}">
+                <a16:creationId xmlns:a16="http://schemas.microsoft.com/office/drawing/2014/main" id="{985C02F8-1DAD-D94C-8D7E-3D11F25DED91}"/>
+              </a:ext>
+            </a:extLst>
+          </p:cNvPr>
+          <p:cNvPicPr>
+            <a:picLocks noChangeAspect="1"/>
+          </p:cNvPicPr>
+          <p:nvPr/>
+        </p:nvPicPr>
+        <p:blipFill>
+          <a:blip r:embed="rId3"/>
+          <a:stretch>
+            <a:fillRect/>
+          </a:stretch>
+        </p:blipFill>
+        <p:spPr>
+          <a:xfrm>
+            <a:off x="1803400" y="5566716"/>
+            <a:ext cx="5753100" cy="157619"/>
+          </a:xfrm>
+          <a:prstGeom prst="rect">
+            <a:avLst/>
+          </a:prstGeom>
+        </p:spPr>
+      </p:pic>
+    </p:spTree>
+    <p:extLst>
+      <p:ext uri="{BB962C8B-B14F-4D97-AF65-F5344CB8AC3E}">
+        <p14:creationId xmlns:p14="http://schemas.microsoft.com/office/powerpoint/2010/main" val="1728307640"/>
+      </p:ext>
+    </p:extLst>
+  </p:cSld>
+  <p:clrMapOvr>
+    <a:masterClrMapping/>
+  </p:clrMapOvr>
+</p:sld>
+</file>
+
+<file path=ppt/slides/slide9.xml><?xml version="1.0" encoding="utf-8"?>
+<p:sld xmlns:a="http://schemas.openxmlformats.org/drawingml/2006/main" xmlns:r="http://schemas.openxmlformats.org/officeDocument/2006/relationships" xmlns:p="http://schemas.openxmlformats.org/presentationml/2006/main">
+  <p:cSld>
+    <p:spTree>
+      <p:nvGrpSpPr>
+        <p:cNvPr id="1" name=""/>
+        <p:cNvGrpSpPr/>
+        <p:nvPr/>
+      </p:nvGrpSpPr>
+      <p:grpSpPr>
+        <a:xfrm>
+          <a:off x="0" y="0"/>
+          <a:ext cx="0" cy="0"/>
+          <a:chOff x="0" y="0"/>
+          <a:chExt cx="0" cy="0"/>
+        </a:xfrm>
+      </p:grpSpPr>
+      <p:pic>
+        <p:nvPicPr>
+          <p:cNvPr id="1026" name="Picture 2">
+            <a:extLst>
+              <a:ext uri="{FF2B5EF4-FFF2-40B4-BE49-F238E27FC236}">
+                <a16:creationId xmlns:a16="http://schemas.microsoft.com/office/drawing/2014/main" id="{0838955D-E97B-0545-9333-60278A8CCE50}"/>
+              </a:ext>
+            </a:extLst>
+          </p:cNvPr>
+          <p:cNvPicPr>
+            <a:picLocks noChangeAspect="1" noChangeArrowheads="1"/>
+          </p:cNvPicPr>
+          <p:nvPr/>
+        </p:nvPicPr>
+        <p:blipFill>
+          <a:blip r:embed="rId2">
+            <a:extLst>
+              <a:ext uri="{28A0092B-C50C-407E-A947-70E740481C1C}">
+                <a14:useLocalDpi xmlns:a14="http://schemas.microsoft.com/office/drawing/2010/main" val="0"/>
+              </a:ext>
+            </a:extLst>
+          </a:blip>
+          <a:srcRect/>
+          <a:stretch>
+            <a:fillRect/>
+          </a:stretch>
+        </p:blipFill>
+        <p:spPr bwMode="auto">
+          <a:xfrm>
+            <a:off x="749300" y="880533"/>
+            <a:ext cx="7454900" cy="4969934"/>
+          </a:xfrm>
+          <a:prstGeom prst="rect">
+            <a:avLst/>
+          </a:prstGeom>
+          <a:noFill/>
+          <a:extLst>
+            <a:ext uri="{909E8E84-426E-40DD-AFC4-6F175D3DCCD1}">
+              <a14:hiddenFill xmlns:a14="http://schemas.microsoft.com/office/drawing/2010/main">
+                <a:solidFill>
+                  <a:srgbClr val="FFFFFF"/>
+                </a:solidFill>
+              </a14:hiddenFill>
+            </a:ext>
+          </a:extLst>
+        </p:spPr>
+      </p:pic>
+      <p:sp>
+        <p:nvSpPr>
+          <p:cNvPr id="4" name="Rectangle 3">
+            <a:extLst>
+              <a:ext uri="{FF2B5EF4-FFF2-40B4-BE49-F238E27FC236}">
+                <a16:creationId xmlns:a16="http://schemas.microsoft.com/office/drawing/2014/main" id="{755FC5E2-DAB2-1143-90ED-420A9F6335A8}"/>
               </a:ext>
             </a:extLst>
           </p:cNvPr>
@@ -10221,22 +13148,19 @@
         </p:nvSpPr>
         <p:spPr>
           <a:xfrm>
-            <a:off x="1699009" y="4992132"/>
-            <a:ext cx="517979" cy="300808"/>
-          </a:xfrm>
-          <a:prstGeom prst="rightArrow">
+            <a:off x="4229100" y="4711700"/>
+            <a:ext cx="762000" cy="292100"/>
+          </a:xfrm>
+          <a:prstGeom prst="rect">
             <a:avLst/>
           </a:prstGeom>
           <a:solidFill>
-            <a:schemeClr val="bg2">
-              <a:lumMod val="75000"/>
-            </a:schemeClr>
+            <a:srgbClr val="FFFFFF"/>
           </a:solidFill>
           <a:ln>
-            <a:solidFill>
-              <a:srgbClr val="000000"/>
-            </a:solidFill>
+            <a:noFill/>
           </a:ln>
+          <a:effectLst/>
         </p:spPr>
         <p:style>
           <a:lnRef idx="1">
@@ -10257,354 +13181,14 @@
           <a:lstStyle/>
           <a:p>
             <a:pPr algn="ctr"/>
-            <a:endParaRPr lang="en-US"/>
-          </a:p>
-        </p:txBody>
-      </p:sp>
-      <p:sp>
-        <p:nvSpPr>
-          <p:cNvPr id="17" name="TextBox 16">
-            <a:extLst>
-              <a:ext uri="{FF2B5EF4-FFF2-40B4-BE49-F238E27FC236}">
-                <a16:creationId xmlns:a16="http://schemas.microsoft.com/office/drawing/2014/main" id="{949D3B43-41AC-9847-9468-7F6B7BAC930E}"/>
-              </a:ext>
-            </a:extLst>
-          </p:cNvPr>
-          <p:cNvSpPr txBox="1"/>
-          <p:nvPr/>
-        </p:nvSpPr>
-        <p:spPr>
-          <a:xfrm>
-            <a:off x="5733536" y="4176578"/>
-            <a:ext cx="1579278" cy="369332"/>
-          </a:xfrm>
-          <a:prstGeom prst="rect">
-            <a:avLst/>
-          </a:prstGeom>
-          <a:noFill/>
-        </p:spPr>
-        <p:txBody>
-          <a:bodyPr wrap="none" rtlCol="0">
-            <a:spAutoFit/>
-          </a:bodyPr>
-          <a:lstStyle/>
-          <a:p>
-            <a:r>
-              <a:rPr lang="en-US" dirty="0"/>
-              <a:t>same:        0.95</a:t>
-            </a:r>
-          </a:p>
-        </p:txBody>
-      </p:sp>
-      <p:sp>
-        <p:nvSpPr>
-          <p:cNvPr id="18" name="TextBox 17">
-            <a:extLst>
-              <a:ext uri="{FF2B5EF4-FFF2-40B4-BE49-F238E27FC236}">
-                <a16:creationId xmlns:a16="http://schemas.microsoft.com/office/drawing/2014/main" id="{E05549B6-56C5-D846-8D46-DDEEBC88925D}"/>
-              </a:ext>
-            </a:extLst>
-          </p:cNvPr>
-          <p:cNvSpPr txBox="1"/>
-          <p:nvPr/>
-        </p:nvSpPr>
-        <p:spPr>
-          <a:xfrm>
-            <a:off x="5750009" y="4650259"/>
-            <a:ext cx="1521250" cy="369332"/>
-          </a:xfrm>
-          <a:prstGeom prst="rect">
-            <a:avLst/>
-          </a:prstGeom>
-          <a:noFill/>
-        </p:spPr>
-        <p:txBody>
-          <a:bodyPr wrap="none" rtlCol="0">
-            <a:spAutoFit/>
-          </a:bodyPr>
-          <a:lstStyle/>
-          <a:p>
-            <a:r>
-              <a:rPr lang="en-US" dirty="0"/>
-              <a:t>different: 0.05</a:t>
-            </a:r>
-          </a:p>
-        </p:txBody>
-      </p:sp>
-      <p:sp>
-        <p:nvSpPr>
-          <p:cNvPr id="19" name="TextBox 18">
-            <a:extLst>
-              <a:ext uri="{FF2B5EF4-FFF2-40B4-BE49-F238E27FC236}">
-                <a16:creationId xmlns:a16="http://schemas.microsoft.com/office/drawing/2014/main" id="{8C74AEF3-D487-784F-A4AA-C306866E85D8}"/>
-              </a:ext>
-            </a:extLst>
-          </p:cNvPr>
-          <p:cNvSpPr txBox="1"/>
-          <p:nvPr/>
-        </p:nvSpPr>
-        <p:spPr>
-          <a:xfrm>
-            <a:off x="0" y="6100174"/>
-            <a:ext cx="3756454" cy="646331"/>
-          </a:xfrm>
-          <a:prstGeom prst="rect">
-            <a:avLst/>
-          </a:prstGeom>
-          <a:noFill/>
-        </p:spPr>
-        <p:txBody>
-          <a:bodyPr wrap="square" rtlCol="0">
-            <a:spAutoFit/>
-          </a:bodyPr>
-          <a:lstStyle/>
-          <a:p>
-            <a:r>
-              <a:rPr lang="en-US" dirty="0"/>
-              <a:t>If image-A and image-B are from the same person the score s is high.</a:t>
-            </a:r>
-          </a:p>
-        </p:txBody>
-      </p:sp>
-      <p:sp>
-        <p:nvSpPr>
-          <p:cNvPr id="20" name="TextBox 19">
-            <a:extLst>
-              <a:ext uri="{FF2B5EF4-FFF2-40B4-BE49-F238E27FC236}">
-                <a16:creationId xmlns:a16="http://schemas.microsoft.com/office/drawing/2014/main" id="{B30E6504-8FB9-744D-BD77-76078763FF1E}"/>
-              </a:ext>
-            </a:extLst>
-          </p:cNvPr>
-          <p:cNvSpPr txBox="1"/>
-          <p:nvPr/>
-        </p:nvSpPr>
-        <p:spPr>
-          <a:xfrm>
-            <a:off x="4153242" y="6100174"/>
-            <a:ext cx="4850533" cy="646331"/>
-          </a:xfrm>
-          <a:prstGeom prst="rect">
-            <a:avLst/>
-          </a:prstGeom>
-          <a:noFill/>
-        </p:spPr>
-        <p:txBody>
-          <a:bodyPr wrap="square" rtlCol="0">
-            <a:spAutoFit/>
-          </a:bodyPr>
-          <a:lstStyle/>
-          <a:p>
-            <a:r>
-              <a:rPr lang="en-US" dirty="0"/>
-              <a:t>If image-A and image-B are from different </a:t>
-            </a:r>
-            <a:r>
-              <a:rPr lang="en-US"/>
-              <a:t>persons the score </a:t>
-            </a:r>
-            <a:r>
-              <a:rPr lang="en-US" dirty="0"/>
-              <a:t>s is low</a:t>
-            </a:r>
-          </a:p>
-        </p:txBody>
-      </p:sp>
-      <p:sp>
-        <p:nvSpPr>
-          <p:cNvPr id="21" name="TextBox 20">
-            <a:extLst>
-              <a:ext uri="{FF2B5EF4-FFF2-40B4-BE49-F238E27FC236}">
-                <a16:creationId xmlns:a16="http://schemas.microsoft.com/office/drawing/2014/main" id="{B10C6CB5-4CC4-2E4A-90B0-287A35B53AD3}"/>
-              </a:ext>
-            </a:extLst>
-          </p:cNvPr>
-          <p:cNvSpPr txBox="1"/>
-          <p:nvPr/>
-        </p:nvSpPr>
-        <p:spPr>
-          <a:xfrm>
-            <a:off x="7008981" y="3201931"/>
-            <a:ext cx="684675" cy="369332"/>
-          </a:xfrm>
-          <a:prstGeom prst="rect">
-            <a:avLst/>
-          </a:prstGeom>
-          <a:noFill/>
-        </p:spPr>
-        <p:txBody>
-          <a:bodyPr wrap="none" rtlCol="0">
-            <a:spAutoFit/>
-          </a:bodyPr>
-          <a:lstStyle/>
-          <a:p>
-            <a:r>
-              <a:rPr lang="en-US" dirty="0"/>
-              <a:t>score</a:t>
-            </a:r>
-          </a:p>
-        </p:txBody>
-      </p:sp>
-      <p:sp>
-        <p:nvSpPr>
-          <p:cNvPr id="26" name="Oval 25">
-            <a:extLst>
-              <a:ext uri="{FF2B5EF4-FFF2-40B4-BE49-F238E27FC236}">
-                <a16:creationId xmlns:a16="http://schemas.microsoft.com/office/drawing/2014/main" id="{97C10BFD-020F-C24C-BD09-34A7DBCB278D}"/>
-              </a:ext>
-            </a:extLst>
-          </p:cNvPr>
-          <p:cNvSpPr/>
-          <p:nvPr/>
-        </p:nvSpPr>
-        <p:spPr>
-          <a:xfrm>
-            <a:off x="6722117" y="4114278"/>
-            <a:ext cx="590697" cy="461088"/>
-          </a:xfrm>
-          <a:prstGeom prst="ellipse">
-            <a:avLst/>
-          </a:prstGeom>
-          <a:noFill/>
-        </p:spPr>
-        <p:style>
-          <a:lnRef idx="1">
-            <a:schemeClr val="accent1"/>
-          </a:lnRef>
-          <a:fillRef idx="3">
-            <a:schemeClr val="accent1"/>
-          </a:fillRef>
-          <a:effectRef idx="2">
-            <a:schemeClr val="accent1"/>
-          </a:effectRef>
-          <a:fontRef idx="minor">
-            <a:schemeClr val="lt1"/>
-          </a:fontRef>
-        </p:style>
-        <p:txBody>
-          <a:bodyPr rtlCol="0" anchor="ctr"/>
-          <a:lstStyle/>
-          <a:p>
-            <a:pPr algn="ctr"/>
             <a:endParaRPr lang="en-US" dirty="0"/>
-          </a:p>
-        </p:txBody>
-      </p:sp>
-      <p:cxnSp>
-        <p:nvCxnSpPr>
-          <p:cNvPr id="22" name="Straight Arrow Connector 21">
-            <a:extLst>
-              <a:ext uri="{FF2B5EF4-FFF2-40B4-BE49-F238E27FC236}">
-                <a16:creationId xmlns:a16="http://schemas.microsoft.com/office/drawing/2014/main" id="{A9E348E0-5690-EC43-A025-1B476F6A4601}"/>
-              </a:ext>
-            </a:extLst>
-          </p:cNvPr>
-          <p:cNvCxnSpPr>
-            <a:cxnSpLocks/>
-            <a:endCxn id="26" idx="0"/>
-          </p:cNvCxnSpPr>
-          <p:nvPr/>
-        </p:nvCxnSpPr>
-        <p:spPr>
-          <a:xfrm flipH="1">
-            <a:off x="7017466" y="3631159"/>
-            <a:ext cx="253796" cy="483119"/>
-          </a:xfrm>
-          <a:prstGeom prst="straightConnector1">
-            <a:avLst/>
-          </a:prstGeom>
-          <a:ln>
-            <a:tailEnd type="triangle"/>
-          </a:ln>
-        </p:spPr>
-        <p:style>
-          <a:lnRef idx="2">
-            <a:schemeClr val="accent1"/>
-          </a:lnRef>
-          <a:fillRef idx="0">
-            <a:schemeClr val="accent1"/>
-          </a:fillRef>
-          <a:effectRef idx="1">
-            <a:schemeClr val="accent1"/>
-          </a:effectRef>
-          <a:fontRef idx="minor">
-            <a:schemeClr val="tx1"/>
-          </a:fontRef>
-        </p:style>
-      </p:cxnSp>
-      <p:sp>
-        <p:nvSpPr>
-          <p:cNvPr id="30" name="TextBox 29">
-            <a:extLst>
-              <a:ext uri="{FF2B5EF4-FFF2-40B4-BE49-F238E27FC236}">
-                <a16:creationId xmlns:a16="http://schemas.microsoft.com/office/drawing/2014/main" id="{5FA710CA-6E64-194B-8AF9-B71B102DD89F}"/>
-              </a:ext>
-            </a:extLst>
-          </p:cNvPr>
-          <p:cNvSpPr txBox="1"/>
-          <p:nvPr/>
-        </p:nvSpPr>
-        <p:spPr>
-          <a:xfrm>
-            <a:off x="457200" y="3946549"/>
-            <a:ext cx="317716" cy="369332"/>
-          </a:xfrm>
-          <a:prstGeom prst="rect">
-            <a:avLst/>
-          </a:prstGeom>
-          <a:noFill/>
-        </p:spPr>
-        <p:txBody>
-          <a:bodyPr wrap="none" rtlCol="0">
-            <a:spAutoFit/>
-          </a:bodyPr>
-          <a:lstStyle/>
-          <a:p>
-            <a:r>
-              <a:rPr lang="en-US" dirty="0"/>
-              <a:t>A</a:t>
-            </a:r>
-          </a:p>
-        </p:txBody>
-      </p:sp>
-      <p:sp>
-        <p:nvSpPr>
-          <p:cNvPr id="31" name="TextBox 30">
-            <a:extLst>
-              <a:ext uri="{FF2B5EF4-FFF2-40B4-BE49-F238E27FC236}">
-                <a16:creationId xmlns:a16="http://schemas.microsoft.com/office/drawing/2014/main" id="{847D1CB8-AEB2-A947-90B5-C7A3E3A2D8EC}"/>
-              </a:ext>
-            </a:extLst>
-          </p:cNvPr>
-          <p:cNvSpPr txBox="1"/>
-          <p:nvPr/>
-        </p:nvSpPr>
-        <p:spPr>
-          <a:xfrm>
-            <a:off x="424249" y="4939213"/>
-            <a:ext cx="317716" cy="369332"/>
-          </a:xfrm>
-          <a:prstGeom prst="rect">
-            <a:avLst/>
-          </a:prstGeom>
-          <a:noFill/>
-        </p:spPr>
-        <p:txBody>
-          <a:bodyPr wrap="none" rtlCol="0">
-            <a:spAutoFit/>
-          </a:bodyPr>
-          <a:lstStyle/>
-          <a:p>
-            <a:r>
-              <a:rPr lang="en-US" dirty="0"/>
-              <a:t>B</a:t>
-            </a:r>
           </a:p>
         </p:txBody>
       </p:sp>
     </p:spTree>
     <p:extLst>
       <p:ext uri="{BB962C8B-B14F-4D97-AF65-F5344CB8AC3E}">
-        <p14:creationId xmlns:p14="http://schemas.microsoft.com/office/powerpoint/2010/main" val="3043604847"/>
+        <p14:creationId xmlns:p14="http://schemas.microsoft.com/office/powerpoint/2010/main" val="1124829488"/>
       </p:ext>
     </p:extLst>
   </p:cSld>
